--- a/PPT.pptx
+++ b/PPT.pptx
@@ -8,6 +8,13 @@
     <p:sldId id="256" r:id="rId2"/>
     <p:sldId id="257" r:id="rId3"/>
     <p:sldId id="258" r:id="rId4"/>
+    <p:sldId id="259" r:id="rId5"/>
+    <p:sldId id="260" r:id="rId6"/>
+    <p:sldId id="262" r:id="rId7"/>
+    <p:sldId id="264" r:id="rId8"/>
+    <p:sldId id="265" r:id="rId9"/>
+    <p:sldId id="266" r:id="rId10"/>
+    <p:sldId id="261" r:id="rId11"/>
   </p:sldIdLst>
   <p:sldSz cx="12192000" cy="6858000"/>
   <p:notesSz cx="6858000" cy="9144000"/>
@@ -106,6 +113,11 @@
       </a:defRPr>
     </a:lvl9pPr>
   </p:defaultTextStyle>
+  <p:extLst>
+    <p:ext uri="{EFAFB233-063F-42B5-8137-9DF3F51BA10A}">
+      <p15:sldGuideLst xmlns:p15="http://schemas.microsoft.com/office/powerpoint/2012/main"/>
+    </p:ext>
+  </p:extLst>
 </p:presentation>
 </file>
 
@@ -256,7 +268,7 @@
           <a:p>
             <a:fld id="{D6E48D05-53D2-4059-BDB2-2460F3682A54}" type="datetimeFigureOut">
               <a:rPr lang="es-ES" smtClean="0"/>
-              <a:t>04/01/2026</a:t>
+              <a:t>07/01/2026</a:t>
             </a:fld>
             <a:endParaRPr lang="es-ES"/>
           </a:p>
@@ -454,7 +466,7 @@
           <a:p>
             <a:fld id="{D6E48D05-53D2-4059-BDB2-2460F3682A54}" type="datetimeFigureOut">
               <a:rPr lang="es-ES" smtClean="0"/>
-              <a:t>04/01/2026</a:t>
+              <a:t>07/01/2026</a:t>
             </a:fld>
             <a:endParaRPr lang="es-ES"/>
           </a:p>
@@ -662,7 +674,7 @@
           <a:p>
             <a:fld id="{D6E48D05-53D2-4059-BDB2-2460F3682A54}" type="datetimeFigureOut">
               <a:rPr lang="es-ES" smtClean="0"/>
-              <a:t>04/01/2026</a:t>
+              <a:t>07/01/2026</a:t>
             </a:fld>
             <a:endParaRPr lang="es-ES"/>
           </a:p>
@@ -860,7 +872,7 @@
           <a:p>
             <a:fld id="{D6E48D05-53D2-4059-BDB2-2460F3682A54}" type="datetimeFigureOut">
               <a:rPr lang="es-ES" smtClean="0"/>
-              <a:t>04/01/2026</a:t>
+              <a:t>07/01/2026</a:t>
             </a:fld>
             <a:endParaRPr lang="es-ES"/>
           </a:p>
@@ -1135,7 +1147,7 @@
           <a:p>
             <a:fld id="{D6E48D05-53D2-4059-BDB2-2460F3682A54}" type="datetimeFigureOut">
               <a:rPr lang="es-ES" smtClean="0"/>
-              <a:t>04/01/2026</a:t>
+              <a:t>07/01/2026</a:t>
             </a:fld>
             <a:endParaRPr lang="es-ES"/>
           </a:p>
@@ -1400,7 +1412,7 @@
           <a:p>
             <a:fld id="{D6E48D05-53D2-4059-BDB2-2460F3682A54}" type="datetimeFigureOut">
               <a:rPr lang="es-ES" smtClean="0"/>
-              <a:t>04/01/2026</a:t>
+              <a:t>07/01/2026</a:t>
             </a:fld>
             <a:endParaRPr lang="es-ES"/>
           </a:p>
@@ -1812,7 +1824,7 @@
           <a:p>
             <a:fld id="{D6E48D05-53D2-4059-BDB2-2460F3682A54}" type="datetimeFigureOut">
               <a:rPr lang="es-ES" smtClean="0"/>
-              <a:t>04/01/2026</a:t>
+              <a:t>07/01/2026</a:t>
             </a:fld>
             <a:endParaRPr lang="es-ES"/>
           </a:p>
@@ -1953,7 +1965,7 @@
           <a:p>
             <a:fld id="{D6E48D05-53D2-4059-BDB2-2460F3682A54}" type="datetimeFigureOut">
               <a:rPr lang="es-ES" smtClean="0"/>
-              <a:t>04/01/2026</a:t>
+              <a:t>07/01/2026</a:t>
             </a:fld>
             <a:endParaRPr lang="es-ES"/>
           </a:p>
@@ -2066,7 +2078,7 @@
           <a:p>
             <a:fld id="{D6E48D05-53D2-4059-BDB2-2460F3682A54}" type="datetimeFigureOut">
               <a:rPr lang="es-ES" smtClean="0"/>
-              <a:t>04/01/2026</a:t>
+              <a:t>07/01/2026</a:t>
             </a:fld>
             <a:endParaRPr lang="es-ES"/>
           </a:p>
@@ -2377,7 +2389,7 @@
           <a:p>
             <a:fld id="{D6E48D05-53D2-4059-BDB2-2460F3682A54}" type="datetimeFigureOut">
               <a:rPr lang="es-ES" smtClean="0"/>
-              <a:t>04/01/2026</a:t>
+              <a:t>07/01/2026</a:t>
             </a:fld>
             <a:endParaRPr lang="es-ES"/>
           </a:p>
@@ -2665,7 +2677,7 @@
           <a:p>
             <a:fld id="{D6E48D05-53D2-4059-BDB2-2460F3682A54}" type="datetimeFigureOut">
               <a:rPr lang="es-ES" smtClean="0"/>
-              <a:t>04/01/2026</a:t>
+              <a:t>07/01/2026</a:t>
             </a:fld>
             <a:endParaRPr lang="es-ES"/>
           </a:p>
@@ -2906,7 +2918,7 @@
           <a:p>
             <a:fld id="{D6E48D05-53D2-4059-BDB2-2460F3682A54}" type="datetimeFigureOut">
               <a:rPr lang="es-ES" smtClean="0"/>
-              <a:t>04/01/2026</a:t>
+              <a:t>07/01/2026</a:t>
             </a:fld>
             <a:endParaRPr lang="es-ES"/>
           </a:p>
@@ -3351,8 +3363,8 @@
         </p:blipFill>
         <p:spPr>
           <a:xfrm>
-            <a:off x="-4763" y="-4763"/>
-            <a:ext cx="12192000" cy="6858000"/>
+            <a:off x="1" y="-2083"/>
+            <a:ext cx="12187236" cy="6855320"/>
           </a:xfrm>
           <a:prstGeom prst="rect">
             <a:avLst/>
@@ -3578,6 +3590,160 @@
     <p:extLst>
       <p:ext uri="{BB962C8B-B14F-4D97-AF65-F5344CB8AC3E}">
         <p14:creationId xmlns:p14="http://schemas.microsoft.com/office/powerpoint/2010/main" val="3985567710"/>
+      </p:ext>
+    </p:extLst>
+  </p:cSld>
+  <p:clrMapOvr>
+    <a:masterClrMapping/>
+  </p:clrMapOvr>
+</p:sld>
+</file>
+
+<file path=ppt/slides/slide10.xml><?xml version="1.0" encoding="utf-8"?>
+<p:sld xmlns:a="http://schemas.openxmlformats.org/drawingml/2006/main" xmlns:r="http://schemas.openxmlformats.org/officeDocument/2006/relationships" xmlns:p="http://schemas.openxmlformats.org/presentationml/2006/main">
+  <p:cSld>
+    <p:spTree>
+      <p:nvGrpSpPr>
+        <p:cNvPr id="1" name=""/>
+        <p:cNvGrpSpPr/>
+        <p:nvPr/>
+      </p:nvGrpSpPr>
+      <p:grpSpPr>
+        <a:xfrm>
+          <a:off x="0" y="0"/>
+          <a:ext cx="0" cy="0"/>
+          <a:chOff x="0" y="0"/>
+          <a:chExt cx="0" cy="0"/>
+        </a:xfrm>
+      </p:grpSpPr>
+      <p:sp>
+        <p:nvSpPr>
+          <p:cNvPr id="6" name="Rectángulo 5">
+            <a:extLst>
+              <a:ext uri="{FF2B5EF4-FFF2-40B4-BE49-F238E27FC236}">
+                <a16:creationId xmlns:a16="http://schemas.microsoft.com/office/drawing/2014/main" id="{615BE2CA-5E66-4F7A-90BC-286FD6A02318}"/>
+              </a:ext>
+            </a:extLst>
+          </p:cNvPr>
+          <p:cNvSpPr/>
+          <p:nvPr/>
+        </p:nvSpPr>
+        <p:spPr>
+          <a:xfrm>
+            <a:off x="0" y="0"/>
+            <a:ext cx="12192000" cy="6858000"/>
+          </a:xfrm>
+          <a:prstGeom prst="rect">
+            <a:avLst/>
+          </a:prstGeom>
+          <a:solidFill>
+            <a:schemeClr val="accent2">
+              <a:lumMod val="20000"/>
+              <a:lumOff val="80000"/>
+            </a:schemeClr>
+          </a:solidFill>
+        </p:spPr>
+        <p:style>
+          <a:lnRef idx="2">
+            <a:schemeClr val="accent1">
+              <a:shade val="50000"/>
+            </a:schemeClr>
+          </a:lnRef>
+          <a:fillRef idx="1">
+            <a:schemeClr val="accent1"/>
+          </a:fillRef>
+          <a:effectRef idx="0">
+            <a:schemeClr val="accent1"/>
+          </a:effectRef>
+          <a:fontRef idx="minor">
+            <a:schemeClr val="lt1"/>
+          </a:fontRef>
+        </p:style>
+        <p:txBody>
+          <a:bodyPr rtlCol="0" anchor="ctr"/>
+          <a:lstStyle/>
+          <a:p>
+            <a:pPr algn="ctr"/>
+            <a:endParaRPr lang="es-ES" dirty="0"/>
+          </a:p>
+        </p:txBody>
+      </p:sp>
+      <p:sp>
+        <p:nvSpPr>
+          <p:cNvPr id="8" name="CuadroTexto 7">
+            <a:extLst>
+              <a:ext uri="{FF2B5EF4-FFF2-40B4-BE49-F238E27FC236}">
+                <a16:creationId xmlns:a16="http://schemas.microsoft.com/office/drawing/2014/main" id="{6F73E9E6-0296-4970-8B60-6FE3EFBADAE6}"/>
+              </a:ext>
+            </a:extLst>
+          </p:cNvPr>
+          <p:cNvSpPr txBox="1"/>
+          <p:nvPr/>
+        </p:nvSpPr>
+        <p:spPr>
+          <a:xfrm>
+            <a:off x="527901" y="479552"/>
+            <a:ext cx="11136198" cy="630942"/>
+          </a:xfrm>
+          <a:prstGeom prst="rect">
+            <a:avLst/>
+          </a:prstGeom>
+          <a:noFill/>
+        </p:spPr>
+        <p:txBody>
+          <a:bodyPr wrap="square" rtlCol="0">
+            <a:spAutoFit/>
+          </a:bodyPr>
+          <a:lstStyle/>
+          <a:p>
+            <a:r>
+              <a:rPr lang="es-ES" sz="3500" b="1" dirty="0">
+                <a:solidFill>
+                  <a:schemeClr val="accent2">
+                    <a:lumMod val="50000"/>
+                  </a:schemeClr>
+                </a:solidFill>
+                <a:latin typeface="+mj-lt"/>
+              </a:rPr>
+              <a:t>4. Conclusiones</a:t>
+            </a:r>
+          </a:p>
+        </p:txBody>
+      </p:sp>
+      <p:pic>
+        <p:nvPicPr>
+          <p:cNvPr id="7" name="Imagen 6">
+            <a:extLst>
+              <a:ext uri="{FF2B5EF4-FFF2-40B4-BE49-F238E27FC236}">
+                <a16:creationId xmlns:a16="http://schemas.microsoft.com/office/drawing/2014/main" id="{30E8A36F-3A65-48CF-BE23-FC9326C2CC4F}"/>
+              </a:ext>
+            </a:extLst>
+          </p:cNvPr>
+          <p:cNvPicPr>
+            <a:picLocks noChangeAspect="1"/>
+          </p:cNvPicPr>
+          <p:nvPr/>
+        </p:nvPicPr>
+        <p:blipFill>
+          <a:blip r:embed="rId2"/>
+          <a:stretch>
+            <a:fillRect/>
+          </a:stretch>
+        </p:blipFill>
+        <p:spPr>
+          <a:xfrm>
+            <a:off x="10598044" y="479552"/>
+            <a:ext cx="1066055" cy="798694"/>
+          </a:xfrm>
+          <a:prstGeom prst="rect">
+            <a:avLst/>
+          </a:prstGeom>
+        </p:spPr>
+      </p:pic>
+    </p:spTree>
+    <p:extLst>
+      <p:ext uri="{BB962C8B-B14F-4D97-AF65-F5344CB8AC3E}">
+        <p14:creationId xmlns:p14="http://schemas.microsoft.com/office/powerpoint/2010/main" val="2409762866"/>
       </p:ext>
     </p:extLst>
   </p:cSld>
@@ -3606,54 +3772,434 @@
       </p:grpSpPr>
       <p:sp>
         <p:nvSpPr>
-          <p:cNvPr id="2" name="Título 1">
-            <a:extLst>
-              <a:ext uri="{FF2B5EF4-FFF2-40B4-BE49-F238E27FC236}">
-                <a16:creationId xmlns:a16="http://schemas.microsoft.com/office/drawing/2014/main" id="{E06864F3-8FF1-AC4B-578D-9BD7D9881D2D}"/>
-              </a:ext>
-            </a:extLst>
-          </p:cNvPr>
-          <p:cNvSpPr>
-            <a:spLocks noGrp="1"/>
-          </p:cNvSpPr>
-          <p:nvPr>
-            <p:ph type="title"/>
-          </p:nvPr>
+          <p:cNvPr id="6" name="Rectángulo 5">
+            <a:extLst>
+              <a:ext uri="{FF2B5EF4-FFF2-40B4-BE49-F238E27FC236}">
+                <a16:creationId xmlns:a16="http://schemas.microsoft.com/office/drawing/2014/main" id="{615BE2CA-5E66-4F7A-90BC-286FD6A02318}"/>
+              </a:ext>
+            </a:extLst>
+          </p:cNvPr>
+          <p:cNvSpPr/>
+          <p:nvPr/>
         </p:nvSpPr>
-        <p:spPr/>
+        <p:spPr>
+          <a:xfrm>
+            <a:off x="0" y="0"/>
+            <a:ext cx="12192000" cy="6858000"/>
+          </a:xfrm>
+          <a:prstGeom prst="rect">
+            <a:avLst/>
+          </a:prstGeom>
+          <a:solidFill>
+            <a:schemeClr val="accent2">
+              <a:lumMod val="20000"/>
+              <a:lumOff val="80000"/>
+            </a:schemeClr>
+          </a:solidFill>
+        </p:spPr>
+        <p:style>
+          <a:lnRef idx="2">
+            <a:schemeClr val="accent1">
+              <a:shade val="50000"/>
+            </a:schemeClr>
+          </a:lnRef>
+          <a:fillRef idx="1">
+            <a:schemeClr val="accent1"/>
+          </a:fillRef>
+          <a:effectRef idx="0">
+            <a:schemeClr val="accent1"/>
+          </a:effectRef>
+          <a:fontRef idx="minor">
+            <a:schemeClr val="lt1"/>
+          </a:fontRef>
+        </p:style>
         <p:txBody>
-          <a:bodyPr/>
+          <a:bodyPr rtlCol="0" anchor="ctr"/>
           <a:lstStyle/>
           <a:p>
-            <a:endParaRPr lang="es-ES"/>
+            <a:pPr algn="ctr"/>
+            <a:endParaRPr lang="es-ES" dirty="0"/>
           </a:p>
         </p:txBody>
       </p:sp>
       <p:sp>
         <p:nvSpPr>
-          <p:cNvPr id="3" name="Marcador de contenido 2">
-            <a:extLst>
-              <a:ext uri="{FF2B5EF4-FFF2-40B4-BE49-F238E27FC236}">
-                <a16:creationId xmlns:a16="http://schemas.microsoft.com/office/drawing/2014/main" id="{10A7C3DB-8543-1B04-84EF-B3EC286C88C9}"/>
-              </a:ext>
-            </a:extLst>
-          </p:cNvPr>
-          <p:cNvSpPr>
-            <a:spLocks noGrp="1"/>
-          </p:cNvSpPr>
-          <p:nvPr>
-            <p:ph idx="1"/>
-          </p:nvPr>
+          <p:cNvPr id="8" name="CuadroTexto 7">
+            <a:extLst>
+              <a:ext uri="{FF2B5EF4-FFF2-40B4-BE49-F238E27FC236}">
+                <a16:creationId xmlns:a16="http://schemas.microsoft.com/office/drawing/2014/main" id="{6F73E9E6-0296-4970-8B60-6FE3EFBADAE6}"/>
+              </a:ext>
+            </a:extLst>
+          </p:cNvPr>
+          <p:cNvSpPr txBox="1"/>
+          <p:nvPr/>
         </p:nvSpPr>
-        <p:spPr/>
+        <p:spPr>
+          <a:xfrm>
+            <a:off x="527901" y="479552"/>
+            <a:ext cx="11136198" cy="1169551"/>
+          </a:xfrm>
+          <a:prstGeom prst="rect">
+            <a:avLst/>
+          </a:prstGeom>
+          <a:noFill/>
+        </p:spPr>
         <p:txBody>
-          <a:bodyPr/>
+          <a:bodyPr wrap="square" rtlCol="0">
+            <a:spAutoFit/>
+          </a:bodyPr>
           <a:lstStyle/>
           <a:p>
-            <a:endParaRPr lang="es-ES"/>
+            <a:pPr algn="ctr"/>
+            <a:r>
+              <a:rPr lang="es-ES" sz="7000" b="1" dirty="0">
+                <a:solidFill>
+                  <a:schemeClr val="accent2">
+                    <a:lumMod val="50000"/>
+                  </a:schemeClr>
+                </a:solidFill>
+                <a:latin typeface="+mj-lt"/>
+              </a:rPr>
+              <a:t>INDICE</a:t>
+            </a:r>
           </a:p>
         </p:txBody>
       </p:sp>
+      <p:sp>
+        <p:nvSpPr>
+          <p:cNvPr id="9" name="CuadroTexto 8">
+            <a:extLst>
+              <a:ext uri="{FF2B5EF4-FFF2-40B4-BE49-F238E27FC236}">
+                <a16:creationId xmlns:a16="http://schemas.microsoft.com/office/drawing/2014/main" id="{C88EBFC1-1E02-4789-9454-99F01FAC6DB2}"/>
+              </a:ext>
+            </a:extLst>
+          </p:cNvPr>
+          <p:cNvSpPr txBox="1"/>
+          <p:nvPr/>
+        </p:nvSpPr>
+        <p:spPr>
+          <a:xfrm>
+            <a:off x="619024" y="2551837"/>
+            <a:ext cx="2582944" cy="677108"/>
+          </a:xfrm>
+          <a:prstGeom prst="rect">
+            <a:avLst/>
+          </a:prstGeom>
+          <a:noFill/>
+        </p:spPr>
+        <p:txBody>
+          <a:bodyPr wrap="square" rtlCol="0">
+            <a:spAutoFit/>
+          </a:bodyPr>
+          <a:lstStyle/>
+          <a:p>
+            <a:pPr algn="ctr"/>
+            <a:r>
+              <a:rPr lang="es-ES" sz="1900" b="1" dirty="0">
+                <a:solidFill>
+                  <a:schemeClr val="accent2">
+                    <a:lumMod val="50000"/>
+                  </a:schemeClr>
+                </a:solidFill>
+              </a:rPr>
+              <a:t>1.  Definición del problema</a:t>
+            </a:r>
+          </a:p>
+        </p:txBody>
+      </p:sp>
+      <p:sp>
+        <p:nvSpPr>
+          <p:cNvPr id="10" name="CuadroTexto 9">
+            <a:extLst>
+              <a:ext uri="{FF2B5EF4-FFF2-40B4-BE49-F238E27FC236}">
+                <a16:creationId xmlns:a16="http://schemas.microsoft.com/office/drawing/2014/main" id="{14B400DA-C729-44BB-BE3B-E247C84DA4A5}"/>
+              </a:ext>
+            </a:extLst>
+          </p:cNvPr>
+          <p:cNvSpPr txBox="1"/>
+          <p:nvPr/>
+        </p:nvSpPr>
+        <p:spPr>
+          <a:xfrm>
+            <a:off x="3357512" y="2551837"/>
+            <a:ext cx="2582944" cy="646331"/>
+          </a:xfrm>
+          <a:prstGeom prst="rect">
+            <a:avLst/>
+          </a:prstGeom>
+          <a:noFill/>
+        </p:spPr>
+        <p:txBody>
+          <a:bodyPr wrap="square" rtlCol="0">
+            <a:spAutoFit/>
+          </a:bodyPr>
+          <a:lstStyle>
+            <a:defPPr>
+              <a:defRPr lang="es-ES"/>
+            </a:defPPr>
+            <a:lvl1pPr algn="ctr">
+              <a:defRPr sz="1900" b="1">
+                <a:solidFill>
+                  <a:schemeClr val="accent2">
+                    <a:lumMod val="50000"/>
+                  </a:schemeClr>
+                </a:solidFill>
+              </a:defRPr>
+            </a:lvl1pPr>
+          </a:lstStyle>
+          <a:p>
+            <a:r>
+              <a:rPr lang="es-ES" dirty="0"/>
+              <a:t>2.  Planteamiento de la hipótesis</a:t>
+            </a:r>
+          </a:p>
+        </p:txBody>
+      </p:sp>
+      <p:sp>
+        <p:nvSpPr>
+          <p:cNvPr id="11" name="CuadroTexto 10">
+            <a:extLst>
+              <a:ext uri="{FF2B5EF4-FFF2-40B4-BE49-F238E27FC236}">
+                <a16:creationId xmlns:a16="http://schemas.microsoft.com/office/drawing/2014/main" id="{B784E347-F5C9-4A79-9168-84317345A9F2}"/>
+              </a:ext>
+            </a:extLst>
+          </p:cNvPr>
+          <p:cNvSpPr txBox="1"/>
+          <p:nvPr/>
+        </p:nvSpPr>
+        <p:spPr>
+          <a:xfrm>
+            <a:off x="6096000" y="2551837"/>
+            <a:ext cx="2582944" cy="384721"/>
+          </a:xfrm>
+          <a:prstGeom prst="rect">
+            <a:avLst/>
+          </a:prstGeom>
+          <a:noFill/>
+        </p:spPr>
+        <p:txBody>
+          <a:bodyPr wrap="square" rtlCol="0">
+            <a:spAutoFit/>
+          </a:bodyPr>
+          <a:lstStyle>
+            <a:defPPr>
+              <a:defRPr lang="es-ES"/>
+            </a:defPPr>
+            <a:lvl1pPr>
+              <a:defRPr b="1">
+                <a:solidFill>
+                  <a:schemeClr val="accent2">
+                    <a:lumMod val="50000"/>
+                  </a:schemeClr>
+                </a:solidFill>
+              </a:defRPr>
+            </a:lvl1pPr>
+          </a:lstStyle>
+          <a:p>
+            <a:pPr algn="ctr"/>
+            <a:r>
+              <a:rPr lang="es-ES" sz="1900" dirty="0"/>
+              <a:t>3.  Análisis de los datos</a:t>
+            </a:r>
+          </a:p>
+        </p:txBody>
+      </p:sp>
+      <p:sp>
+        <p:nvSpPr>
+          <p:cNvPr id="12" name="CuadroTexto 11">
+            <a:extLst>
+              <a:ext uri="{FF2B5EF4-FFF2-40B4-BE49-F238E27FC236}">
+                <a16:creationId xmlns:a16="http://schemas.microsoft.com/office/drawing/2014/main" id="{4DDC2D2E-A2FD-4C46-8EAA-25B85D10657E}"/>
+              </a:ext>
+            </a:extLst>
+          </p:cNvPr>
+          <p:cNvSpPr txBox="1"/>
+          <p:nvPr/>
+        </p:nvSpPr>
+        <p:spPr>
+          <a:xfrm>
+            <a:off x="8834488" y="2551837"/>
+            <a:ext cx="2582944" cy="384721"/>
+          </a:xfrm>
+          <a:prstGeom prst="rect">
+            <a:avLst/>
+          </a:prstGeom>
+          <a:noFill/>
+        </p:spPr>
+        <p:txBody>
+          <a:bodyPr wrap="square" rtlCol="0">
+            <a:spAutoFit/>
+          </a:bodyPr>
+          <a:lstStyle/>
+          <a:p>
+            <a:pPr algn="ctr"/>
+            <a:r>
+              <a:rPr lang="es-ES" sz="1900" b="1" dirty="0">
+                <a:solidFill>
+                  <a:schemeClr val="accent2">
+                    <a:lumMod val="50000"/>
+                  </a:schemeClr>
+                </a:solidFill>
+              </a:rPr>
+              <a:t>4.  Conclusiones</a:t>
+            </a:r>
+          </a:p>
+        </p:txBody>
+      </p:sp>
+      <p:pic>
+        <p:nvPicPr>
+          <p:cNvPr id="21" name="Imagen 20">
+            <a:hlinkClick r:id="rId2" action="ppaction://hlinksldjump"/>
+            <a:extLst>
+              <a:ext uri="{FF2B5EF4-FFF2-40B4-BE49-F238E27FC236}">
+                <a16:creationId xmlns:a16="http://schemas.microsoft.com/office/drawing/2014/main" id="{DE03F977-3C40-4F20-9EE4-C5C91406DB5D}"/>
+              </a:ext>
+            </a:extLst>
+          </p:cNvPr>
+          <p:cNvPicPr>
+            <a:picLocks noChangeAspect="1"/>
+          </p:cNvPicPr>
+          <p:nvPr/>
+        </p:nvPicPr>
+        <p:blipFill>
+          <a:blip r:embed="rId3"/>
+          <a:stretch>
+            <a:fillRect/>
+          </a:stretch>
+        </p:blipFill>
+        <p:spPr>
+          <a:xfrm>
+            <a:off x="896948" y="3415780"/>
+            <a:ext cx="2027096" cy="1524132"/>
+          </a:xfrm>
+          <a:prstGeom prst="rect">
+            <a:avLst/>
+          </a:prstGeom>
+        </p:spPr>
+      </p:pic>
+      <p:pic>
+        <p:nvPicPr>
+          <p:cNvPr id="23" name="Imagen 22">
+            <a:hlinkClick r:id="rId4" action="ppaction://hlinksldjump"/>
+            <a:extLst>
+              <a:ext uri="{FF2B5EF4-FFF2-40B4-BE49-F238E27FC236}">
+                <a16:creationId xmlns:a16="http://schemas.microsoft.com/office/drawing/2014/main" id="{8E462765-EE27-47AD-A1FF-936AA9FD031E}"/>
+              </a:ext>
+            </a:extLst>
+          </p:cNvPr>
+          <p:cNvPicPr>
+            <a:picLocks noChangeAspect="1"/>
+          </p:cNvPicPr>
+          <p:nvPr/>
+        </p:nvPicPr>
+        <p:blipFill>
+          <a:blip r:embed="rId5"/>
+          <a:stretch>
+            <a:fillRect/>
+          </a:stretch>
+        </p:blipFill>
+        <p:spPr>
+          <a:xfrm>
+            <a:off x="3635436" y="3423579"/>
+            <a:ext cx="2027096" cy="1524131"/>
+          </a:xfrm>
+          <a:prstGeom prst="rect">
+            <a:avLst/>
+          </a:prstGeom>
+        </p:spPr>
+      </p:pic>
+      <p:pic>
+        <p:nvPicPr>
+          <p:cNvPr id="25" name="Imagen 24">
+            <a:extLst>
+              <a:ext uri="{FF2B5EF4-FFF2-40B4-BE49-F238E27FC236}">
+                <a16:creationId xmlns:a16="http://schemas.microsoft.com/office/drawing/2014/main" id="{99C6D544-9AD2-44B7-BC9E-27676F5A3284}"/>
+              </a:ext>
+            </a:extLst>
+          </p:cNvPr>
+          <p:cNvPicPr>
+            <a:picLocks noChangeAspect="1"/>
+          </p:cNvPicPr>
+          <p:nvPr/>
+        </p:nvPicPr>
+        <p:blipFill>
+          <a:blip r:embed="rId6"/>
+          <a:stretch>
+            <a:fillRect/>
+          </a:stretch>
+        </p:blipFill>
+        <p:spPr>
+          <a:xfrm>
+            <a:off x="6373924" y="3410359"/>
+            <a:ext cx="2027096" cy="1524132"/>
+          </a:xfrm>
+          <a:prstGeom prst="rect">
+            <a:avLst/>
+          </a:prstGeom>
+        </p:spPr>
+      </p:pic>
+      <p:pic>
+        <p:nvPicPr>
+          <p:cNvPr id="27" name="Imagen 26">
+            <a:hlinkClick r:id="rId7" action="ppaction://hlinksldjump"/>
+            <a:extLst>
+              <a:ext uri="{FF2B5EF4-FFF2-40B4-BE49-F238E27FC236}">
+                <a16:creationId xmlns:a16="http://schemas.microsoft.com/office/drawing/2014/main" id="{7C93B224-86EE-4269-82A8-F866BC7C6847}"/>
+              </a:ext>
+            </a:extLst>
+          </p:cNvPr>
+          <p:cNvPicPr>
+            <a:picLocks noChangeAspect="1"/>
+          </p:cNvPicPr>
+          <p:nvPr/>
+        </p:nvPicPr>
+        <p:blipFill>
+          <a:blip r:embed="rId8"/>
+          <a:stretch>
+            <a:fillRect/>
+          </a:stretch>
+        </p:blipFill>
+        <p:spPr>
+          <a:xfrm>
+            <a:off x="9112412" y="3429000"/>
+            <a:ext cx="2027096" cy="1518710"/>
+          </a:xfrm>
+          <a:prstGeom prst="rect">
+            <a:avLst/>
+          </a:prstGeom>
+        </p:spPr>
+      </p:pic>
+      <p:pic>
+        <p:nvPicPr>
+          <p:cNvPr id="29" name="Imagen 28">
+            <a:hlinkClick r:id="rId9" action="ppaction://hlinksldjump"/>
+            <a:extLst>
+              <a:ext uri="{FF2B5EF4-FFF2-40B4-BE49-F238E27FC236}">
+                <a16:creationId xmlns:a16="http://schemas.microsoft.com/office/drawing/2014/main" id="{2F49A1E9-3C99-4A60-822B-A58643DA88C2}"/>
+              </a:ext>
+            </a:extLst>
+          </p:cNvPr>
+          <p:cNvPicPr>
+            <a:picLocks noChangeAspect="1"/>
+          </p:cNvPicPr>
+          <p:nvPr/>
+        </p:nvPicPr>
+        <p:blipFill>
+          <a:blip r:embed="rId6"/>
+          <a:stretch>
+            <a:fillRect/>
+          </a:stretch>
+        </p:blipFill>
+        <p:spPr>
+          <a:xfrm>
+            <a:off x="6373924" y="3415780"/>
+            <a:ext cx="2027096" cy="1524132"/>
+          </a:xfrm>
+          <a:prstGeom prst="rect">
+            <a:avLst/>
+          </a:prstGeom>
+        </p:spPr>
+      </p:pic>
     </p:spTree>
     <p:extLst>
       <p:ext uri="{BB962C8B-B14F-4D97-AF65-F5344CB8AC3E}">
@@ -3686,58 +4232,6626 @@
       </p:grpSpPr>
       <p:sp>
         <p:nvSpPr>
-          <p:cNvPr id="2" name="Título 1">
-            <a:extLst>
-              <a:ext uri="{FF2B5EF4-FFF2-40B4-BE49-F238E27FC236}">
-                <a16:creationId xmlns:a16="http://schemas.microsoft.com/office/drawing/2014/main" id="{5F0904D5-1895-728B-C376-482DA91A8650}"/>
-              </a:ext>
-            </a:extLst>
-          </p:cNvPr>
-          <p:cNvSpPr>
-            <a:spLocks noGrp="1"/>
-          </p:cNvSpPr>
-          <p:nvPr>
-            <p:ph type="title"/>
-          </p:nvPr>
+          <p:cNvPr id="6" name="Rectángulo 5">
+            <a:extLst>
+              <a:ext uri="{FF2B5EF4-FFF2-40B4-BE49-F238E27FC236}">
+                <a16:creationId xmlns:a16="http://schemas.microsoft.com/office/drawing/2014/main" id="{615BE2CA-5E66-4F7A-90BC-286FD6A02318}"/>
+              </a:ext>
+            </a:extLst>
+          </p:cNvPr>
+          <p:cNvSpPr/>
+          <p:nvPr/>
         </p:nvSpPr>
-        <p:spPr/>
+        <p:spPr>
+          <a:xfrm>
+            <a:off x="0" y="0"/>
+            <a:ext cx="12192000" cy="6858000"/>
+          </a:xfrm>
+          <a:prstGeom prst="rect">
+            <a:avLst/>
+          </a:prstGeom>
+          <a:solidFill>
+            <a:schemeClr val="accent2">
+              <a:lumMod val="20000"/>
+              <a:lumOff val="80000"/>
+            </a:schemeClr>
+          </a:solidFill>
+        </p:spPr>
+        <p:style>
+          <a:lnRef idx="2">
+            <a:schemeClr val="accent1">
+              <a:shade val="50000"/>
+            </a:schemeClr>
+          </a:lnRef>
+          <a:fillRef idx="1">
+            <a:schemeClr val="accent1"/>
+          </a:fillRef>
+          <a:effectRef idx="0">
+            <a:schemeClr val="accent1"/>
+          </a:effectRef>
+          <a:fontRef idx="minor">
+            <a:schemeClr val="lt1"/>
+          </a:fontRef>
+        </p:style>
         <p:txBody>
-          <a:bodyPr/>
+          <a:bodyPr rtlCol="0" anchor="ctr"/>
           <a:lstStyle/>
           <a:p>
-            <a:endParaRPr lang="es-ES"/>
+            <a:pPr algn="ctr"/>
+            <a:endParaRPr lang="es-ES" dirty="0"/>
           </a:p>
         </p:txBody>
       </p:sp>
       <p:sp>
         <p:nvSpPr>
-          <p:cNvPr id="3" name="Marcador de contenido 2">
-            <a:extLst>
-              <a:ext uri="{FF2B5EF4-FFF2-40B4-BE49-F238E27FC236}">
-                <a16:creationId xmlns:a16="http://schemas.microsoft.com/office/drawing/2014/main" id="{3A50BB20-8572-E659-110A-C955F442E1B5}"/>
-              </a:ext>
-            </a:extLst>
-          </p:cNvPr>
-          <p:cNvSpPr>
-            <a:spLocks noGrp="1"/>
-          </p:cNvSpPr>
-          <p:nvPr>
-            <p:ph idx="1"/>
-          </p:nvPr>
+          <p:cNvPr id="8" name="CuadroTexto 7">
+            <a:extLst>
+              <a:ext uri="{FF2B5EF4-FFF2-40B4-BE49-F238E27FC236}">
+                <a16:creationId xmlns:a16="http://schemas.microsoft.com/office/drawing/2014/main" id="{6F73E9E6-0296-4970-8B60-6FE3EFBADAE6}"/>
+              </a:ext>
+            </a:extLst>
+          </p:cNvPr>
+          <p:cNvSpPr txBox="1"/>
+          <p:nvPr/>
         </p:nvSpPr>
-        <p:spPr/>
+        <p:spPr>
+          <a:xfrm>
+            <a:off x="527901" y="479552"/>
+            <a:ext cx="11136198" cy="630942"/>
+          </a:xfrm>
+          <a:prstGeom prst="rect">
+            <a:avLst/>
+          </a:prstGeom>
+          <a:noFill/>
+        </p:spPr>
         <p:txBody>
-          <a:bodyPr/>
+          <a:bodyPr wrap="square" rtlCol="0">
+            <a:spAutoFit/>
+          </a:bodyPr>
           <a:lstStyle/>
           <a:p>
-            <a:endParaRPr lang="es-ES"/>
+            <a:r>
+              <a:rPr lang="es-ES" sz="3500" b="1" dirty="0">
+                <a:solidFill>
+                  <a:srgbClr val="582808"/>
+                </a:solidFill>
+                <a:latin typeface="+mj-lt"/>
+              </a:rPr>
+              <a:t>1. Definición del problema</a:t>
+            </a:r>
+          </a:p>
+        </p:txBody>
+      </p:sp>
+      <p:pic>
+        <p:nvPicPr>
+          <p:cNvPr id="21" name="Imagen 20">
+            <a:extLst>
+              <a:ext uri="{FF2B5EF4-FFF2-40B4-BE49-F238E27FC236}">
+                <a16:creationId xmlns:a16="http://schemas.microsoft.com/office/drawing/2014/main" id="{DE03F977-3C40-4F20-9EE4-C5C91406DB5D}"/>
+              </a:ext>
+            </a:extLst>
+          </p:cNvPr>
+          <p:cNvPicPr>
+            <a:picLocks noChangeAspect="1"/>
+          </p:cNvPicPr>
+          <p:nvPr/>
+        </p:nvPicPr>
+        <p:blipFill>
+          <a:blip r:embed="rId2"/>
+          <a:stretch>
+            <a:fillRect/>
+          </a:stretch>
+        </p:blipFill>
+        <p:spPr>
+          <a:xfrm>
+            <a:off x="10757385" y="471194"/>
+            <a:ext cx="1066055" cy="801545"/>
+          </a:xfrm>
+          <a:prstGeom prst="rect">
+            <a:avLst/>
+          </a:prstGeom>
+        </p:spPr>
+      </p:pic>
+      <p:sp>
+        <p:nvSpPr>
+          <p:cNvPr id="3" name="CuadroTexto 2">
+            <a:extLst>
+              <a:ext uri="{FF2B5EF4-FFF2-40B4-BE49-F238E27FC236}">
+                <a16:creationId xmlns:a16="http://schemas.microsoft.com/office/drawing/2014/main" id="{25453B71-103E-4DB8-BE26-F7B4581304E3}"/>
+              </a:ext>
+            </a:extLst>
+          </p:cNvPr>
+          <p:cNvSpPr txBox="1"/>
+          <p:nvPr/>
+        </p:nvSpPr>
+        <p:spPr>
+          <a:xfrm>
+            <a:off x="622169" y="1984574"/>
+            <a:ext cx="10947662" cy="3416320"/>
+          </a:xfrm>
+          <a:prstGeom prst="rect">
+            <a:avLst/>
+          </a:prstGeom>
+          <a:noFill/>
+        </p:spPr>
+        <p:txBody>
+          <a:bodyPr wrap="square" rtlCol="0">
+            <a:spAutoFit/>
+          </a:bodyPr>
+          <a:lstStyle/>
+          <a:p>
+            <a:r>
+              <a:rPr lang="es-ES" dirty="0">
+                <a:solidFill>
+                  <a:srgbClr val="582808"/>
+                </a:solidFill>
+              </a:rPr>
+              <a:t>En los últimos años, el crecimiento de plataformas de alquiler turístico – como por ejemplo Airbnb – ha generado un intenso debate sobre su impacto en el mercado inmobiliario de grandes ciudades.</a:t>
+            </a:r>
+          </a:p>
+          <a:p>
+            <a:endParaRPr lang="es-ES" dirty="0">
+              <a:solidFill>
+                <a:srgbClr val="582808"/>
+              </a:solidFill>
+            </a:endParaRPr>
+          </a:p>
+          <a:p>
+            <a:r>
+              <a:rPr lang="es-ES" dirty="0">
+                <a:solidFill>
+                  <a:srgbClr val="582808"/>
+                </a:solidFill>
+              </a:rPr>
+              <a:t>Madrid no es una excepción y la concentración que aquí se da de viviendas turísticas plantea dudas sobre su relación con el incremento de precio de las viviendas, la reducción de la oferta residencial o la posible desigualdad inmobiliaria que se da entre los distintos distritos y barrios de la ciudad.</a:t>
+            </a:r>
+          </a:p>
+          <a:p>
+            <a:endParaRPr lang="es-ES" dirty="0">
+              <a:solidFill>
+                <a:srgbClr val="582808"/>
+              </a:solidFill>
+            </a:endParaRPr>
+          </a:p>
+          <a:p>
+            <a:r>
+              <a:rPr lang="es-ES" dirty="0">
+                <a:solidFill>
+                  <a:srgbClr val="582808"/>
+                </a:solidFill>
+              </a:rPr>
+              <a:t>Por ello, hemos querido centrar en estos puntos el análisis para poder objetivar esa relación más allá de las percepciones generales que puedan existir.</a:t>
+            </a:r>
+          </a:p>
+          <a:p>
+            <a:endParaRPr lang="es-ES" dirty="0">
+              <a:solidFill>
+                <a:srgbClr val="582808"/>
+              </a:solidFill>
+            </a:endParaRPr>
+          </a:p>
+          <a:p>
+            <a:r>
+              <a:rPr lang="es-ES" dirty="0">
+                <a:solidFill>
+                  <a:srgbClr val="582808"/>
+                </a:solidFill>
+              </a:rPr>
+              <a:t>¿Existe realmente una relación entre la presión turística (medida según los datos de Airbnb) y el precio del metro cuadrado de las viviendas de los distintos distritos y barrios de Madrid?</a:t>
+            </a:r>
           </a:p>
         </p:txBody>
       </p:sp>
     </p:spTree>
     <p:extLst>
       <p:ext uri="{BB962C8B-B14F-4D97-AF65-F5344CB8AC3E}">
-        <p14:creationId xmlns:p14="http://schemas.microsoft.com/office/powerpoint/2010/main" val="960526947"/>
+        <p14:creationId xmlns:p14="http://schemas.microsoft.com/office/powerpoint/2010/main" val="1306012069"/>
+      </p:ext>
+    </p:extLst>
+  </p:cSld>
+  <p:clrMapOvr>
+    <a:masterClrMapping/>
+  </p:clrMapOvr>
+</p:sld>
+</file>
+
+<file path=ppt/slides/slide4.xml><?xml version="1.0" encoding="utf-8"?>
+<p:sld xmlns:a="http://schemas.openxmlformats.org/drawingml/2006/main" xmlns:r="http://schemas.openxmlformats.org/officeDocument/2006/relationships" xmlns:p="http://schemas.openxmlformats.org/presentationml/2006/main">
+  <p:cSld>
+    <p:spTree>
+      <p:nvGrpSpPr>
+        <p:cNvPr id="1" name=""/>
+        <p:cNvGrpSpPr/>
+        <p:nvPr/>
+      </p:nvGrpSpPr>
+      <p:grpSpPr>
+        <a:xfrm>
+          <a:off x="0" y="0"/>
+          <a:ext cx="0" cy="0"/>
+          <a:chOff x="0" y="0"/>
+          <a:chExt cx="0" cy="0"/>
+        </a:xfrm>
+      </p:grpSpPr>
+      <p:sp>
+        <p:nvSpPr>
+          <p:cNvPr id="6" name="Rectángulo 5">
+            <a:extLst>
+              <a:ext uri="{FF2B5EF4-FFF2-40B4-BE49-F238E27FC236}">
+                <a16:creationId xmlns:a16="http://schemas.microsoft.com/office/drawing/2014/main" id="{615BE2CA-5E66-4F7A-90BC-286FD6A02318}"/>
+              </a:ext>
+            </a:extLst>
+          </p:cNvPr>
+          <p:cNvSpPr/>
+          <p:nvPr/>
+        </p:nvSpPr>
+        <p:spPr>
+          <a:xfrm>
+            <a:off x="0" y="0"/>
+            <a:ext cx="12192000" cy="6858000"/>
+          </a:xfrm>
+          <a:prstGeom prst="rect">
+            <a:avLst/>
+          </a:prstGeom>
+          <a:solidFill>
+            <a:schemeClr val="accent2">
+              <a:lumMod val="20000"/>
+              <a:lumOff val="80000"/>
+            </a:schemeClr>
+          </a:solidFill>
+        </p:spPr>
+        <p:style>
+          <a:lnRef idx="2">
+            <a:schemeClr val="accent1">
+              <a:shade val="50000"/>
+            </a:schemeClr>
+          </a:lnRef>
+          <a:fillRef idx="1">
+            <a:schemeClr val="accent1"/>
+          </a:fillRef>
+          <a:effectRef idx="0">
+            <a:schemeClr val="accent1"/>
+          </a:effectRef>
+          <a:fontRef idx="minor">
+            <a:schemeClr val="lt1"/>
+          </a:fontRef>
+        </p:style>
+        <p:txBody>
+          <a:bodyPr rtlCol="0" anchor="ctr"/>
+          <a:lstStyle/>
+          <a:p>
+            <a:pPr algn="ctr"/>
+            <a:endParaRPr lang="es-ES" dirty="0"/>
+          </a:p>
+        </p:txBody>
+      </p:sp>
+      <p:sp>
+        <p:nvSpPr>
+          <p:cNvPr id="8" name="CuadroTexto 7">
+            <a:extLst>
+              <a:ext uri="{FF2B5EF4-FFF2-40B4-BE49-F238E27FC236}">
+                <a16:creationId xmlns:a16="http://schemas.microsoft.com/office/drawing/2014/main" id="{6F73E9E6-0296-4970-8B60-6FE3EFBADAE6}"/>
+              </a:ext>
+            </a:extLst>
+          </p:cNvPr>
+          <p:cNvSpPr txBox="1"/>
+          <p:nvPr/>
+        </p:nvSpPr>
+        <p:spPr>
+          <a:xfrm>
+            <a:off x="527901" y="479552"/>
+            <a:ext cx="11136198" cy="630942"/>
+          </a:xfrm>
+          <a:prstGeom prst="rect">
+            <a:avLst/>
+          </a:prstGeom>
+          <a:noFill/>
+        </p:spPr>
+        <p:txBody>
+          <a:bodyPr wrap="square" rtlCol="0">
+            <a:spAutoFit/>
+          </a:bodyPr>
+          <a:lstStyle/>
+          <a:p>
+            <a:r>
+              <a:rPr lang="es-ES" sz="3500" b="1" dirty="0">
+                <a:solidFill>
+                  <a:srgbClr val="582808"/>
+                </a:solidFill>
+                <a:latin typeface="+mj-lt"/>
+              </a:rPr>
+              <a:t>2. Planteamiento de la hipótesis</a:t>
+            </a:r>
+          </a:p>
+        </p:txBody>
+      </p:sp>
+      <p:sp>
+        <p:nvSpPr>
+          <p:cNvPr id="3" name="CuadroTexto 2">
+            <a:extLst>
+              <a:ext uri="{FF2B5EF4-FFF2-40B4-BE49-F238E27FC236}">
+                <a16:creationId xmlns:a16="http://schemas.microsoft.com/office/drawing/2014/main" id="{25453B71-103E-4DB8-BE26-F7B4581304E3}"/>
+              </a:ext>
+            </a:extLst>
+          </p:cNvPr>
+          <p:cNvSpPr txBox="1"/>
+          <p:nvPr/>
+        </p:nvSpPr>
+        <p:spPr>
+          <a:xfrm>
+            <a:off x="716437" y="1948012"/>
+            <a:ext cx="10947662" cy="2862322"/>
+          </a:xfrm>
+          <a:prstGeom prst="rect">
+            <a:avLst/>
+          </a:prstGeom>
+          <a:noFill/>
+        </p:spPr>
+        <p:txBody>
+          <a:bodyPr wrap="square" rtlCol="0">
+            <a:spAutoFit/>
+          </a:bodyPr>
+          <a:lstStyle/>
+          <a:p>
+            <a:r>
+              <a:rPr lang="es-ES" dirty="0">
+                <a:solidFill>
+                  <a:srgbClr val="582808"/>
+                </a:solidFill>
+              </a:rPr>
+              <a:t>Nuestra hipótesis es que los barrios en los que existe una mayor densidad de oferta turística tienden a presentar precios más elevados por metro cuadrado, tanto en los casos de venta como en los casos de alquiler convencional.</a:t>
+            </a:r>
+          </a:p>
+          <a:p>
+            <a:endParaRPr lang="es-ES" dirty="0">
+              <a:solidFill>
+                <a:srgbClr val="582808"/>
+              </a:solidFill>
+            </a:endParaRPr>
+          </a:p>
+          <a:p>
+            <a:r>
+              <a:rPr lang="es-ES" dirty="0">
+                <a:solidFill>
+                  <a:srgbClr val="582808"/>
+                </a:solidFill>
+              </a:rPr>
+              <a:t>Esto lo fundamentamos principalmente en la idea de que el alquiler turístico compite directamente con el alquiler residencial, ya que los propietarios obtienen mayores beneficios con el primero y la oferta de este último disminuye considerablemente.</a:t>
+            </a:r>
+          </a:p>
+          <a:p>
+            <a:endParaRPr lang="es-ES" dirty="0">
+              <a:solidFill>
+                <a:srgbClr val="582808"/>
+              </a:solidFill>
+            </a:endParaRPr>
+          </a:p>
+          <a:p>
+            <a:r>
+              <a:rPr lang="es-ES" dirty="0">
+                <a:solidFill>
+                  <a:srgbClr val="582808"/>
+                </a:solidFill>
+              </a:rPr>
+              <a:t>Con esto se tensiona adicionalmente el mercado inmobiliario debido a que una parte del parque de vivienda se desplaza del mercado residencial al turístico, haciendo que aumente el precio debido a la escasez, lo que se hace mucho más latente en los barrios donde la presencia de alquileres turísticos es más alta. </a:t>
+            </a:r>
+          </a:p>
+        </p:txBody>
+      </p:sp>
+      <p:pic>
+        <p:nvPicPr>
+          <p:cNvPr id="7" name="Imagen 6">
+            <a:extLst>
+              <a:ext uri="{FF2B5EF4-FFF2-40B4-BE49-F238E27FC236}">
+                <a16:creationId xmlns:a16="http://schemas.microsoft.com/office/drawing/2014/main" id="{350EB176-532C-46FD-843F-A487D80BBF0D}"/>
+              </a:ext>
+            </a:extLst>
+          </p:cNvPr>
+          <p:cNvPicPr>
+            <a:picLocks noChangeAspect="1"/>
+          </p:cNvPicPr>
+          <p:nvPr/>
+        </p:nvPicPr>
+        <p:blipFill>
+          <a:blip r:embed="rId2"/>
+          <a:stretch>
+            <a:fillRect/>
+          </a:stretch>
+        </p:blipFill>
+        <p:spPr>
+          <a:xfrm>
+            <a:off x="10348850" y="479552"/>
+            <a:ext cx="1315249" cy="988908"/>
+          </a:xfrm>
+          <a:prstGeom prst="rect">
+            <a:avLst/>
+          </a:prstGeom>
+        </p:spPr>
+      </p:pic>
+    </p:spTree>
+    <p:extLst>
+      <p:ext uri="{BB962C8B-B14F-4D97-AF65-F5344CB8AC3E}">
+        <p14:creationId xmlns:p14="http://schemas.microsoft.com/office/powerpoint/2010/main" val="2489521247"/>
+      </p:ext>
+    </p:extLst>
+  </p:cSld>
+  <p:clrMapOvr>
+    <a:masterClrMapping/>
+  </p:clrMapOvr>
+</p:sld>
+</file>
+
+<file path=ppt/slides/slide5.xml><?xml version="1.0" encoding="utf-8"?>
+<p:sld xmlns:a="http://schemas.openxmlformats.org/drawingml/2006/main" xmlns:r="http://schemas.openxmlformats.org/officeDocument/2006/relationships" xmlns:p="http://schemas.openxmlformats.org/presentationml/2006/main">
+  <p:cSld>
+    <p:spTree>
+      <p:nvGrpSpPr>
+        <p:cNvPr id="1" name=""/>
+        <p:cNvGrpSpPr/>
+        <p:nvPr/>
+      </p:nvGrpSpPr>
+      <p:grpSpPr>
+        <a:xfrm>
+          <a:off x="0" y="0"/>
+          <a:ext cx="0" cy="0"/>
+          <a:chOff x="0" y="0"/>
+          <a:chExt cx="0" cy="0"/>
+        </a:xfrm>
+      </p:grpSpPr>
+      <p:sp>
+        <p:nvSpPr>
+          <p:cNvPr id="6" name="Rectángulo 5">
+            <a:extLst>
+              <a:ext uri="{FF2B5EF4-FFF2-40B4-BE49-F238E27FC236}">
+                <a16:creationId xmlns:a16="http://schemas.microsoft.com/office/drawing/2014/main" id="{615BE2CA-5E66-4F7A-90BC-286FD6A02318}"/>
+              </a:ext>
+            </a:extLst>
+          </p:cNvPr>
+          <p:cNvSpPr/>
+          <p:nvPr/>
+        </p:nvSpPr>
+        <p:spPr>
+          <a:xfrm>
+            <a:off x="0" y="0"/>
+            <a:ext cx="12192000" cy="6858000"/>
+          </a:xfrm>
+          <a:prstGeom prst="rect">
+            <a:avLst/>
+          </a:prstGeom>
+          <a:solidFill>
+            <a:schemeClr val="accent2">
+              <a:lumMod val="20000"/>
+              <a:lumOff val="80000"/>
+            </a:schemeClr>
+          </a:solidFill>
+        </p:spPr>
+        <p:style>
+          <a:lnRef idx="2">
+            <a:schemeClr val="accent1">
+              <a:shade val="50000"/>
+            </a:schemeClr>
+          </a:lnRef>
+          <a:fillRef idx="1">
+            <a:schemeClr val="accent1"/>
+          </a:fillRef>
+          <a:effectRef idx="0">
+            <a:schemeClr val="accent1"/>
+          </a:effectRef>
+          <a:fontRef idx="minor">
+            <a:schemeClr val="lt1"/>
+          </a:fontRef>
+        </p:style>
+        <p:txBody>
+          <a:bodyPr rtlCol="0" anchor="ctr"/>
+          <a:lstStyle/>
+          <a:p>
+            <a:pPr algn="ctr"/>
+            <a:endParaRPr lang="es-ES" dirty="0"/>
+          </a:p>
+        </p:txBody>
+      </p:sp>
+      <p:sp>
+        <p:nvSpPr>
+          <p:cNvPr id="8" name="CuadroTexto 7">
+            <a:extLst>
+              <a:ext uri="{FF2B5EF4-FFF2-40B4-BE49-F238E27FC236}">
+                <a16:creationId xmlns:a16="http://schemas.microsoft.com/office/drawing/2014/main" id="{6F73E9E6-0296-4970-8B60-6FE3EFBADAE6}"/>
+              </a:ext>
+            </a:extLst>
+          </p:cNvPr>
+          <p:cNvSpPr txBox="1"/>
+          <p:nvPr/>
+        </p:nvSpPr>
+        <p:spPr>
+          <a:xfrm>
+            <a:off x="527901" y="479552"/>
+            <a:ext cx="11136198" cy="630942"/>
+          </a:xfrm>
+          <a:prstGeom prst="rect">
+            <a:avLst/>
+          </a:prstGeom>
+          <a:noFill/>
+        </p:spPr>
+        <p:txBody>
+          <a:bodyPr wrap="square" rtlCol="0">
+            <a:spAutoFit/>
+          </a:bodyPr>
+          <a:lstStyle/>
+          <a:p>
+            <a:r>
+              <a:rPr lang="es-ES" sz="3500" b="1" dirty="0">
+                <a:solidFill>
+                  <a:schemeClr val="accent2">
+                    <a:lumMod val="50000"/>
+                  </a:schemeClr>
+                </a:solidFill>
+                <a:latin typeface="+mj-lt"/>
+              </a:rPr>
+              <a:t>3. Análisis de los datos</a:t>
+            </a:r>
+          </a:p>
+        </p:txBody>
+      </p:sp>
+      <p:sp>
+        <p:nvSpPr>
+          <p:cNvPr id="3" name="CuadroTexto 2">
+            <a:extLst>
+              <a:ext uri="{FF2B5EF4-FFF2-40B4-BE49-F238E27FC236}">
+                <a16:creationId xmlns:a16="http://schemas.microsoft.com/office/drawing/2014/main" id="{25453B71-103E-4DB8-BE26-F7B4581304E3}"/>
+              </a:ext>
+            </a:extLst>
+          </p:cNvPr>
+          <p:cNvSpPr txBox="1"/>
+          <p:nvPr/>
+        </p:nvSpPr>
+        <p:spPr>
+          <a:xfrm>
+            <a:off x="716437" y="1760649"/>
+            <a:ext cx="10947662" cy="4247317"/>
+          </a:xfrm>
+          <a:prstGeom prst="rect">
+            <a:avLst/>
+          </a:prstGeom>
+          <a:noFill/>
+        </p:spPr>
+        <p:txBody>
+          <a:bodyPr wrap="square" rtlCol="0">
+            <a:spAutoFit/>
+          </a:bodyPr>
+          <a:lstStyle/>
+          <a:p>
+            <a:r>
+              <a:rPr lang="es-ES" dirty="0">
+                <a:solidFill>
+                  <a:srgbClr val="FF0000"/>
+                </a:solidFill>
+              </a:rPr>
+              <a:t>SI QUEREMOS PONER LA PARTE DE LA API DE IDEALISTA Y LIMPIEZA DE DATOS:</a:t>
+            </a:r>
+          </a:p>
+          <a:p>
+            <a:endParaRPr lang="es-ES" dirty="0">
+              <a:solidFill>
+                <a:srgbClr val="582808"/>
+              </a:solidFill>
+            </a:endParaRPr>
+          </a:p>
+          <a:p>
+            <a:r>
+              <a:rPr lang="es-ES" dirty="0">
+                <a:solidFill>
+                  <a:srgbClr val="582808"/>
+                </a:solidFill>
+              </a:rPr>
+              <a:t>Para el análisis detallado de los datos, intentamos trabajar con la API de idealista en conjunto con los datos oficiales obtenidos de Airbnb, aunque esto primero nos fue imposible:</a:t>
+            </a:r>
+          </a:p>
+          <a:p>
+            <a:endParaRPr lang="es-ES" dirty="0">
+              <a:solidFill>
+                <a:srgbClr val="582808"/>
+              </a:solidFill>
+            </a:endParaRPr>
+          </a:p>
+          <a:p>
+            <a:r>
+              <a:rPr lang="es-ES" dirty="0">
+                <a:solidFill>
+                  <a:srgbClr val="FF0000"/>
+                </a:solidFill>
+              </a:rPr>
+              <a:t>PARTE JAVI API IDEALISTA</a:t>
+            </a:r>
+          </a:p>
+          <a:p>
+            <a:endParaRPr lang="es-ES" dirty="0">
+              <a:solidFill>
+                <a:srgbClr val="582808"/>
+              </a:solidFill>
+            </a:endParaRPr>
+          </a:p>
+          <a:p>
+            <a:r>
+              <a:rPr lang="es-ES" dirty="0">
+                <a:solidFill>
+                  <a:srgbClr val="582808"/>
+                </a:solidFill>
+              </a:rPr>
+              <a:t>Por lo que decidimos centrarnos en los datos de Airbnb y en la información sobre el precio del metro cuadrado que si se recoge en el portal de idealista (tanto para venta como para alquiler).</a:t>
+            </a:r>
+          </a:p>
+          <a:p>
+            <a:endParaRPr lang="es-ES" dirty="0">
+              <a:solidFill>
+                <a:srgbClr val="582808"/>
+              </a:solidFill>
+            </a:endParaRPr>
+          </a:p>
+          <a:p>
+            <a:r>
+              <a:rPr lang="es-ES" dirty="0">
+                <a:solidFill>
+                  <a:srgbClr val="FF0000"/>
+                </a:solidFill>
+              </a:rPr>
+              <a:t>EXPLICAR LIMPIEZA DE DATOS INICIAL</a:t>
+            </a:r>
+          </a:p>
+          <a:p>
+            <a:endParaRPr lang="es-ES" dirty="0">
+              <a:solidFill>
+                <a:srgbClr val="582808"/>
+              </a:solidFill>
+            </a:endParaRPr>
+          </a:p>
+          <a:p>
+            <a:endParaRPr lang="es-ES" dirty="0">
+              <a:solidFill>
+                <a:srgbClr val="582808"/>
+              </a:solidFill>
+            </a:endParaRPr>
+          </a:p>
+          <a:p>
+            <a:endParaRPr lang="es-ES" dirty="0">
+              <a:solidFill>
+                <a:srgbClr val="582808"/>
+              </a:solidFill>
+            </a:endParaRPr>
+          </a:p>
+          <a:p>
+            <a:endParaRPr lang="es-ES" dirty="0">
+              <a:solidFill>
+                <a:srgbClr val="582808"/>
+              </a:solidFill>
+            </a:endParaRPr>
+          </a:p>
+        </p:txBody>
+      </p:sp>
+      <p:pic>
+        <p:nvPicPr>
+          <p:cNvPr id="7" name="Imagen 6">
+            <a:extLst>
+              <a:ext uri="{FF2B5EF4-FFF2-40B4-BE49-F238E27FC236}">
+                <a16:creationId xmlns:a16="http://schemas.microsoft.com/office/drawing/2014/main" id="{DB077493-1107-4CB2-82B6-41E6CCBCCB7F}"/>
+              </a:ext>
+            </a:extLst>
+          </p:cNvPr>
+          <p:cNvPicPr>
+            <a:picLocks noChangeAspect="1"/>
+          </p:cNvPicPr>
+          <p:nvPr/>
+        </p:nvPicPr>
+        <p:blipFill>
+          <a:blip r:embed="rId2"/>
+          <a:stretch>
+            <a:fillRect/>
+          </a:stretch>
+        </p:blipFill>
+        <p:spPr>
+          <a:xfrm>
+            <a:off x="10598044" y="479552"/>
+            <a:ext cx="1066055" cy="801545"/>
+          </a:xfrm>
+          <a:prstGeom prst="rect">
+            <a:avLst/>
+          </a:prstGeom>
+        </p:spPr>
+      </p:pic>
+    </p:spTree>
+    <p:extLst>
+      <p:ext uri="{BB962C8B-B14F-4D97-AF65-F5344CB8AC3E}">
+        <p14:creationId xmlns:p14="http://schemas.microsoft.com/office/powerpoint/2010/main" val="1259176871"/>
+      </p:ext>
+    </p:extLst>
+  </p:cSld>
+  <p:clrMapOvr>
+    <a:masterClrMapping/>
+  </p:clrMapOvr>
+</p:sld>
+</file>
+
+<file path=ppt/slides/slide6.xml><?xml version="1.0" encoding="utf-8"?>
+<p:sld xmlns:a="http://schemas.openxmlformats.org/drawingml/2006/main" xmlns:r="http://schemas.openxmlformats.org/officeDocument/2006/relationships" xmlns:p="http://schemas.openxmlformats.org/presentationml/2006/main">
+  <p:cSld>
+    <p:spTree>
+      <p:nvGrpSpPr>
+        <p:cNvPr id="1" name=""/>
+        <p:cNvGrpSpPr/>
+        <p:nvPr/>
+      </p:nvGrpSpPr>
+      <p:grpSpPr>
+        <a:xfrm>
+          <a:off x="0" y="0"/>
+          <a:ext cx="0" cy="0"/>
+          <a:chOff x="0" y="0"/>
+          <a:chExt cx="0" cy="0"/>
+        </a:xfrm>
+      </p:grpSpPr>
+      <p:sp>
+        <p:nvSpPr>
+          <p:cNvPr id="6" name="Rectángulo 5">
+            <a:extLst>
+              <a:ext uri="{FF2B5EF4-FFF2-40B4-BE49-F238E27FC236}">
+                <a16:creationId xmlns:a16="http://schemas.microsoft.com/office/drawing/2014/main" id="{615BE2CA-5E66-4F7A-90BC-286FD6A02318}"/>
+              </a:ext>
+            </a:extLst>
+          </p:cNvPr>
+          <p:cNvSpPr/>
+          <p:nvPr/>
+        </p:nvSpPr>
+        <p:spPr>
+          <a:xfrm>
+            <a:off x="0" y="0"/>
+            <a:ext cx="12192000" cy="6858000"/>
+          </a:xfrm>
+          <a:prstGeom prst="rect">
+            <a:avLst/>
+          </a:prstGeom>
+          <a:solidFill>
+            <a:schemeClr val="accent2">
+              <a:lumMod val="20000"/>
+              <a:lumOff val="80000"/>
+            </a:schemeClr>
+          </a:solidFill>
+        </p:spPr>
+        <p:style>
+          <a:lnRef idx="2">
+            <a:schemeClr val="accent1">
+              <a:shade val="50000"/>
+            </a:schemeClr>
+          </a:lnRef>
+          <a:fillRef idx="1">
+            <a:schemeClr val="accent1"/>
+          </a:fillRef>
+          <a:effectRef idx="0">
+            <a:schemeClr val="accent1"/>
+          </a:effectRef>
+          <a:fontRef idx="minor">
+            <a:schemeClr val="lt1"/>
+          </a:fontRef>
+        </p:style>
+        <p:txBody>
+          <a:bodyPr rtlCol="0" anchor="ctr"/>
+          <a:lstStyle/>
+          <a:p>
+            <a:pPr algn="ctr"/>
+            <a:endParaRPr lang="es-ES" dirty="0"/>
+          </a:p>
+        </p:txBody>
+      </p:sp>
+      <p:sp>
+        <p:nvSpPr>
+          <p:cNvPr id="8" name="CuadroTexto 7">
+            <a:extLst>
+              <a:ext uri="{FF2B5EF4-FFF2-40B4-BE49-F238E27FC236}">
+                <a16:creationId xmlns:a16="http://schemas.microsoft.com/office/drawing/2014/main" id="{6F73E9E6-0296-4970-8B60-6FE3EFBADAE6}"/>
+              </a:ext>
+            </a:extLst>
+          </p:cNvPr>
+          <p:cNvSpPr txBox="1"/>
+          <p:nvPr/>
+        </p:nvSpPr>
+        <p:spPr>
+          <a:xfrm>
+            <a:off x="527901" y="479552"/>
+            <a:ext cx="11136198" cy="630942"/>
+          </a:xfrm>
+          <a:prstGeom prst="rect">
+            <a:avLst/>
+          </a:prstGeom>
+          <a:noFill/>
+        </p:spPr>
+        <p:txBody>
+          <a:bodyPr wrap="square" rtlCol="0">
+            <a:spAutoFit/>
+          </a:bodyPr>
+          <a:lstStyle/>
+          <a:p>
+            <a:r>
+              <a:rPr lang="es-ES" sz="3500" b="1" dirty="0">
+                <a:solidFill>
+                  <a:schemeClr val="accent2">
+                    <a:lumMod val="50000"/>
+                  </a:schemeClr>
+                </a:solidFill>
+                <a:latin typeface="+mj-lt"/>
+              </a:rPr>
+              <a:t>3. Análisis de los datos</a:t>
+            </a:r>
+          </a:p>
+        </p:txBody>
+      </p:sp>
+      <p:sp>
+        <p:nvSpPr>
+          <p:cNvPr id="3" name="CuadroTexto 2">
+            <a:extLst>
+              <a:ext uri="{FF2B5EF4-FFF2-40B4-BE49-F238E27FC236}">
+                <a16:creationId xmlns:a16="http://schemas.microsoft.com/office/drawing/2014/main" id="{25453B71-103E-4DB8-BE26-F7B4581304E3}"/>
+              </a:ext>
+            </a:extLst>
+          </p:cNvPr>
+          <p:cNvSpPr txBox="1"/>
+          <p:nvPr/>
+        </p:nvSpPr>
+        <p:spPr>
+          <a:xfrm>
+            <a:off x="527901" y="5424674"/>
+            <a:ext cx="11136198" cy="923330"/>
+          </a:xfrm>
+          <a:prstGeom prst="rect">
+            <a:avLst/>
+          </a:prstGeom>
+          <a:noFill/>
+        </p:spPr>
+        <p:txBody>
+          <a:bodyPr wrap="square" rtlCol="0">
+            <a:spAutoFit/>
+          </a:bodyPr>
+          <a:lstStyle/>
+          <a:p>
+            <a:r>
+              <a:rPr lang="es-ES" dirty="0">
+                <a:solidFill>
+                  <a:srgbClr val="582808"/>
+                </a:solidFill>
+              </a:rPr>
+              <a:t>En estas gráficas podemos observar que el número de anuncios que aparecer en Airbnb para Madrid se concentran principalmente en los distritos Centro, Salamanca y Tetuán, mientras que los distritos de Barajas, Villa de Vallecas o Vicálvaro apenas tienen presencia en la plataforma.</a:t>
+            </a:r>
+          </a:p>
+        </p:txBody>
+      </p:sp>
+      <p:pic>
+        <p:nvPicPr>
+          <p:cNvPr id="7" name="Imagen 6">
+            <a:extLst>
+              <a:ext uri="{FF2B5EF4-FFF2-40B4-BE49-F238E27FC236}">
+                <a16:creationId xmlns:a16="http://schemas.microsoft.com/office/drawing/2014/main" id="{DB077493-1107-4CB2-82B6-41E6CCBCCB7F}"/>
+              </a:ext>
+            </a:extLst>
+          </p:cNvPr>
+          <p:cNvPicPr>
+            <a:picLocks noChangeAspect="1"/>
+          </p:cNvPicPr>
+          <p:nvPr/>
+        </p:nvPicPr>
+        <p:blipFill>
+          <a:blip r:embed="rId2"/>
+          <a:stretch>
+            <a:fillRect/>
+          </a:stretch>
+        </p:blipFill>
+        <p:spPr>
+          <a:xfrm>
+            <a:off x="10598044" y="479552"/>
+            <a:ext cx="1066055" cy="801545"/>
+          </a:xfrm>
+          <a:prstGeom prst="rect">
+            <a:avLst/>
+          </a:prstGeom>
+        </p:spPr>
+      </p:pic>
+      <p:pic>
+        <p:nvPicPr>
+          <p:cNvPr id="9" name="Imagen 8">
+            <a:extLst>
+              <a:ext uri="{FF2B5EF4-FFF2-40B4-BE49-F238E27FC236}">
+                <a16:creationId xmlns:a16="http://schemas.microsoft.com/office/drawing/2014/main" id="{5716062F-860E-4239-9A85-1507519D8BCE}"/>
+              </a:ext>
+            </a:extLst>
+          </p:cNvPr>
+          <p:cNvPicPr>
+            <a:picLocks noChangeAspect="1"/>
+          </p:cNvPicPr>
+          <p:nvPr/>
+        </p:nvPicPr>
+        <p:blipFill>
+          <a:blip r:embed="rId3">
+            <a:extLst>
+              <a:ext uri="{28A0092B-C50C-407E-A947-70E740481C1C}">
+                <a14:useLocalDpi xmlns:a14="http://schemas.microsoft.com/office/drawing/2010/main" val="0"/>
+              </a:ext>
+            </a:extLst>
+          </a:blip>
+          <a:stretch>
+            <a:fillRect/>
+          </a:stretch>
+        </p:blipFill>
+        <p:spPr>
+          <a:xfrm>
+            <a:off x="527901" y="1380813"/>
+            <a:ext cx="5288437" cy="3773539"/>
+          </a:xfrm>
+          <a:prstGeom prst="rect">
+            <a:avLst/>
+          </a:prstGeom>
+        </p:spPr>
+      </p:pic>
+      <p:pic>
+        <p:nvPicPr>
+          <p:cNvPr id="15" name="Imagen 14">
+            <a:extLst>
+              <a:ext uri="{FF2B5EF4-FFF2-40B4-BE49-F238E27FC236}">
+                <a16:creationId xmlns:a16="http://schemas.microsoft.com/office/drawing/2014/main" id="{EDA5DD72-5101-4CD3-90CE-276FCB8D6320}"/>
+              </a:ext>
+            </a:extLst>
+          </p:cNvPr>
+          <p:cNvPicPr>
+            <a:picLocks noChangeAspect="1"/>
+          </p:cNvPicPr>
+          <p:nvPr/>
+        </p:nvPicPr>
+        <p:blipFill>
+          <a:blip r:embed="rId4">
+            <a:extLst>
+              <a:ext uri="{28A0092B-C50C-407E-A947-70E740481C1C}">
+                <a14:useLocalDpi xmlns:a14="http://schemas.microsoft.com/office/drawing/2010/main" val="0"/>
+              </a:ext>
+            </a:extLst>
+          </a:blip>
+          <a:stretch>
+            <a:fillRect/>
+          </a:stretch>
+        </p:blipFill>
+        <p:spPr>
+          <a:xfrm>
+            <a:off x="6375664" y="1380812"/>
+            <a:ext cx="5288437" cy="3773539"/>
+          </a:xfrm>
+          <a:prstGeom prst="rect">
+            <a:avLst/>
+          </a:prstGeom>
+        </p:spPr>
+      </p:pic>
+    </p:spTree>
+    <p:extLst>
+      <p:ext uri="{BB962C8B-B14F-4D97-AF65-F5344CB8AC3E}">
+        <p14:creationId xmlns:p14="http://schemas.microsoft.com/office/powerpoint/2010/main" val="2603566712"/>
+      </p:ext>
+    </p:extLst>
+  </p:cSld>
+  <p:clrMapOvr>
+    <a:masterClrMapping/>
+  </p:clrMapOvr>
+</p:sld>
+</file>
+
+<file path=ppt/slides/slide7.xml><?xml version="1.0" encoding="utf-8"?>
+<p:sld xmlns:a="http://schemas.openxmlformats.org/drawingml/2006/main" xmlns:r="http://schemas.openxmlformats.org/officeDocument/2006/relationships" xmlns:p="http://schemas.openxmlformats.org/presentationml/2006/main">
+  <p:cSld>
+    <p:spTree>
+      <p:nvGrpSpPr>
+        <p:cNvPr id="1" name=""/>
+        <p:cNvGrpSpPr/>
+        <p:nvPr/>
+      </p:nvGrpSpPr>
+      <p:grpSpPr>
+        <a:xfrm>
+          <a:off x="0" y="0"/>
+          <a:ext cx="0" cy="0"/>
+          <a:chOff x="0" y="0"/>
+          <a:chExt cx="0" cy="0"/>
+        </a:xfrm>
+      </p:grpSpPr>
+      <p:sp>
+        <p:nvSpPr>
+          <p:cNvPr id="6" name="Rectángulo 5">
+            <a:extLst>
+              <a:ext uri="{FF2B5EF4-FFF2-40B4-BE49-F238E27FC236}">
+                <a16:creationId xmlns:a16="http://schemas.microsoft.com/office/drawing/2014/main" id="{615BE2CA-5E66-4F7A-90BC-286FD6A02318}"/>
+              </a:ext>
+            </a:extLst>
+          </p:cNvPr>
+          <p:cNvSpPr/>
+          <p:nvPr/>
+        </p:nvSpPr>
+        <p:spPr>
+          <a:xfrm>
+            <a:off x="0" y="0"/>
+            <a:ext cx="12192000" cy="6858000"/>
+          </a:xfrm>
+          <a:prstGeom prst="rect">
+            <a:avLst/>
+          </a:prstGeom>
+          <a:solidFill>
+            <a:schemeClr val="accent2">
+              <a:lumMod val="20000"/>
+              <a:lumOff val="80000"/>
+            </a:schemeClr>
+          </a:solidFill>
+        </p:spPr>
+        <p:style>
+          <a:lnRef idx="2">
+            <a:schemeClr val="accent1">
+              <a:shade val="50000"/>
+            </a:schemeClr>
+          </a:lnRef>
+          <a:fillRef idx="1">
+            <a:schemeClr val="accent1"/>
+          </a:fillRef>
+          <a:effectRef idx="0">
+            <a:schemeClr val="accent1"/>
+          </a:effectRef>
+          <a:fontRef idx="minor">
+            <a:schemeClr val="lt1"/>
+          </a:fontRef>
+        </p:style>
+        <p:txBody>
+          <a:bodyPr rtlCol="0" anchor="ctr"/>
+          <a:lstStyle/>
+          <a:p>
+            <a:pPr algn="ctr"/>
+            <a:endParaRPr lang="es-ES" dirty="0"/>
+          </a:p>
+        </p:txBody>
+      </p:sp>
+      <p:sp>
+        <p:nvSpPr>
+          <p:cNvPr id="8" name="CuadroTexto 7">
+            <a:extLst>
+              <a:ext uri="{FF2B5EF4-FFF2-40B4-BE49-F238E27FC236}">
+                <a16:creationId xmlns:a16="http://schemas.microsoft.com/office/drawing/2014/main" id="{6F73E9E6-0296-4970-8B60-6FE3EFBADAE6}"/>
+              </a:ext>
+            </a:extLst>
+          </p:cNvPr>
+          <p:cNvSpPr txBox="1"/>
+          <p:nvPr/>
+        </p:nvSpPr>
+        <p:spPr>
+          <a:xfrm>
+            <a:off x="527901" y="479552"/>
+            <a:ext cx="11136198" cy="630942"/>
+          </a:xfrm>
+          <a:prstGeom prst="rect">
+            <a:avLst/>
+          </a:prstGeom>
+          <a:noFill/>
+        </p:spPr>
+        <p:txBody>
+          <a:bodyPr wrap="square" rtlCol="0">
+            <a:spAutoFit/>
+          </a:bodyPr>
+          <a:lstStyle/>
+          <a:p>
+            <a:r>
+              <a:rPr lang="es-ES" sz="3500" b="1" dirty="0">
+                <a:solidFill>
+                  <a:schemeClr val="accent2">
+                    <a:lumMod val="50000"/>
+                  </a:schemeClr>
+                </a:solidFill>
+                <a:latin typeface="+mj-lt"/>
+              </a:rPr>
+              <a:t>3. Análisis de los datos</a:t>
+            </a:r>
+          </a:p>
+        </p:txBody>
+      </p:sp>
+      <p:sp>
+        <p:nvSpPr>
+          <p:cNvPr id="3" name="CuadroTexto 2">
+            <a:extLst>
+              <a:ext uri="{FF2B5EF4-FFF2-40B4-BE49-F238E27FC236}">
+                <a16:creationId xmlns:a16="http://schemas.microsoft.com/office/drawing/2014/main" id="{25453B71-103E-4DB8-BE26-F7B4581304E3}"/>
+              </a:ext>
+            </a:extLst>
+          </p:cNvPr>
+          <p:cNvSpPr txBox="1"/>
+          <p:nvPr/>
+        </p:nvSpPr>
+        <p:spPr>
+          <a:xfrm>
+            <a:off x="527901" y="5424674"/>
+            <a:ext cx="11136198" cy="646331"/>
+          </a:xfrm>
+          <a:prstGeom prst="rect">
+            <a:avLst/>
+          </a:prstGeom>
+          <a:noFill/>
+        </p:spPr>
+        <p:txBody>
+          <a:bodyPr wrap="square" rtlCol="0">
+            <a:spAutoFit/>
+          </a:bodyPr>
+          <a:lstStyle/>
+          <a:p>
+            <a:r>
+              <a:rPr lang="es-ES" dirty="0">
+                <a:solidFill>
+                  <a:srgbClr val="582808"/>
+                </a:solidFill>
+              </a:rPr>
+              <a:t>Como indicábamos al inicio, el número de anuncios está directamente relacionado con el precio del metro cuadrado para venta y alquiler que tienen las viviendas de los barrios y distritos más tensionados.</a:t>
+            </a:r>
+          </a:p>
+        </p:txBody>
+      </p:sp>
+      <p:pic>
+        <p:nvPicPr>
+          <p:cNvPr id="7" name="Imagen 6">
+            <a:extLst>
+              <a:ext uri="{FF2B5EF4-FFF2-40B4-BE49-F238E27FC236}">
+                <a16:creationId xmlns:a16="http://schemas.microsoft.com/office/drawing/2014/main" id="{DB077493-1107-4CB2-82B6-41E6CCBCCB7F}"/>
+              </a:ext>
+            </a:extLst>
+          </p:cNvPr>
+          <p:cNvPicPr>
+            <a:picLocks noChangeAspect="1"/>
+          </p:cNvPicPr>
+          <p:nvPr/>
+        </p:nvPicPr>
+        <p:blipFill>
+          <a:blip r:embed="rId2"/>
+          <a:stretch>
+            <a:fillRect/>
+          </a:stretch>
+        </p:blipFill>
+        <p:spPr>
+          <a:xfrm>
+            <a:off x="10598044" y="479552"/>
+            <a:ext cx="1066055" cy="801545"/>
+          </a:xfrm>
+          <a:prstGeom prst="rect">
+            <a:avLst/>
+          </a:prstGeom>
+        </p:spPr>
+      </p:pic>
+      <p:pic>
+        <p:nvPicPr>
+          <p:cNvPr id="10" name="Imagen 9">
+            <a:extLst>
+              <a:ext uri="{FF2B5EF4-FFF2-40B4-BE49-F238E27FC236}">
+                <a16:creationId xmlns:a16="http://schemas.microsoft.com/office/drawing/2014/main" id="{50A4C087-230F-4192-844F-09538EC85C12}"/>
+              </a:ext>
+            </a:extLst>
+          </p:cNvPr>
+          <p:cNvPicPr>
+            <a:picLocks noChangeAspect="1"/>
+          </p:cNvPicPr>
+          <p:nvPr/>
+        </p:nvPicPr>
+        <p:blipFill>
+          <a:blip r:embed="rId3">
+            <a:extLst>
+              <a:ext uri="{28A0092B-C50C-407E-A947-70E740481C1C}">
+                <a14:useLocalDpi xmlns:a14="http://schemas.microsoft.com/office/drawing/2010/main" val="0"/>
+              </a:ext>
+            </a:extLst>
+          </a:blip>
+          <a:stretch>
+            <a:fillRect/>
+          </a:stretch>
+        </p:blipFill>
+        <p:spPr>
+          <a:xfrm>
+            <a:off x="452178" y="1380811"/>
+            <a:ext cx="5288438" cy="3773539"/>
+          </a:xfrm>
+          <a:prstGeom prst="rect">
+            <a:avLst/>
+          </a:prstGeom>
+        </p:spPr>
+      </p:pic>
+      <p:pic>
+        <p:nvPicPr>
+          <p:cNvPr id="12" name="Imagen 11">
+            <a:extLst>
+              <a:ext uri="{FF2B5EF4-FFF2-40B4-BE49-F238E27FC236}">
+                <a16:creationId xmlns:a16="http://schemas.microsoft.com/office/drawing/2014/main" id="{289FC098-799D-483E-B3F3-94DE6765466C}"/>
+              </a:ext>
+            </a:extLst>
+          </p:cNvPr>
+          <p:cNvPicPr>
+            <a:picLocks noChangeAspect="1"/>
+          </p:cNvPicPr>
+          <p:nvPr/>
+        </p:nvPicPr>
+        <p:blipFill>
+          <a:blip r:embed="rId4">
+            <a:extLst>
+              <a:ext uri="{28A0092B-C50C-407E-A947-70E740481C1C}">
+                <a14:useLocalDpi xmlns:a14="http://schemas.microsoft.com/office/drawing/2010/main" val="0"/>
+              </a:ext>
+            </a:extLst>
+          </a:blip>
+          <a:stretch>
+            <a:fillRect/>
+          </a:stretch>
+        </p:blipFill>
+        <p:spPr>
+          <a:xfrm>
+            <a:off x="6375661" y="1380811"/>
+            <a:ext cx="5288438" cy="3773539"/>
+          </a:xfrm>
+          <a:prstGeom prst="rect">
+            <a:avLst/>
+          </a:prstGeom>
+        </p:spPr>
+      </p:pic>
+    </p:spTree>
+    <p:extLst>
+      <p:ext uri="{BB962C8B-B14F-4D97-AF65-F5344CB8AC3E}">
+        <p14:creationId xmlns:p14="http://schemas.microsoft.com/office/powerpoint/2010/main" val="1645971877"/>
+      </p:ext>
+    </p:extLst>
+  </p:cSld>
+  <p:clrMapOvr>
+    <a:masterClrMapping/>
+  </p:clrMapOvr>
+</p:sld>
+</file>
+
+<file path=ppt/slides/slide8.xml><?xml version="1.0" encoding="utf-8"?>
+<p:sld xmlns:a="http://schemas.openxmlformats.org/drawingml/2006/main" xmlns:r="http://schemas.openxmlformats.org/officeDocument/2006/relationships" xmlns:p="http://schemas.openxmlformats.org/presentationml/2006/main">
+  <p:cSld>
+    <p:spTree>
+      <p:nvGrpSpPr>
+        <p:cNvPr id="1" name=""/>
+        <p:cNvGrpSpPr/>
+        <p:nvPr/>
+      </p:nvGrpSpPr>
+      <p:grpSpPr>
+        <a:xfrm>
+          <a:off x="0" y="0"/>
+          <a:ext cx="0" cy="0"/>
+          <a:chOff x="0" y="0"/>
+          <a:chExt cx="0" cy="0"/>
+        </a:xfrm>
+      </p:grpSpPr>
+      <p:sp>
+        <p:nvSpPr>
+          <p:cNvPr id="6" name="Rectángulo 5">
+            <a:extLst>
+              <a:ext uri="{FF2B5EF4-FFF2-40B4-BE49-F238E27FC236}">
+                <a16:creationId xmlns:a16="http://schemas.microsoft.com/office/drawing/2014/main" id="{615BE2CA-5E66-4F7A-90BC-286FD6A02318}"/>
+              </a:ext>
+            </a:extLst>
+          </p:cNvPr>
+          <p:cNvSpPr/>
+          <p:nvPr/>
+        </p:nvSpPr>
+        <p:spPr>
+          <a:xfrm>
+            <a:off x="0" y="0"/>
+            <a:ext cx="12192000" cy="6858000"/>
+          </a:xfrm>
+          <a:prstGeom prst="rect">
+            <a:avLst/>
+          </a:prstGeom>
+          <a:solidFill>
+            <a:schemeClr val="accent2">
+              <a:lumMod val="20000"/>
+              <a:lumOff val="80000"/>
+            </a:schemeClr>
+          </a:solidFill>
+        </p:spPr>
+        <p:style>
+          <a:lnRef idx="2">
+            <a:schemeClr val="accent1">
+              <a:shade val="50000"/>
+            </a:schemeClr>
+          </a:lnRef>
+          <a:fillRef idx="1">
+            <a:schemeClr val="accent1"/>
+          </a:fillRef>
+          <a:effectRef idx="0">
+            <a:schemeClr val="accent1"/>
+          </a:effectRef>
+          <a:fontRef idx="minor">
+            <a:schemeClr val="lt1"/>
+          </a:fontRef>
+        </p:style>
+        <p:txBody>
+          <a:bodyPr rtlCol="0" anchor="ctr"/>
+          <a:lstStyle/>
+          <a:p>
+            <a:pPr algn="ctr"/>
+            <a:endParaRPr lang="es-ES" dirty="0"/>
+          </a:p>
+        </p:txBody>
+      </p:sp>
+      <p:sp>
+        <p:nvSpPr>
+          <p:cNvPr id="8" name="CuadroTexto 7">
+            <a:extLst>
+              <a:ext uri="{FF2B5EF4-FFF2-40B4-BE49-F238E27FC236}">
+                <a16:creationId xmlns:a16="http://schemas.microsoft.com/office/drawing/2014/main" id="{6F73E9E6-0296-4970-8B60-6FE3EFBADAE6}"/>
+              </a:ext>
+            </a:extLst>
+          </p:cNvPr>
+          <p:cNvSpPr txBox="1"/>
+          <p:nvPr/>
+        </p:nvSpPr>
+        <p:spPr>
+          <a:xfrm>
+            <a:off x="527901" y="479552"/>
+            <a:ext cx="11136198" cy="630942"/>
+          </a:xfrm>
+          <a:prstGeom prst="rect">
+            <a:avLst/>
+          </a:prstGeom>
+          <a:noFill/>
+        </p:spPr>
+        <p:txBody>
+          <a:bodyPr wrap="square" rtlCol="0">
+            <a:spAutoFit/>
+          </a:bodyPr>
+          <a:lstStyle/>
+          <a:p>
+            <a:r>
+              <a:rPr lang="es-ES" sz="3500" b="1" dirty="0">
+                <a:solidFill>
+                  <a:schemeClr val="accent2">
+                    <a:lumMod val="50000"/>
+                  </a:schemeClr>
+                </a:solidFill>
+                <a:latin typeface="+mj-lt"/>
+              </a:rPr>
+              <a:t>3. Análisis de los datos</a:t>
+            </a:r>
+          </a:p>
+        </p:txBody>
+      </p:sp>
+      <p:sp>
+        <p:nvSpPr>
+          <p:cNvPr id="3" name="CuadroTexto 2">
+            <a:extLst>
+              <a:ext uri="{FF2B5EF4-FFF2-40B4-BE49-F238E27FC236}">
+                <a16:creationId xmlns:a16="http://schemas.microsoft.com/office/drawing/2014/main" id="{25453B71-103E-4DB8-BE26-F7B4581304E3}"/>
+              </a:ext>
+            </a:extLst>
+          </p:cNvPr>
+          <p:cNvSpPr txBox="1"/>
+          <p:nvPr/>
+        </p:nvSpPr>
+        <p:spPr>
+          <a:xfrm>
+            <a:off x="527901" y="5424674"/>
+            <a:ext cx="11136198" cy="923330"/>
+          </a:xfrm>
+          <a:prstGeom prst="rect">
+            <a:avLst/>
+          </a:prstGeom>
+          <a:noFill/>
+        </p:spPr>
+        <p:txBody>
+          <a:bodyPr wrap="square" rtlCol="0">
+            <a:spAutoFit/>
+          </a:bodyPr>
+          <a:lstStyle/>
+          <a:p>
+            <a:r>
+              <a:rPr lang="es-ES" dirty="0">
+                <a:solidFill>
+                  <a:srgbClr val="582808"/>
+                </a:solidFill>
+              </a:rPr>
+              <a:t>Así mismo hemos analizado la distribución que se da según el tipo de alojamiento y dónde se concentran más en el mapa de Madrid, observando una gran concentración y las zonas centrales y donde prevalece el alquiler de viviendas completas por encima del de habitaciones privadas o compartidas.</a:t>
+            </a:r>
+          </a:p>
+        </p:txBody>
+      </p:sp>
+      <p:pic>
+        <p:nvPicPr>
+          <p:cNvPr id="7" name="Imagen 6">
+            <a:extLst>
+              <a:ext uri="{FF2B5EF4-FFF2-40B4-BE49-F238E27FC236}">
+                <a16:creationId xmlns:a16="http://schemas.microsoft.com/office/drawing/2014/main" id="{DB077493-1107-4CB2-82B6-41E6CCBCCB7F}"/>
+              </a:ext>
+            </a:extLst>
+          </p:cNvPr>
+          <p:cNvPicPr>
+            <a:picLocks noChangeAspect="1"/>
+          </p:cNvPicPr>
+          <p:nvPr/>
+        </p:nvPicPr>
+        <p:blipFill>
+          <a:blip r:embed="rId2"/>
+          <a:stretch>
+            <a:fillRect/>
+          </a:stretch>
+        </p:blipFill>
+        <p:spPr>
+          <a:xfrm>
+            <a:off x="10598044" y="479552"/>
+            <a:ext cx="1066055" cy="801545"/>
+          </a:xfrm>
+          <a:prstGeom prst="rect">
+            <a:avLst/>
+          </a:prstGeom>
+        </p:spPr>
+      </p:pic>
+      <p:pic>
+        <p:nvPicPr>
+          <p:cNvPr id="4" name="Imagen 3">
+            <a:extLst>
+              <a:ext uri="{FF2B5EF4-FFF2-40B4-BE49-F238E27FC236}">
+                <a16:creationId xmlns:a16="http://schemas.microsoft.com/office/drawing/2014/main" id="{2B2A5301-2F24-4F1F-87EB-D5C3BF588263}"/>
+              </a:ext>
+            </a:extLst>
+          </p:cNvPr>
+          <p:cNvPicPr>
+            <a:picLocks noChangeAspect="1"/>
+          </p:cNvPicPr>
+          <p:nvPr/>
+        </p:nvPicPr>
+        <p:blipFill>
+          <a:blip r:embed="rId3">
+            <a:extLst>
+              <a:ext uri="{28A0092B-C50C-407E-A947-70E740481C1C}">
+                <a14:useLocalDpi xmlns:a14="http://schemas.microsoft.com/office/drawing/2010/main" val="0"/>
+              </a:ext>
+            </a:extLst>
+          </a:blip>
+          <a:stretch>
+            <a:fillRect/>
+          </a:stretch>
+        </p:blipFill>
+        <p:spPr>
+          <a:xfrm>
+            <a:off x="527901" y="1380811"/>
+            <a:ext cx="5288438" cy="3773539"/>
+          </a:xfrm>
+          <a:prstGeom prst="rect">
+            <a:avLst/>
+          </a:prstGeom>
+        </p:spPr>
+      </p:pic>
+      <p:pic>
+        <p:nvPicPr>
+          <p:cNvPr id="9" name="Imagen 8">
+            <a:extLst>
+              <a:ext uri="{FF2B5EF4-FFF2-40B4-BE49-F238E27FC236}">
+                <a16:creationId xmlns:a16="http://schemas.microsoft.com/office/drawing/2014/main" id="{AA966255-F1F0-45ED-A7F7-477F36F37310}"/>
+              </a:ext>
+            </a:extLst>
+          </p:cNvPr>
+          <p:cNvPicPr>
+            <a:picLocks noChangeAspect="1"/>
+          </p:cNvPicPr>
+          <p:nvPr/>
+        </p:nvPicPr>
+        <p:blipFill>
+          <a:blip r:embed="rId4">
+            <a:extLst>
+              <a:ext uri="{28A0092B-C50C-407E-A947-70E740481C1C}">
+                <a14:useLocalDpi xmlns:a14="http://schemas.microsoft.com/office/drawing/2010/main" val="0"/>
+              </a:ext>
+            </a:extLst>
+          </a:blip>
+          <a:stretch>
+            <a:fillRect/>
+          </a:stretch>
+        </p:blipFill>
+        <p:spPr>
+          <a:xfrm>
+            <a:off x="6375663" y="1380810"/>
+            <a:ext cx="5288438" cy="3773539"/>
+          </a:xfrm>
+          <a:prstGeom prst="rect">
+            <a:avLst/>
+          </a:prstGeom>
+        </p:spPr>
+      </p:pic>
+    </p:spTree>
+    <p:extLst>
+      <p:ext uri="{BB962C8B-B14F-4D97-AF65-F5344CB8AC3E}">
+        <p14:creationId xmlns:p14="http://schemas.microsoft.com/office/powerpoint/2010/main" val="1277219737"/>
+      </p:ext>
+    </p:extLst>
+  </p:cSld>
+  <p:clrMapOvr>
+    <a:masterClrMapping/>
+  </p:clrMapOvr>
+</p:sld>
+</file>
+
+<file path=ppt/slides/slide9.xml><?xml version="1.0" encoding="utf-8"?>
+<p:sld xmlns:a="http://schemas.openxmlformats.org/drawingml/2006/main" xmlns:r="http://schemas.openxmlformats.org/officeDocument/2006/relationships" xmlns:p="http://schemas.openxmlformats.org/presentationml/2006/main">
+  <p:cSld>
+    <p:spTree>
+      <p:nvGrpSpPr>
+        <p:cNvPr id="1" name=""/>
+        <p:cNvGrpSpPr/>
+        <p:nvPr/>
+      </p:nvGrpSpPr>
+      <p:grpSpPr>
+        <a:xfrm>
+          <a:off x="0" y="0"/>
+          <a:ext cx="0" cy="0"/>
+          <a:chOff x="0" y="0"/>
+          <a:chExt cx="0" cy="0"/>
+        </a:xfrm>
+      </p:grpSpPr>
+      <p:sp>
+        <p:nvSpPr>
+          <p:cNvPr id="6" name="Rectángulo 5">
+            <a:extLst>
+              <a:ext uri="{FF2B5EF4-FFF2-40B4-BE49-F238E27FC236}">
+                <a16:creationId xmlns:a16="http://schemas.microsoft.com/office/drawing/2014/main" id="{615BE2CA-5E66-4F7A-90BC-286FD6A02318}"/>
+              </a:ext>
+            </a:extLst>
+          </p:cNvPr>
+          <p:cNvSpPr/>
+          <p:nvPr/>
+        </p:nvSpPr>
+        <p:spPr>
+          <a:xfrm>
+            <a:off x="0" y="0"/>
+            <a:ext cx="12192000" cy="6858000"/>
+          </a:xfrm>
+          <a:prstGeom prst="rect">
+            <a:avLst/>
+          </a:prstGeom>
+          <a:solidFill>
+            <a:schemeClr val="accent2">
+              <a:lumMod val="20000"/>
+              <a:lumOff val="80000"/>
+            </a:schemeClr>
+          </a:solidFill>
+        </p:spPr>
+        <p:style>
+          <a:lnRef idx="2">
+            <a:schemeClr val="accent1">
+              <a:shade val="50000"/>
+            </a:schemeClr>
+          </a:lnRef>
+          <a:fillRef idx="1">
+            <a:schemeClr val="accent1"/>
+          </a:fillRef>
+          <a:effectRef idx="0">
+            <a:schemeClr val="accent1"/>
+          </a:effectRef>
+          <a:fontRef idx="minor">
+            <a:schemeClr val="lt1"/>
+          </a:fontRef>
+        </p:style>
+        <p:txBody>
+          <a:bodyPr rtlCol="0" anchor="ctr"/>
+          <a:lstStyle/>
+          <a:p>
+            <a:pPr algn="ctr"/>
+            <a:endParaRPr lang="es-ES" dirty="0"/>
+          </a:p>
+        </p:txBody>
+      </p:sp>
+      <p:sp>
+        <p:nvSpPr>
+          <p:cNvPr id="8" name="CuadroTexto 7">
+            <a:extLst>
+              <a:ext uri="{FF2B5EF4-FFF2-40B4-BE49-F238E27FC236}">
+                <a16:creationId xmlns:a16="http://schemas.microsoft.com/office/drawing/2014/main" id="{6F73E9E6-0296-4970-8B60-6FE3EFBADAE6}"/>
+              </a:ext>
+            </a:extLst>
+          </p:cNvPr>
+          <p:cNvSpPr txBox="1"/>
+          <p:nvPr/>
+        </p:nvSpPr>
+        <p:spPr>
+          <a:xfrm>
+            <a:off x="527901" y="479552"/>
+            <a:ext cx="11136198" cy="630942"/>
+          </a:xfrm>
+          <a:prstGeom prst="rect">
+            <a:avLst/>
+          </a:prstGeom>
+          <a:noFill/>
+        </p:spPr>
+        <p:txBody>
+          <a:bodyPr wrap="square" rtlCol="0">
+            <a:spAutoFit/>
+          </a:bodyPr>
+          <a:lstStyle/>
+          <a:p>
+            <a:r>
+              <a:rPr lang="es-ES" sz="3500" b="1" dirty="0">
+                <a:solidFill>
+                  <a:schemeClr val="accent2">
+                    <a:lumMod val="50000"/>
+                  </a:schemeClr>
+                </a:solidFill>
+                <a:latin typeface="+mj-lt"/>
+              </a:rPr>
+              <a:t>3. Análisis de los datos</a:t>
+            </a:r>
+          </a:p>
+        </p:txBody>
+      </p:sp>
+      <p:sp>
+        <p:nvSpPr>
+          <p:cNvPr id="3" name="CuadroTexto 2">
+            <a:extLst>
+              <a:ext uri="{FF2B5EF4-FFF2-40B4-BE49-F238E27FC236}">
+                <a16:creationId xmlns:a16="http://schemas.microsoft.com/office/drawing/2014/main" id="{25453B71-103E-4DB8-BE26-F7B4581304E3}"/>
+              </a:ext>
+            </a:extLst>
+          </p:cNvPr>
+          <p:cNvSpPr txBox="1"/>
+          <p:nvPr/>
+        </p:nvSpPr>
+        <p:spPr>
+          <a:xfrm>
+            <a:off x="7777113" y="2413337"/>
+            <a:ext cx="3886986" cy="2031325"/>
+          </a:xfrm>
+          <a:prstGeom prst="rect">
+            <a:avLst/>
+          </a:prstGeom>
+          <a:noFill/>
+          <a:ln>
+            <a:noFill/>
+          </a:ln>
+        </p:spPr>
+        <p:txBody>
+          <a:bodyPr wrap="square" rtlCol="0">
+            <a:spAutoFit/>
+          </a:bodyPr>
+          <a:lstStyle/>
+          <a:p>
+            <a:pPr algn="just"/>
+            <a:r>
+              <a:rPr lang="es-ES" b="1" dirty="0">
+                <a:solidFill>
+                  <a:srgbClr val="582808"/>
+                </a:solidFill>
+              </a:rPr>
+              <a:t>La tabla por distrito muestra una concentración muy marcada de anuncios en Centro, que acumula aproximadamente 4 de cada 10 anuncios del </a:t>
+            </a:r>
+            <a:r>
+              <a:rPr lang="es-ES" b="1" dirty="0" err="1">
+                <a:solidFill>
+                  <a:srgbClr val="582808"/>
+                </a:solidFill>
+              </a:rPr>
+              <a:t>Dataset</a:t>
+            </a:r>
+            <a:r>
+              <a:rPr lang="es-ES" b="1" dirty="0">
+                <a:solidFill>
+                  <a:srgbClr val="582808"/>
+                </a:solidFill>
+              </a:rPr>
+              <a:t> (≈40% del total) y una proporción similar de anuncios activos (≈41%).</a:t>
+            </a:r>
+          </a:p>
+        </p:txBody>
+      </p:sp>
+      <p:pic>
+        <p:nvPicPr>
+          <p:cNvPr id="7" name="Imagen 6">
+            <a:extLst>
+              <a:ext uri="{FF2B5EF4-FFF2-40B4-BE49-F238E27FC236}">
+                <a16:creationId xmlns:a16="http://schemas.microsoft.com/office/drawing/2014/main" id="{DB077493-1107-4CB2-82B6-41E6CCBCCB7F}"/>
+              </a:ext>
+            </a:extLst>
+          </p:cNvPr>
+          <p:cNvPicPr>
+            <a:picLocks noChangeAspect="1"/>
+          </p:cNvPicPr>
+          <p:nvPr/>
+        </p:nvPicPr>
+        <p:blipFill>
+          <a:blip r:embed="rId2"/>
+          <a:stretch>
+            <a:fillRect/>
+          </a:stretch>
+        </p:blipFill>
+        <p:spPr>
+          <a:xfrm>
+            <a:off x="10598044" y="479552"/>
+            <a:ext cx="1066055" cy="801545"/>
+          </a:xfrm>
+          <a:prstGeom prst="rect">
+            <a:avLst/>
+          </a:prstGeom>
+        </p:spPr>
+      </p:pic>
+      <p:graphicFrame>
+        <p:nvGraphicFramePr>
+          <p:cNvPr id="53" name="Tabla 52">
+            <a:extLst>
+              <a:ext uri="{FF2B5EF4-FFF2-40B4-BE49-F238E27FC236}">
+                <a16:creationId xmlns:a16="http://schemas.microsoft.com/office/drawing/2014/main" id="{BD450BED-627B-4A95-8795-1533E6F676EA}"/>
+              </a:ext>
+            </a:extLst>
+          </p:cNvPr>
+          <p:cNvGraphicFramePr>
+            <a:graphicFrameLocks noGrp="1"/>
+          </p:cNvGraphicFramePr>
+          <p:nvPr>
+            <p:extLst>
+              <p:ext uri="{D42A27DB-BD31-4B8C-83A1-F6EECF244321}">
+                <p14:modId xmlns:p14="http://schemas.microsoft.com/office/powerpoint/2010/main" val="1902073526"/>
+              </p:ext>
+            </p:extLst>
+          </p:nvPr>
+        </p:nvGraphicFramePr>
+        <p:xfrm>
+          <a:off x="575034" y="1291472"/>
+          <a:ext cx="6391375" cy="5095458"/>
+        </p:xfrm>
+        <a:graphic>
+          <a:graphicData uri="http://schemas.openxmlformats.org/drawingml/2006/table">
+            <a:tbl>
+              <a:tblPr/>
+              <a:tblGrid>
+                <a:gridCol w="1640265">
+                  <a:extLst>
+                    <a:ext uri="{9D8B030D-6E8A-4147-A177-3AD203B41FA5}">
+                      <a16:colId xmlns:a16="http://schemas.microsoft.com/office/drawing/2014/main" val="1076773008"/>
+                    </a:ext>
+                  </a:extLst>
+                </a:gridCol>
+                <a:gridCol w="1168924">
+                  <a:extLst>
+                    <a:ext uri="{9D8B030D-6E8A-4147-A177-3AD203B41FA5}">
+                      <a16:colId xmlns:a16="http://schemas.microsoft.com/office/drawing/2014/main" val="3713821199"/>
+                    </a:ext>
+                  </a:extLst>
+                </a:gridCol>
+                <a:gridCol w="1168923">
+                  <a:extLst>
+                    <a:ext uri="{9D8B030D-6E8A-4147-A177-3AD203B41FA5}">
+                      <a16:colId xmlns:a16="http://schemas.microsoft.com/office/drawing/2014/main" val="223300591"/>
+                    </a:ext>
+                  </a:extLst>
+                </a:gridCol>
+                <a:gridCol w="1134988">
+                  <a:extLst>
+                    <a:ext uri="{9D8B030D-6E8A-4147-A177-3AD203B41FA5}">
+                      <a16:colId xmlns:a16="http://schemas.microsoft.com/office/drawing/2014/main" val="4267260836"/>
+                    </a:ext>
+                  </a:extLst>
+                </a:gridCol>
+                <a:gridCol w="1278275">
+                  <a:extLst>
+                    <a:ext uri="{9D8B030D-6E8A-4147-A177-3AD203B41FA5}">
+                      <a16:colId xmlns:a16="http://schemas.microsoft.com/office/drawing/2014/main" val="1312082851"/>
+                    </a:ext>
+                  </a:extLst>
+                </a:gridCol>
+              </a:tblGrid>
+              <a:tr h="304863">
+                <a:tc>
+                  <a:txBody>
+                    <a:bodyPr/>
+                    <a:lstStyle/>
+                    <a:p>
+                      <a:pPr algn="ctr"/>
+                      <a:r>
+                        <a:rPr lang="es-ES" sz="1300" b="1" dirty="0">
+                          <a:solidFill>
+                            <a:srgbClr val="582808"/>
+                          </a:solidFill>
+                        </a:rPr>
+                        <a:t>Distrito</a:t>
+                      </a:r>
+                    </a:p>
+                  </a:txBody>
+                  <a:tcPr>
+                    <a:lnL w="12700" cap="flat" cmpd="sng" algn="ctr">
+                      <a:solidFill>
+                        <a:schemeClr val="tx1"/>
+                      </a:solidFill>
+                      <a:prstDash val="solid"/>
+                      <a:round/>
+                      <a:headEnd type="none" w="med" len="med"/>
+                      <a:tailEnd type="none" w="med" len="med"/>
+                    </a:lnL>
+                    <a:lnR w="12700" cap="flat" cmpd="sng" algn="ctr">
+                      <a:solidFill>
+                        <a:schemeClr val="tx1"/>
+                      </a:solidFill>
+                      <a:prstDash val="solid"/>
+                      <a:round/>
+                      <a:headEnd type="none" w="med" len="med"/>
+                      <a:tailEnd type="none" w="med" len="med"/>
+                    </a:lnR>
+                    <a:lnT w="12700" cap="flat" cmpd="sng" algn="ctr">
+                      <a:solidFill>
+                        <a:schemeClr val="tx1"/>
+                      </a:solidFill>
+                      <a:prstDash val="solid"/>
+                      <a:round/>
+                      <a:headEnd type="none" w="med" len="med"/>
+                      <a:tailEnd type="none" w="med" len="med"/>
+                    </a:lnT>
+                    <a:lnB w="12700" cap="flat" cmpd="sng" algn="ctr">
+                      <a:solidFill>
+                        <a:schemeClr val="tx1"/>
+                      </a:solidFill>
+                      <a:prstDash val="solid"/>
+                      <a:round/>
+                      <a:headEnd type="none" w="med" len="med"/>
+                      <a:tailEnd type="none" w="med" len="med"/>
+                    </a:lnB>
+                    <a:solidFill>
+                      <a:schemeClr val="accent2">
+                        <a:lumMod val="40000"/>
+                        <a:lumOff val="60000"/>
+                      </a:schemeClr>
+                    </a:solidFill>
+                  </a:tcPr>
+                </a:tc>
+                <a:tc>
+                  <a:txBody>
+                    <a:bodyPr/>
+                    <a:lstStyle/>
+                    <a:p>
+                      <a:pPr algn="ctr"/>
+                      <a:r>
+                        <a:rPr lang="es-ES" sz="1300" b="1" dirty="0" err="1">
+                          <a:solidFill>
+                            <a:srgbClr val="582808"/>
+                          </a:solidFill>
+                        </a:rPr>
+                        <a:t>n_listings</a:t>
+                      </a:r>
+                      <a:endParaRPr lang="es-ES" sz="1300" b="1" dirty="0">
+                        <a:solidFill>
+                          <a:srgbClr val="582808"/>
+                        </a:solidFill>
+                      </a:endParaRPr>
+                    </a:p>
+                  </a:txBody>
+                  <a:tcPr>
+                    <a:lnL w="12700" cap="flat" cmpd="sng" algn="ctr">
+                      <a:solidFill>
+                        <a:schemeClr val="tx1"/>
+                      </a:solidFill>
+                      <a:prstDash val="solid"/>
+                      <a:round/>
+                      <a:headEnd type="none" w="med" len="med"/>
+                      <a:tailEnd type="none" w="med" len="med"/>
+                    </a:lnL>
+                    <a:lnR w="12700" cap="flat" cmpd="sng" algn="ctr">
+                      <a:solidFill>
+                        <a:schemeClr val="tx1"/>
+                      </a:solidFill>
+                      <a:prstDash val="solid"/>
+                      <a:round/>
+                      <a:headEnd type="none" w="med" len="med"/>
+                      <a:tailEnd type="none" w="med" len="med"/>
+                    </a:lnR>
+                    <a:lnT w="12700" cap="flat" cmpd="sng" algn="ctr">
+                      <a:solidFill>
+                        <a:schemeClr val="tx1"/>
+                      </a:solidFill>
+                      <a:prstDash val="solid"/>
+                      <a:round/>
+                      <a:headEnd type="none" w="med" len="med"/>
+                      <a:tailEnd type="none" w="med" len="med"/>
+                    </a:lnT>
+                    <a:lnB w="12700" cap="flat" cmpd="sng" algn="ctr">
+                      <a:solidFill>
+                        <a:schemeClr val="tx1"/>
+                      </a:solidFill>
+                      <a:prstDash val="solid"/>
+                      <a:round/>
+                      <a:headEnd type="none" w="med" len="med"/>
+                      <a:tailEnd type="none" w="med" len="med"/>
+                    </a:lnB>
+                    <a:solidFill>
+                      <a:schemeClr val="accent2">
+                        <a:lumMod val="40000"/>
+                        <a:lumOff val="60000"/>
+                      </a:schemeClr>
+                    </a:solidFill>
+                  </a:tcPr>
+                </a:tc>
+                <a:tc>
+                  <a:txBody>
+                    <a:bodyPr/>
+                    <a:lstStyle/>
+                    <a:p>
+                      <a:pPr algn="ctr"/>
+                      <a:r>
+                        <a:rPr lang="es-ES" sz="1300" b="1" dirty="0" err="1">
+                          <a:solidFill>
+                            <a:srgbClr val="582808"/>
+                          </a:solidFill>
+                        </a:rPr>
+                        <a:t>n_active</a:t>
+                      </a:r>
+                      <a:endParaRPr lang="es-ES" sz="1300" b="1" dirty="0">
+                        <a:solidFill>
+                          <a:srgbClr val="582808"/>
+                        </a:solidFill>
+                      </a:endParaRPr>
+                    </a:p>
+                  </a:txBody>
+                  <a:tcPr>
+                    <a:lnL w="12700" cap="flat" cmpd="sng" algn="ctr">
+                      <a:solidFill>
+                        <a:schemeClr val="tx1"/>
+                      </a:solidFill>
+                      <a:prstDash val="solid"/>
+                      <a:round/>
+                      <a:headEnd type="none" w="med" len="med"/>
+                      <a:tailEnd type="none" w="med" len="med"/>
+                    </a:lnL>
+                    <a:lnR w="12700" cap="flat" cmpd="sng" algn="ctr">
+                      <a:solidFill>
+                        <a:schemeClr val="tx1"/>
+                      </a:solidFill>
+                      <a:prstDash val="solid"/>
+                      <a:round/>
+                      <a:headEnd type="none" w="med" len="med"/>
+                      <a:tailEnd type="none" w="med" len="med"/>
+                    </a:lnR>
+                    <a:lnT w="12700" cap="flat" cmpd="sng" algn="ctr">
+                      <a:solidFill>
+                        <a:schemeClr val="tx1"/>
+                      </a:solidFill>
+                      <a:prstDash val="solid"/>
+                      <a:round/>
+                      <a:headEnd type="none" w="med" len="med"/>
+                      <a:tailEnd type="none" w="med" len="med"/>
+                    </a:lnT>
+                    <a:lnB w="12700" cap="flat" cmpd="sng" algn="ctr">
+                      <a:solidFill>
+                        <a:schemeClr val="tx1"/>
+                      </a:solidFill>
+                      <a:prstDash val="solid"/>
+                      <a:round/>
+                      <a:headEnd type="none" w="med" len="med"/>
+                      <a:tailEnd type="none" w="med" len="med"/>
+                    </a:lnB>
+                    <a:solidFill>
+                      <a:schemeClr val="accent2">
+                        <a:lumMod val="40000"/>
+                        <a:lumOff val="60000"/>
+                      </a:schemeClr>
+                    </a:solidFill>
+                  </a:tcPr>
+                </a:tc>
+                <a:tc>
+                  <a:txBody>
+                    <a:bodyPr/>
+                    <a:lstStyle/>
+                    <a:p>
+                      <a:pPr algn="ctr"/>
+                      <a:r>
+                        <a:rPr lang="es-ES" sz="1300" b="1" dirty="0" err="1">
+                          <a:solidFill>
+                            <a:srgbClr val="582808"/>
+                          </a:solidFill>
+                        </a:rPr>
+                        <a:t>pct_listings</a:t>
+                      </a:r>
+                      <a:endParaRPr lang="es-ES" sz="1300" b="1" dirty="0">
+                        <a:solidFill>
+                          <a:srgbClr val="582808"/>
+                        </a:solidFill>
+                      </a:endParaRPr>
+                    </a:p>
+                  </a:txBody>
+                  <a:tcPr>
+                    <a:lnL w="12700" cap="flat" cmpd="sng" algn="ctr">
+                      <a:solidFill>
+                        <a:schemeClr val="tx1"/>
+                      </a:solidFill>
+                      <a:prstDash val="solid"/>
+                      <a:round/>
+                      <a:headEnd type="none" w="med" len="med"/>
+                      <a:tailEnd type="none" w="med" len="med"/>
+                    </a:lnL>
+                    <a:lnR w="12700" cap="flat" cmpd="sng" algn="ctr">
+                      <a:solidFill>
+                        <a:schemeClr val="tx1"/>
+                      </a:solidFill>
+                      <a:prstDash val="solid"/>
+                      <a:round/>
+                      <a:headEnd type="none" w="med" len="med"/>
+                      <a:tailEnd type="none" w="med" len="med"/>
+                    </a:lnR>
+                    <a:lnT w="12700" cap="flat" cmpd="sng" algn="ctr">
+                      <a:solidFill>
+                        <a:schemeClr val="tx1"/>
+                      </a:solidFill>
+                      <a:prstDash val="solid"/>
+                      <a:round/>
+                      <a:headEnd type="none" w="med" len="med"/>
+                      <a:tailEnd type="none" w="med" len="med"/>
+                    </a:lnT>
+                    <a:lnB w="12700" cap="flat" cmpd="sng" algn="ctr">
+                      <a:solidFill>
+                        <a:schemeClr val="tx1"/>
+                      </a:solidFill>
+                      <a:prstDash val="solid"/>
+                      <a:round/>
+                      <a:headEnd type="none" w="med" len="med"/>
+                      <a:tailEnd type="none" w="med" len="med"/>
+                    </a:lnB>
+                    <a:solidFill>
+                      <a:schemeClr val="accent2">
+                        <a:lumMod val="40000"/>
+                        <a:lumOff val="60000"/>
+                      </a:schemeClr>
+                    </a:solidFill>
+                  </a:tcPr>
+                </a:tc>
+                <a:tc>
+                  <a:txBody>
+                    <a:bodyPr/>
+                    <a:lstStyle/>
+                    <a:p>
+                      <a:pPr algn="ctr"/>
+                      <a:r>
+                        <a:rPr lang="es-ES" sz="1300" b="1" dirty="0" err="1">
+                          <a:solidFill>
+                            <a:srgbClr val="582808"/>
+                          </a:solidFill>
+                        </a:rPr>
+                        <a:t>pct_active</a:t>
+                      </a:r>
+                      <a:endParaRPr lang="es-ES" sz="1300" b="1" dirty="0">
+                        <a:solidFill>
+                          <a:srgbClr val="582808"/>
+                        </a:solidFill>
+                      </a:endParaRPr>
+                    </a:p>
+                  </a:txBody>
+                  <a:tcPr>
+                    <a:lnL w="12700" cap="flat" cmpd="sng" algn="ctr">
+                      <a:solidFill>
+                        <a:schemeClr val="tx1"/>
+                      </a:solidFill>
+                      <a:prstDash val="solid"/>
+                      <a:round/>
+                      <a:headEnd type="none" w="med" len="med"/>
+                      <a:tailEnd type="none" w="med" len="med"/>
+                    </a:lnL>
+                    <a:lnR w="12700" cmpd="sng">
+                      <a:solidFill>
+                        <a:schemeClr val="tx1"/>
+                      </a:solidFill>
+                      <a:prstDash val="solid"/>
+                    </a:lnR>
+                    <a:lnT w="12700" cap="flat" cmpd="sng" algn="ctr">
+                      <a:solidFill>
+                        <a:schemeClr val="tx1"/>
+                      </a:solidFill>
+                      <a:prstDash val="solid"/>
+                      <a:round/>
+                      <a:headEnd type="none" w="med" len="med"/>
+                      <a:tailEnd type="none" w="med" len="med"/>
+                    </a:lnT>
+                    <a:lnB w="12700" cap="flat" cmpd="sng" algn="ctr">
+                      <a:solidFill>
+                        <a:schemeClr val="tx1"/>
+                      </a:solidFill>
+                      <a:prstDash val="solid"/>
+                      <a:round/>
+                      <a:headEnd type="none" w="med" len="med"/>
+                      <a:tailEnd type="none" w="med" len="med"/>
+                    </a:lnB>
+                    <a:solidFill>
+                      <a:schemeClr val="accent2">
+                        <a:lumMod val="40000"/>
+                        <a:lumOff val="60000"/>
+                      </a:schemeClr>
+                    </a:solidFill>
+                  </a:tcPr>
+                </a:tc>
+                <a:extLst>
+                  <a:ext uri="{0D108BD9-81ED-4DB2-BD59-A6C34878D82A}">
+                    <a16:rowId xmlns:a16="http://schemas.microsoft.com/office/drawing/2014/main" val="348864374"/>
+                  </a:ext>
+                </a:extLst>
+              </a:tr>
+              <a:tr h="319373">
+                <a:tc>
+                  <a:txBody>
+                    <a:bodyPr/>
+                    <a:lstStyle/>
+                    <a:p>
+                      <a:r>
+                        <a:rPr lang="es-ES" sz="1300" dirty="0">
+                          <a:solidFill>
+                            <a:srgbClr val="582808"/>
+                          </a:solidFill>
+                        </a:rPr>
+                        <a:t>Centro</a:t>
+                      </a:r>
+                    </a:p>
+                  </a:txBody>
+                  <a:tcPr>
+                    <a:lnL w="12700" cap="flat" cmpd="sng" algn="ctr">
+                      <a:solidFill>
+                        <a:schemeClr val="tx1"/>
+                      </a:solidFill>
+                      <a:prstDash val="solid"/>
+                      <a:round/>
+                      <a:headEnd type="none" w="med" len="med"/>
+                      <a:tailEnd type="none" w="med" len="med"/>
+                    </a:lnL>
+                    <a:lnR w="12700" cap="flat" cmpd="sng" algn="ctr">
+                      <a:solidFill>
+                        <a:schemeClr val="tx1"/>
+                      </a:solidFill>
+                      <a:prstDash val="solid"/>
+                      <a:round/>
+                      <a:headEnd type="none" w="med" len="med"/>
+                      <a:tailEnd type="none" w="med" len="med"/>
+                    </a:lnR>
+                    <a:lnT w="12700" cap="flat" cmpd="sng" algn="ctr">
+                      <a:solidFill>
+                        <a:schemeClr val="tx1"/>
+                      </a:solidFill>
+                      <a:prstDash val="solid"/>
+                      <a:round/>
+                      <a:headEnd type="none" w="med" len="med"/>
+                      <a:tailEnd type="none" w="med" len="med"/>
+                    </a:lnT>
+                    <a:lnB w="12700" cap="flat" cmpd="sng" algn="ctr">
+                      <a:solidFill>
+                        <a:schemeClr val="tx1"/>
+                      </a:solidFill>
+                      <a:prstDash val="solid"/>
+                      <a:round/>
+                      <a:headEnd type="none" w="med" len="med"/>
+                      <a:tailEnd type="none" w="med" len="med"/>
+                    </a:lnB>
+                    <a:solidFill>
+                      <a:schemeClr val="accent2">
+                        <a:lumMod val="40000"/>
+                        <a:lumOff val="60000"/>
+                      </a:schemeClr>
+                    </a:solidFill>
+                  </a:tcPr>
+                </a:tc>
+                <a:tc>
+                  <a:txBody>
+                    <a:bodyPr/>
+                    <a:lstStyle/>
+                    <a:p>
+                      <a:r>
+                        <a:rPr lang="es-ES" sz="1300" dirty="0">
+                          <a:solidFill>
+                            <a:srgbClr val="582808"/>
+                          </a:solidFill>
+                        </a:rPr>
+                        <a:t>12718</a:t>
+                      </a:r>
+                    </a:p>
+                  </a:txBody>
+                  <a:tcPr>
+                    <a:lnL w="12700" cap="flat" cmpd="sng" algn="ctr">
+                      <a:solidFill>
+                        <a:schemeClr val="tx1"/>
+                      </a:solidFill>
+                      <a:prstDash val="solid"/>
+                      <a:round/>
+                      <a:headEnd type="none" w="med" len="med"/>
+                      <a:tailEnd type="none" w="med" len="med"/>
+                    </a:lnL>
+                    <a:lnR w="12700" cap="flat" cmpd="sng" algn="ctr">
+                      <a:solidFill>
+                        <a:schemeClr val="tx1"/>
+                      </a:solidFill>
+                      <a:prstDash val="solid"/>
+                      <a:round/>
+                      <a:headEnd type="none" w="med" len="med"/>
+                      <a:tailEnd type="none" w="med" len="med"/>
+                    </a:lnR>
+                    <a:lnT w="12700" cap="flat" cmpd="sng" algn="ctr">
+                      <a:solidFill>
+                        <a:schemeClr val="tx1"/>
+                      </a:solidFill>
+                      <a:prstDash val="solid"/>
+                      <a:round/>
+                      <a:headEnd type="none" w="med" len="med"/>
+                      <a:tailEnd type="none" w="med" len="med"/>
+                    </a:lnT>
+                    <a:lnB w="12700" cap="flat" cmpd="sng" algn="ctr">
+                      <a:solidFill>
+                        <a:schemeClr val="tx1"/>
+                      </a:solidFill>
+                      <a:prstDash val="solid"/>
+                      <a:round/>
+                      <a:headEnd type="none" w="med" len="med"/>
+                      <a:tailEnd type="none" w="med" len="med"/>
+                    </a:lnB>
+                    <a:solidFill>
+                      <a:schemeClr val="accent2">
+                        <a:lumMod val="40000"/>
+                        <a:lumOff val="60000"/>
+                      </a:schemeClr>
+                    </a:solidFill>
+                  </a:tcPr>
+                </a:tc>
+                <a:tc>
+                  <a:txBody>
+                    <a:bodyPr/>
+                    <a:lstStyle/>
+                    <a:p>
+                      <a:r>
+                        <a:rPr lang="es-ES" sz="1300" dirty="0">
+                          <a:solidFill>
+                            <a:srgbClr val="582808"/>
+                          </a:solidFill>
+                        </a:rPr>
+                        <a:t>10436</a:t>
+                      </a:r>
+                    </a:p>
+                  </a:txBody>
+                  <a:tcPr>
+                    <a:lnL w="12700" cap="flat" cmpd="sng" algn="ctr">
+                      <a:solidFill>
+                        <a:schemeClr val="tx1"/>
+                      </a:solidFill>
+                      <a:prstDash val="solid"/>
+                      <a:round/>
+                      <a:headEnd type="none" w="med" len="med"/>
+                      <a:tailEnd type="none" w="med" len="med"/>
+                    </a:lnL>
+                    <a:lnR w="12700" cap="flat" cmpd="sng" algn="ctr">
+                      <a:solidFill>
+                        <a:schemeClr val="tx1"/>
+                      </a:solidFill>
+                      <a:prstDash val="solid"/>
+                      <a:round/>
+                      <a:headEnd type="none" w="med" len="med"/>
+                      <a:tailEnd type="none" w="med" len="med"/>
+                    </a:lnR>
+                    <a:lnT w="12700" cap="flat" cmpd="sng" algn="ctr">
+                      <a:solidFill>
+                        <a:schemeClr val="tx1"/>
+                      </a:solidFill>
+                      <a:prstDash val="solid"/>
+                      <a:round/>
+                      <a:headEnd type="none" w="med" len="med"/>
+                      <a:tailEnd type="none" w="med" len="med"/>
+                    </a:lnT>
+                    <a:lnB w="12700" cap="flat" cmpd="sng" algn="ctr">
+                      <a:solidFill>
+                        <a:schemeClr val="tx1"/>
+                      </a:solidFill>
+                      <a:prstDash val="solid"/>
+                      <a:round/>
+                      <a:headEnd type="none" w="med" len="med"/>
+                      <a:tailEnd type="none" w="med" len="med"/>
+                    </a:lnB>
+                    <a:solidFill>
+                      <a:schemeClr val="accent2">
+                        <a:lumMod val="40000"/>
+                        <a:lumOff val="60000"/>
+                      </a:schemeClr>
+                    </a:solidFill>
+                  </a:tcPr>
+                </a:tc>
+                <a:tc>
+                  <a:txBody>
+                    <a:bodyPr/>
+                    <a:lstStyle/>
+                    <a:p>
+                      <a:r>
+                        <a:rPr lang="es-ES" sz="1300" dirty="0">
+                          <a:solidFill>
+                            <a:srgbClr val="582808"/>
+                          </a:solidFill>
+                        </a:rPr>
+                        <a:t>40.722359</a:t>
+                      </a:r>
+                    </a:p>
+                  </a:txBody>
+                  <a:tcPr>
+                    <a:lnL w="12700" cap="flat" cmpd="sng" algn="ctr">
+                      <a:solidFill>
+                        <a:schemeClr val="tx1"/>
+                      </a:solidFill>
+                      <a:prstDash val="solid"/>
+                      <a:round/>
+                      <a:headEnd type="none" w="med" len="med"/>
+                      <a:tailEnd type="none" w="med" len="med"/>
+                    </a:lnL>
+                    <a:lnR w="12700" cap="flat" cmpd="sng" algn="ctr">
+                      <a:solidFill>
+                        <a:schemeClr val="tx1"/>
+                      </a:solidFill>
+                      <a:prstDash val="solid"/>
+                      <a:round/>
+                      <a:headEnd type="none" w="med" len="med"/>
+                      <a:tailEnd type="none" w="med" len="med"/>
+                    </a:lnR>
+                    <a:lnT w="12700" cap="flat" cmpd="sng" algn="ctr">
+                      <a:solidFill>
+                        <a:schemeClr val="tx1"/>
+                      </a:solidFill>
+                      <a:prstDash val="solid"/>
+                      <a:round/>
+                      <a:headEnd type="none" w="med" len="med"/>
+                      <a:tailEnd type="none" w="med" len="med"/>
+                    </a:lnT>
+                    <a:lnB w="12700" cap="flat" cmpd="sng" algn="ctr">
+                      <a:solidFill>
+                        <a:schemeClr val="tx1"/>
+                      </a:solidFill>
+                      <a:prstDash val="solid"/>
+                      <a:round/>
+                      <a:headEnd type="none" w="med" len="med"/>
+                      <a:tailEnd type="none" w="med" len="med"/>
+                    </a:lnB>
+                    <a:solidFill>
+                      <a:schemeClr val="accent2">
+                        <a:lumMod val="40000"/>
+                        <a:lumOff val="60000"/>
+                      </a:schemeClr>
+                    </a:solidFill>
+                  </a:tcPr>
+                </a:tc>
+                <a:tc>
+                  <a:txBody>
+                    <a:bodyPr/>
+                    <a:lstStyle/>
+                    <a:p>
+                      <a:r>
+                        <a:rPr lang="es-ES" sz="1300" dirty="0">
+                          <a:solidFill>
+                            <a:srgbClr val="582808"/>
+                          </a:solidFill>
+                        </a:rPr>
+                        <a:t>41.576033</a:t>
+                      </a:r>
+                    </a:p>
+                  </a:txBody>
+                  <a:tcPr>
+                    <a:lnL w="12700" cap="flat" cmpd="sng" algn="ctr">
+                      <a:solidFill>
+                        <a:schemeClr val="tx1"/>
+                      </a:solidFill>
+                      <a:prstDash val="solid"/>
+                      <a:round/>
+                      <a:headEnd type="none" w="med" len="med"/>
+                      <a:tailEnd type="none" w="med" len="med"/>
+                    </a:lnL>
+                    <a:lnR w="12700" cap="flat" cmpd="sng" algn="ctr">
+                      <a:solidFill>
+                        <a:schemeClr val="tx1"/>
+                      </a:solidFill>
+                      <a:prstDash val="solid"/>
+                      <a:round/>
+                      <a:headEnd type="none" w="med" len="med"/>
+                      <a:tailEnd type="none" w="med" len="med"/>
+                    </a:lnR>
+                    <a:lnT w="12700" cap="flat" cmpd="sng" algn="ctr">
+                      <a:solidFill>
+                        <a:schemeClr val="tx1"/>
+                      </a:solidFill>
+                      <a:prstDash val="solid"/>
+                      <a:round/>
+                      <a:headEnd type="none" w="med" len="med"/>
+                      <a:tailEnd type="none" w="med" len="med"/>
+                    </a:lnT>
+                    <a:lnB w="12700" cap="flat" cmpd="sng" algn="ctr">
+                      <a:solidFill>
+                        <a:schemeClr val="tx1"/>
+                      </a:solidFill>
+                      <a:prstDash val="solid"/>
+                      <a:round/>
+                      <a:headEnd type="none" w="med" len="med"/>
+                      <a:tailEnd type="none" w="med" len="med"/>
+                    </a:lnB>
+                    <a:solidFill>
+                      <a:schemeClr val="accent2">
+                        <a:lumMod val="40000"/>
+                        <a:lumOff val="60000"/>
+                      </a:schemeClr>
+                    </a:solidFill>
+                  </a:tcPr>
+                </a:tc>
+                <a:extLst>
+                  <a:ext uri="{0D108BD9-81ED-4DB2-BD59-A6C34878D82A}">
+                    <a16:rowId xmlns:a16="http://schemas.microsoft.com/office/drawing/2014/main" val="3176744075"/>
+                  </a:ext>
+                </a:extLst>
+              </a:tr>
+              <a:tr h="319373">
+                <a:tc>
+                  <a:txBody>
+                    <a:bodyPr/>
+                    <a:lstStyle/>
+                    <a:p>
+                      <a:r>
+                        <a:rPr lang="es-ES" sz="1300" dirty="0">
+                          <a:solidFill>
+                            <a:srgbClr val="582808"/>
+                          </a:solidFill>
+                        </a:rPr>
+                        <a:t>Salamanca</a:t>
+                      </a:r>
+                    </a:p>
+                  </a:txBody>
+                  <a:tcPr>
+                    <a:lnL w="12700" cap="flat" cmpd="sng" algn="ctr">
+                      <a:solidFill>
+                        <a:schemeClr val="tx1"/>
+                      </a:solidFill>
+                      <a:prstDash val="solid"/>
+                      <a:round/>
+                      <a:headEnd type="none" w="med" len="med"/>
+                      <a:tailEnd type="none" w="med" len="med"/>
+                    </a:lnL>
+                    <a:lnR w="12700" cap="flat" cmpd="sng" algn="ctr">
+                      <a:solidFill>
+                        <a:schemeClr val="tx1"/>
+                      </a:solidFill>
+                      <a:prstDash val="solid"/>
+                      <a:round/>
+                      <a:headEnd type="none" w="med" len="med"/>
+                      <a:tailEnd type="none" w="med" len="med"/>
+                    </a:lnR>
+                    <a:lnT w="12700" cap="flat" cmpd="sng" algn="ctr">
+                      <a:solidFill>
+                        <a:schemeClr val="tx1"/>
+                      </a:solidFill>
+                      <a:prstDash val="solid"/>
+                      <a:round/>
+                      <a:headEnd type="none" w="med" len="med"/>
+                      <a:tailEnd type="none" w="med" len="med"/>
+                    </a:lnT>
+                    <a:lnB w="12700" cap="flat" cmpd="sng" algn="ctr">
+                      <a:solidFill>
+                        <a:schemeClr val="tx1"/>
+                      </a:solidFill>
+                      <a:prstDash val="solid"/>
+                      <a:round/>
+                      <a:headEnd type="none" w="med" len="med"/>
+                      <a:tailEnd type="none" w="med" len="med"/>
+                    </a:lnB>
+                    <a:solidFill>
+                      <a:schemeClr val="accent2">
+                        <a:lumMod val="40000"/>
+                        <a:lumOff val="60000"/>
+                      </a:schemeClr>
+                    </a:solidFill>
+                  </a:tcPr>
+                </a:tc>
+                <a:tc>
+                  <a:txBody>
+                    <a:bodyPr/>
+                    <a:lstStyle/>
+                    <a:p>
+                      <a:r>
+                        <a:rPr lang="es-ES" sz="1300" dirty="0">
+                          <a:solidFill>
+                            <a:srgbClr val="582808"/>
+                          </a:solidFill>
+                        </a:rPr>
+                        <a:t>2065	</a:t>
+                      </a:r>
+                    </a:p>
+                  </a:txBody>
+                  <a:tcPr>
+                    <a:lnL w="12700" cap="flat" cmpd="sng" algn="ctr">
+                      <a:solidFill>
+                        <a:schemeClr val="tx1"/>
+                      </a:solidFill>
+                      <a:prstDash val="solid"/>
+                      <a:round/>
+                      <a:headEnd type="none" w="med" len="med"/>
+                      <a:tailEnd type="none" w="med" len="med"/>
+                    </a:lnL>
+                    <a:lnR w="12700" cap="flat" cmpd="sng" algn="ctr">
+                      <a:solidFill>
+                        <a:schemeClr val="tx1"/>
+                      </a:solidFill>
+                      <a:prstDash val="solid"/>
+                      <a:round/>
+                      <a:headEnd type="none" w="med" len="med"/>
+                      <a:tailEnd type="none" w="med" len="med"/>
+                    </a:lnR>
+                    <a:lnT w="12700" cap="flat" cmpd="sng" algn="ctr">
+                      <a:solidFill>
+                        <a:schemeClr val="tx1"/>
+                      </a:solidFill>
+                      <a:prstDash val="solid"/>
+                      <a:round/>
+                      <a:headEnd type="none" w="med" len="med"/>
+                      <a:tailEnd type="none" w="med" len="med"/>
+                    </a:lnT>
+                    <a:lnB w="12700" cap="flat" cmpd="sng" algn="ctr">
+                      <a:solidFill>
+                        <a:schemeClr val="tx1"/>
+                      </a:solidFill>
+                      <a:prstDash val="solid"/>
+                      <a:round/>
+                      <a:headEnd type="none" w="med" len="med"/>
+                      <a:tailEnd type="none" w="med" len="med"/>
+                    </a:lnB>
+                    <a:solidFill>
+                      <a:schemeClr val="accent2">
+                        <a:lumMod val="40000"/>
+                        <a:lumOff val="60000"/>
+                      </a:schemeClr>
+                    </a:solidFill>
+                  </a:tcPr>
+                </a:tc>
+                <a:tc>
+                  <a:txBody>
+                    <a:bodyPr/>
+                    <a:lstStyle/>
+                    <a:p>
+                      <a:r>
+                        <a:rPr lang="es-ES" sz="1300" dirty="0">
+                          <a:solidFill>
+                            <a:srgbClr val="582808"/>
+                          </a:solidFill>
+                        </a:rPr>
+                        <a:t>1655</a:t>
+                      </a:r>
+                    </a:p>
+                  </a:txBody>
+                  <a:tcPr>
+                    <a:lnL w="12700" cap="flat" cmpd="sng" algn="ctr">
+                      <a:solidFill>
+                        <a:schemeClr val="tx1"/>
+                      </a:solidFill>
+                      <a:prstDash val="solid"/>
+                      <a:round/>
+                      <a:headEnd type="none" w="med" len="med"/>
+                      <a:tailEnd type="none" w="med" len="med"/>
+                    </a:lnL>
+                    <a:lnR w="12700" cap="flat" cmpd="sng" algn="ctr">
+                      <a:solidFill>
+                        <a:schemeClr val="tx1"/>
+                      </a:solidFill>
+                      <a:prstDash val="solid"/>
+                      <a:round/>
+                      <a:headEnd type="none" w="med" len="med"/>
+                      <a:tailEnd type="none" w="med" len="med"/>
+                    </a:lnR>
+                    <a:lnT w="12700" cap="flat" cmpd="sng" algn="ctr">
+                      <a:solidFill>
+                        <a:schemeClr val="tx1"/>
+                      </a:solidFill>
+                      <a:prstDash val="solid"/>
+                      <a:round/>
+                      <a:headEnd type="none" w="med" len="med"/>
+                      <a:tailEnd type="none" w="med" len="med"/>
+                    </a:lnT>
+                    <a:lnB w="12700" cap="flat" cmpd="sng" algn="ctr">
+                      <a:solidFill>
+                        <a:schemeClr val="tx1"/>
+                      </a:solidFill>
+                      <a:prstDash val="solid"/>
+                      <a:round/>
+                      <a:headEnd type="none" w="med" len="med"/>
+                      <a:tailEnd type="none" w="med" len="med"/>
+                    </a:lnB>
+                    <a:solidFill>
+                      <a:schemeClr val="accent2">
+                        <a:lumMod val="40000"/>
+                        <a:lumOff val="60000"/>
+                      </a:schemeClr>
+                    </a:solidFill>
+                  </a:tcPr>
+                </a:tc>
+                <a:tc>
+                  <a:txBody>
+                    <a:bodyPr/>
+                    <a:lstStyle/>
+                    <a:p>
+                      <a:r>
+                        <a:rPr lang="es-ES" sz="1300" dirty="0">
+                          <a:solidFill>
+                            <a:srgbClr val="582808"/>
+                          </a:solidFill>
+                        </a:rPr>
+                        <a:t>6.612020</a:t>
+                      </a:r>
+                    </a:p>
+                  </a:txBody>
+                  <a:tcPr>
+                    <a:lnL w="12700" cap="flat" cmpd="sng" algn="ctr">
+                      <a:solidFill>
+                        <a:schemeClr val="tx1"/>
+                      </a:solidFill>
+                      <a:prstDash val="solid"/>
+                      <a:round/>
+                      <a:headEnd type="none" w="med" len="med"/>
+                      <a:tailEnd type="none" w="med" len="med"/>
+                    </a:lnL>
+                    <a:lnR w="12700" cap="flat" cmpd="sng" algn="ctr">
+                      <a:solidFill>
+                        <a:schemeClr val="tx1"/>
+                      </a:solidFill>
+                      <a:prstDash val="solid"/>
+                      <a:round/>
+                      <a:headEnd type="none" w="med" len="med"/>
+                      <a:tailEnd type="none" w="med" len="med"/>
+                    </a:lnR>
+                    <a:lnT w="12700" cap="flat" cmpd="sng" algn="ctr">
+                      <a:solidFill>
+                        <a:schemeClr val="tx1"/>
+                      </a:solidFill>
+                      <a:prstDash val="solid"/>
+                      <a:round/>
+                      <a:headEnd type="none" w="med" len="med"/>
+                      <a:tailEnd type="none" w="med" len="med"/>
+                    </a:lnT>
+                    <a:lnB w="12700" cap="flat" cmpd="sng" algn="ctr">
+                      <a:solidFill>
+                        <a:schemeClr val="tx1"/>
+                      </a:solidFill>
+                      <a:prstDash val="solid"/>
+                      <a:round/>
+                      <a:headEnd type="none" w="med" len="med"/>
+                      <a:tailEnd type="none" w="med" len="med"/>
+                    </a:lnB>
+                    <a:solidFill>
+                      <a:schemeClr val="accent2">
+                        <a:lumMod val="40000"/>
+                        <a:lumOff val="60000"/>
+                      </a:schemeClr>
+                    </a:solidFill>
+                  </a:tcPr>
+                </a:tc>
+                <a:tc>
+                  <a:txBody>
+                    <a:bodyPr/>
+                    <a:lstStyle/>
+                    <a:p>
+                      <a:r>
+                        <a:rPr lang="es-ES" sz="1300" dirty="0">
+                          <a:solidFill>
+                            <a:srgbClr val="582808"/>
+                          </a:solidFill>
+                        </a:rPr>
+                        <a:t>6.593363</a:t>
+                      </a:r>
+                    </a:p>
+                  </a:txBody>
+                  <a:tcPr>
+                    <a:lnL w="12700" cap="flat" cmpd="sng" algn="ctr">
+                      <a:solidFill>
+                        <a:schemeClr val="tx1"/>
+                      </a:solidFill>
+                      <a:prstDash val="solid"/>
+                      <a:round/>
+                      <a:headEnd type="none" w="med" len="med"/>
+                      <a:tailEnd type="none" w="med" len="med"/>
+                    </a:lnL>
+                    <a:lnR w="12700" cap="flat" cmpd="sng" algn="ctr">
+                      <a:solidFill>
+                        <a:schemeClr val="tx1"/>
+                      </a:solidFill>
+                      <a:prstDash val="solid"/>
+                      <a:round/>
+                      <a:headEnd type="none" w="med" len="med"/>
+                      <a:tailEnd type="none" w="med" len="med"/>
+                    </a:lnR>
+                    <a:lnT w="12700" cap="flat" cmpd="sng" algn="ctr">
+                      <a:solidFill>
+                        <a:schemeClr val="tx1"/>
+                      </a:solidFill>
+                      <a:prstDash val="solid"/>
+                      <a:round/>
+                      <a:headEnd type="none" w="med" len="med"/>
+                      <a:tailEnd type="none" w="med" len="med"/>
+                    </a:lnT>
+                    <a:lnB w="12700" cap="flat" cmpd="sng" algn="ctr">
+                      <a:solidFill>
+                        <a:schemeClr val="tx1"/>
+                      </a:solidFill>
+                      <a:prstDash val="solid"/>
+                      <a:round/>
+                      <a:headEnd type="none" w="med" len="med"/>
+                      <a:tailEnd type="none" w="med" len="med"/>
+                    </a:lnB>
+                    <a:solidFill>
+                      <a:schemeClr val="accent2">
+                        <a:lumMod val="40000"/>
+                        <a:lumOff val="60000"/>
+                      </a:schemeClr>
+                    </a:solidFill>
+                  </a:tcPr>
+                </a:tc>
+                <a:extLst>
+                  <a:ext uri="{0D108BD9-81ED-4DB2-BD59-A6C34878D82A}">
+                    <a16:rowId xmlns:a16="http://schemas.microsoft.com/office/drawing/2014/main" val="43829418"/>
+                  </a:ext>
+                </a:extLst>
+              </a:tr>
+              <a:tr h="319373">
+                <a:tc>
+                  <a:txBody>
+                    <a:bodyPr/>
+                    <a:lstStyle/>
+                    <a:p>
+                      <a:r>
+                        <a:rPr lang="es-ES" sz="1300" dirty="0">
+                          <a:solidFill>
+                            <a:srgbClr val="582808"/>
+                          </a:solidFill>
+                        </a:rPr>
+                        <a:t>Tetuán</a:t>
+                      </a:r>
+                    </a:p>
+                  </a:txBody>
+                  <a:tcPr>
+                    <a:lnL w="12700" cap="flat" cmpd="sng" algn="ctr">
+                      <a:solidFill>
+                        <a:schemeClr val="tx1"/>
+                      </a:solidFill>
+                      <a:prstDash val="solid"/>
+                      <a:round/>
+                      <a:headEnd type="none" w="med" len="med"/>
+                      <a:tailEnd type="none" w="med" len="med"/>
+                    </a:lnL>
+                    <a:lnR w="12700" cap="flat" cmpd="sng" algn="ctr">
+                      <a:solidFill>
+                        <a:schemeClr val="tx1"/>
+                      </a:solidFill>
+                      <a:prstDash val="solid"/>
+                      <a:round/>
+                      <a:headEnd type="none" w="med" len="med"/>
+                      <a:tailEnd type="none" w="med" len="med"/>
+                    </a:lnR>
+                    <a:lnT w="12700" cap="flat" cmpd="sng" algn="ctr">
+                      <a:solidFill>
+                        <a:schemeClr val="tx1"/>
+                      </a:solidFill>
+                      <a:prstDash val="solid"/>
+                      <a:round/>
+                      <a:headEnd type="none" w="med" len="med"/>
+                      <a:tailEnd type="none" w="med" len="med"/>
+                    </a:lnT>
+                    <a:lnB w="12700" cap="flat" cmpd="sng" algn="ctr">
+                      <a:solidFill>
+                        <a:schemeClr val="tx1"/>
+                      </a:solidFill>
+                      <a:prstDash val="solid"/>
+                      <a:round/>
+                      <a:headEnd type="none" w="med" len="med"/>
+                      <a:tailEnd type="none" w="med" len="med"/>
+                    </a:lnB>
+                    <a:solidFill>
+                      <a:schemeClr val="accent2">
+                        <a:lumMod val="40000"/>
+                        <a:lumOff val="60000"/>
+                      </a:schemeClr>
+                    </a:solidFill>
+                  </a:tcPr>
+                </a:tc>
+                <a:tc>
+                  <a:txBody>
+                    <a:bodyPr/>
+                    <a:lstStyle/>
+                    <a:p>
+                      <a:r>
+                        <a:rPr lang="es-ES" sz="1300">
+                          <a:solidFill>
+                            <a:srgbClr val="582808"/>
+                          </a:solidFill>
+                        </a:rPr>
+                        <a:t>2051	</a:t>
+                      </a:r>
+                      <a:endParaRPr lang="es-ES" sz="1300" dirty="0">
+                        <a:solidFill>
+                          <a:srgbClr val="582808"/>
+                        </a:solidFill>
+                      </a:endParaRPr>
+                    </a:p>
+                  </a:txBody>
+                  <a:tcPr>
+                    <a:lnL w="12700" cap="flat" cmpd="sng" algn="ctr">
+                      <a:solidFill>
+                        <a:schemeClr val="tx1"/>
+                      </a:solidFill>
+                      <a:prstDash val="solid"/>
+                      <a:round/>
+                      <a:headEnd type="none" w="med" len="med"/>
+                      <a:tailEnd type="none" w="med" len="med"/>
+                    </a:lnL>
+                    <a:lnR w="12700" cap="flat" cmpd="sng" algn="ctr">
+                      <a:solidFill>
+                        <a:schemeClr val="tx1"/>
+                      </a:solidFill>
+                      <a:prstDash val="solid"/>
+                      <a:round/>
+                      <a:headEnd type="none" w="med" len="med"/>
+                      <a:tailEnd type="none" w="med" len="med"/>
+                    </a:lnR>
+                    <a:lnT w="12700" cap="flat" cmpd="sng" algn="ctr">
+                      <a:solidFill>
+                        <a:schemeClr val="tx1"/>
+                      </a:solidFill>
+                      <a:prstDash val="solid"/>
+                      <a:round/>
+                      <a:headEnd type="none" w="med" len="med"/>
+                      <a:tailEnd type="none" w="med" len="med"/>
+                    </a:lnT>
+                    <a:lnB w="12700" cap="flat" cmpd="sng" algn="ctr">
+                      <a:solidFill>
+                        <a:schemeClr val="tx1"/>
+                      </a:solidFill>
+                      <a:prstDash val="solid"/>
+                      <a:round/>
+                      <a:headEnd type="none" w="med" len="med"/>
+                      <a:tailEnd type="none" w="med" len="med"/>
+                    </a:lnB>
+                    <a:solidFill>
+                      <a:schemeClr val="accent2">
+                        <a:lumMod val="40000"/>
+                        <a:lumOff val="60000"/>
+                      </a:schemeClr>
+                    </a:solidFill>
+                  </a:tcPr>
+                </a:tc>
+                <a:tc>
+                  <a:txBody>
+                    <a:bodyPr/>
+                    <a:lstStyle/>
+                    <a:p>
+                      <a:r>
+                        <a:rPr lang="es-ES" sz="1300" dirty="0">
+                          <a:solidFill>
+                            <a:srgbClr val="582808"/>
+                          </a:solidFill>
+                        </a:rPr>
+                        <a:t>1728</a:t>
+                      </a:r>
+                    </a:p>
+                  </a:txBody>
+                  <a:tcPr>
+                    <a:lnL w="12700" cap="flat" cmpd="sng" algn="ctr">
+                      <a:solidFill>
+                        <a:schemeClr val="tx1"/>
+                      </a:solidFill>
+                      <a:prstDash val="solid"/>
+                      <a:round/>
+                      <a:headEnd type="none" w="med" len="med"/>
+                      <a:tailEnd type="none" w="med" len="med"/>
+                    </a:lnL>
+                    <a:lnR w="12700" cap="flat" cmpd="sng" algn="ctr">
+                      <a:solidFill>
+                        <a:schemeClr val="tx1"/>
+                      </a:solidFill>
+                      <a:prstDash val="solid"/>
+                      <a:round/>
+                      <a:headEnd type="none" w="med" len="med"/>
+                      <a:tailEnd type="none" w="med" len="med"/>
+                    </a:lnR>
+                    <a:lnT w="12700" cap="flat" cmpd="sng" algn="ctr">
+                      <a:solidFill>
+                        <a:schemeClr val="tx1"/>
+                      </a:solidFill>
+                      <a:prstDash val="solid"/>
+                      <a:round/>
+                      <a:headEnd type="none" w="med" len="med"/>
+                      <a:tailEnd type="none" w="med" len="med"/>
+                    </a:lnT>
+                    <a:lnB w="12700" cap="flat" cmpd="sng" algn="ctr">
+                      <a:solidFill>
+                        <a:schemeClr val="tx1"/>
+                      </a:solidFill>
+                      <a:prstDash val="solid"/>
+                      <a:round/>
+                      <a:headEnd type="none" w="med" len="med"/>
+                      <a:tailEnd type="none" w="med" len="med"/>
+                    </a:lnB>
+                    <a:solidFill>
+                      <a:schemeClr val="accent2">
+                        <a:lumMod val="40000"/>
+                        <a:lumOff val="60000"/>
+                      </a:schemeClr>
+                    </a:solidFill>
+                  </a:tcPr>
+                </a:tc>
+                <a:tc>
+                  <a:txBody>
+                    <a:bodyPr/>
+                    <a:lstStyle/>
+                    <a:p>
+                      <a:r>
+                        <a:rPr lang="es-ES" sz="1300" dirty="0">
+                          <a:solidFill>
+                            <a:srgbClr val="582808"/>
+                          </a:solidFill>
+                        </a:rPr>
+                        <a:t>6.567193</a:t>
+                      </a:r>
+                    </a:p>
+                  </a:txBody>
+                  <a:tcPr>
+                    <a:lnL w="12700" cap="flat" cmpd="sng" algn="ctr">
+                      <a:solidFill>
+                        <a:schemeClr val="tx1"/>
+                      </a:solidFill>
+                      <a:prstDash val="solid"/>
+                      <a:round/>
+                      <a:headEnd type="none" w="med" len="med"/>
+                      <a:tailEnd type="none" w="med" len="med"/>
+                    </a:lnL>
+                    <a:lnR w="12700" cap="flat" cmpd="sng" algn="ctr">
+                      <a:solidFill>
+                        <a:schemeClr val="tx1"/>
+                      </a:solidFill>
+                      <a:prstDash val="solid"/>
+                      <a:round/>
+                      <a:headEnd type="none" w="med" len="med"/>
+                      <a:tailEnd type="none" w="med" len="med"/>
+                    </a:lnR>
+                    <a:lnT w="12700" cap="flat" cmpd="sng" algn="ctr">
+                      <a:solidFill>
+                        <a:schemeClr val="tx1"/>
+                      </a:solidFill>
+                      <a:prstDash val="solid"/>
+                      <a:round/>
+                      <a:headEnd type="none" w="med" len="med"/>
+                      <a:tailEnd type="none" w="med" len="med"/>
+                    </a:lnT>
+                    <a:lnB w="12700" cap="flat" cmpd="sng" algn="ctr">
+                      <a:solidFill>
+                        <a:schemeClr val="tx1"/>
+                      </a:solidFill>
+                      <a:prstDash val="solid"/>
+                      <a:round/>
+                      <a:headEnd type="none" w="med" len="med"/>
+                      <a:tailEnd type="none" w="med" len="med"/>
+                    </a:lnB>
+                    <a:solidFill>
+                      <a:schemeClr val="accent2">
+                        <a:lumMod val="40000"/>
+                        <a:lumOff val="60000"/>
+                      </a:schemeClr>
+                    </a:solidFill>
+                  </a:tcPr>
+                </a:tc>
+                <a:tc>
+                  <a:txBody>
+                    <a:bodyPr/>
+                    <a:lstStyle/>
+                    <a:p>
+                      <a:r>
+                        <a:rPr lang="es-ES" sz="1300" dirty="0">
+                          <a:solidFill>
+                            <a:srgbClr val="582808"/>
+                          </a:solidFill>
+                        </a:rPr>
+                        <a:t>6.884188</a:t>
+                      </a:r>
+                    </a:p>
+                  </a:txBody>
+                  <a:tcPr>
+                    <a:lnL w="12700" cap="flat" cmpd="sng" algn="ctr">
+                      <a:solidFill>
+                        <a:schemeClr val="tx1"/>
+                      </a:solidFill>
+                      <a:prstDash val="solid"/>
+                      <a:round/>
+                      <a:headEnd type="none" w="med" len="med"/>
+                      <a:tailEnd type="none" w="med" len="med"/>
+                    </a:lnL>
+                    <a:lnR w="12700" cap="flat" cmpd="sng" algn="ctr">
+                      <a:solidFill>
+                        <a:schemeClr val="tx1"/>
+                      </a:solidFill>
+                      <a:prstDash val="solid"/>
+                      <a:round/>
+                      <a:headEnd type="none" w="med" len="med"/>
+                      <a:tailEnd type="none" w="med" len="med"/>
+                    </a:lnR>
+                    <a:lnT w="12700" cap="flat" cmpd="sng" algn="ctr">
+                      <a:solidFill>
+                        <a:schemeClr val="tx1"/>
+                      </a:solidFill>
+                      <a:prstDash val="solid"/>
+                      <a:round/>
+                      <a:headEnd type="none" w="med" len="med"/>
+                      <a:tailEnd type="none" w="med" len="med"/>
+                    </a:lnT>
+                    <a:lnB w="12700" cap="flat" cmpd="sng" algn="ctr">
+                      <a:solidFill>
+                        <a:schemeClr val="tx1"/>
+                      </a:solidFill>
+                      <a:prstDash val="solid"/>
+                      <a:round/>
+                      <a:headEnd type="none" w="med" len="med"/>
+                      <a:tailEnd type="none" w="med" len="med"/>
+                    </a:lnB>
+                    <a:solidFill>
+                      <a:schemeClr val="accent2">
+                        <a:lumMod val="40000"/>
+                        <a:lumOff val="60000"/>
+                      </a:schemeClr>
+                    </a:solidFill>
+                  </a:tcPr>
+                </a:tc>
+                <a:extLst>
+                  <a:ext uri="{0D108BD9-81ED-4DB2-BD59-A6C34878D82A}">
+                    <a16:rowId xmlns:a16="http://schemas.microsoft.com/office/drawing/2014/main" val="485185212"/>
+                  </a:ext>
+                </a:extLst>
+              </a:tr>
+              <a:tr h="319373">
+                <a:tc>
+                  <a:txBody>
+                    <a:bodyPr/>
+                    <a:lstStyle/>
+                    <a:p>
+                      <a:r>
+                        <a:rPr lang="es-ES" sz="1300" dirty="0">
+                          <a:solidFill>
+                            <a:srgbClr val="582808"/>
+                          </a:solidFill>
+                        </a:rPr>
+                        <a:t>Chamberí</a:t>
+                      </a:r>
+                    </a:p>
+                  </a:txBody>
+                  <a:tcPr>
+                    <a:lnL w="12700" cap="flat" cmpd="sng" algn="ctr">
+                      <a:solidFill>
+                        <a:schemeClr val="tx1"/>
+                      </a:solidFill>
+                      <a:prstDash val="solid"/>
+                      <a:round/>
+                      <a:headEnd type="none" w="med" len="med"/>
+                      <a:tailEnd type="none" w="med" len="med"/>
+                    </a:lnL>
+                    <a:lnR w="12700" cap="flat" cmpd="sng" algn="ctr">
+                      <a:solidFill>
+                        <a:schemeClr val="tx1"/>
+                      </a:solidFill>
+                      <a:prstDash val="solid"/>
+                      <a:round/>
+                      <a:headEnd type="none" w="med" len="med"/>
+                      <a:tailEnd type="none" w="med" len="med"/>
+                    </a:lnR>
+                    <a:lnT w="12700" cap="flat" cmpd="sng" algn="ctr">
+                      <a:solidFill>
+                        <a:schemeClr val="tx1"/>
+                      </a:solidFill>
+                      <a:prstDash val="solid"/>
+                      <a:round/>
+                      <a:headEnd type="none" w="med" len="med"/>
+                      <a:tailEnd type="none" w="med" len="med"/>
+                    </a:lnT>
+                    <a:lnB w="12700" cap="flat" cmpd="sng" algn="ctr">
+                      <a:solidFill>
+                        <a:schemeClr val="tx1"/>
+                      </a:solidFill>
+                      <a:prstDash val="solid"/>
+                      <a:round/>
+                      <a:headEnd type="none" w="med" len="med"/>
+                      <a:tailEnd type="none" w="med" len="med"/>
+                    </a:lnB>
+                    <a:solidFill>
+                      <a:schemeClr val="accent2">
+                        <a:lumMod val="40000"/>
+                        <a:lumOff val="60000"/>
+                      </a:schemeClr>
+                    </a:solidFill>
+                  </a:tcPr>
+                </a:tc>
+                <a:tc>
+                  <a:txBody>
+                    <a:bodyPr/>
+                    <a:lstStyle/>
+                    <a:p>
+                      <a:r>
+                        <a:rPr lang="es-ES" sz="1300">
+                          <a:solidFill>
+                            <a:srgbClr val="582808"/>
+                          </a:solidFill>
+                        </a:rPr>
+                        <a:t>2022</a:t>
+                      </a:r>
+                      <a:r>
+                        <a:rPr lang="es-ES" sz="1300" dirty="0">
+                          <a:solidFill>
+                            <a:srgbClr val="582808"/>
+                          </a:solidFill>
+                        </a:rPr>
+                        <a:t>	</a:t>
+                      </a:r>
+                    </a:p>
+                  </a:txBody>
+                  <a:tcPr>
+                    <a:lnL w="12700" cap="flat" cmpd="sng" algn="ctr">
+                      <a:solidFill>
+                        <a:schemeClr val="tx1"/>
+                      </a:solidFill>
+                      <a:prstDash val="solid"/>
+                      <a:round/>
+                      <a:headEnd type="none" w="med" len="med"/>
+                      <a:tailEnd type="none" w="med" len="med"/>
+                    </a:lnL>
+                    <a:lnR w="12700" cap="flat" cmpd="sng" algn="ctr">
+                      <a:solidFill>
+                        <a:schemeClr val="tx1"/>
+                      </a:solidFill>
+                      <a:prstDash val="solid"/>
+                      <a:round/>
+                      <a:headEnd type="none" w="med" len="med"/>
+                      <a:tailEnd type="none" w="med" len="med"/>
+                    </a:lnR>
+                    <a:lnT w="12700" cap="flat" cmpd="sng" algn="ctr">
+                      <a:solidFill>
+                        <a:schemeClr val="tx1"/>
+                      </a:solidFill>
+                      <a:prstDash val="solid"/>
+                      <a:round/>
+                      <a:headEnd type="none" w="med" len="med"/>
+                      <a:tailEnd type="none" w="med" len="med"/>
+                    </a:lnT>
+                    <a:lnB w="12700" cap="flat" cmpd="sng" algn="ctr">
+                      <a:solidFill>
+                        <a:schemeClr val="tx1"/>
+                      </a:solidFill>
+                      <a:prstDash val="solid"/>
+                      <a:round/>
+                      <a:headEnd type="none" w="med" len="med"/>
+                      <a:tailEnd type="none" w="med" len="med"/>
+                    </a:lnB>
+                    <a:solidFill>
+                      <a:schemeClr val="accent2">
+                        <a:lumMod val="40000"/>
+                        <a:lumOff val="60000"/>
+                      </a:schemeClr>
+                    </a:solidFill>
+                  </a:tcPr>
+                </a:tc>
+                <a:tc>
+                  <a:txBody>
+                    <a:bodyPr/>
+                    <a:lstStyle/>
+                    <a:p>
+                      <a:r>
+                        <a:rPr lang="es-ES" sz="1300" dirty="0">
+                          <a:solidFill>
+                            <a:srgbClr val="582808"/>
+                          </a:solidFill>
+                        </a:rPr>
+                        <a:t>1609</a:t>
+                      </a:r>
+                    </a:p>
+                  </a:txBody>
+                  <a:tcPr>
+                    <a:lnL w="12700" cap="flat" cmpd="sng" algn="ctr">
+                      <a:solidFill>
+                        <a:schemeClr val="tx1"/>
+                      </a:solidFill>
+                      <a:prstDash val="solid"/>
+                      <a:round/>
+                      <a:headEnd type="none" w="med" len="med"/>
+                      <a:tailEnd type="none" w="med" len="med"/>
+                    </a:lnL>
+                    <a:lnR w="12700" cap="flat" cmpd="sng" algn="ctr">
+                      <a:solidFill>
+                        <a:schemeClr val="tx1"/>
+                      </a:solidFill>
+                      <a:prstDash val="solid"/>
+                      <a:round/>
+                      <a:headEnd type="none" w="med" len="med"/>
+                      <a:tailEnd type="none" w="med" len="med"/>
+                    </a:lnR>
+                    <a:lnT w="12700" cap="flat" cmpd="sng" algn="ctr">
+                      <a:solidFill>
+                        <a:schemeClr val="tx1"/>
+                      </a:solidFill>
+                      <a:prstDash val="solid"/>
+                      <a:round/>
+                      <a:headEnd type="none" w="med" len="med"/>
+                      <a:tailEnd type="none" w="med" len="med"/>
+                    </a:lnT>
+                    <a:lnB w="12700" cap="flat" cmpd="sng" algn="ctr">
+                      <a:solidFill>
+                        <a:schemeClr val="tx1"/>
+                      </a:solidFill>
+                      <a:prstDash val="solid"/>
+                      <a:round/>
+                      <a:headEnd type="none" w="med" len="med"/>
+                      <a:tailEnd type="none" w="med" len="med"/>
+                    </a:lnB>
+                    <a:solidFill>
+                      <a:schemeClr val="accent2">
+                        <a:lumMod val="40000"/>
+                        <a:lumOff val="60000"/>
+                      </a:schemeClr>
+                    </a:solidFill>
+                  </a:tcPr>
+                </a:tc>
+                <a:tc>
+                  <a:txBody>
+                    <a:bodyPr/>
+                    <a:lstStyle/>
+                    <a:p>
+                      <a:r>
+                        <a:rPr lang="es-ES" sz="1300" dirty="0">
+                          <a:solidFill>
+                            <a:srgbClr val="582808"/>
+                          </a:solidFill>
+                        </a:rPr>
+                        <a:t>6.474336</a:t>
+                      </a:r>
+                    </a:p>
+                  </a:txBody>
+                  <a:tcPr>
+                    <a:lnL w="12700" cap="flat" cmpd="sng" algn="ctr">
+                      <a:solidFill>
+                        <a:schemeClr val="tx1"/>
+                      </a:solidFill>
+                      <a:prstDash val="solid"/>
+                      <a:round/>
+                      <a:headEnd type="none" w="med" len="med"/>
+                      <a:tailEnd type="none" w="med" len="med"/>
+                    </a:lnL>
+                    <a:lnR w="12700" cap="flat" cmpd="sng" algn="ctr">
+                      <a:solidFill>
+                        <a:schemeClr val="tx1"/>
+                      </a:solidFill>
+                      <a:prstDash val="solid"/>
+                      <a:round/>
+                      <a:headEnd type="none" w="med" len="med"/>
+                      <a:tailEnd type="none" w="med" len="med"/>
+                    </a:lnR>
+                    <a:lnT w="12700" cap="flat" cmpd="sng" algn="ctr">
+                      <a:solidFill>
+                        <a:schemeClr val="tx1"/>
+                      </a:solidFill>
+                      <a:prstDash val="solid"/>
+                      <a:round/>
+                      <a:headEnd type="none" w="med" len="med"/>
+                      <a:tailEnd type="none" w="med" len="med"/>
+                    </a:lnT>
+                    <a:lnB w="12700" cap="flat" cmpd="sng" algn="ctr">
+                      <a:solidFill>
+                        <a:schemeClr val="tx1"/>
+                      </a:solidFill>
+                      <a:prstDash val="solid"/>
+                      <a:round/>
+                      <a:headEnd type="none" w="med" len="med"/>
+                      <a:tailEnd type="none" w="med" len="med"/>
+                    </a:lnB>
+                    <a:solidFill>
+                      <a:schemeClr val="accent2">
+                        <a:lumMod val="40000"/>
+                        <a:lumOff val="60000"/>
+                      </a:schemeClr>
+                    </a:solidFill>
+                  </a:tcPr>
+                </a:tc>
+                <a:tc>
+                  <a:txBody>
+                    <a:bodyPr/>
+                    <a:lstStyle/>
+                    <a:p>
+                      <a:r>
+                        <a:rPr lang="es-ES" sz="1300" dirty="0">
+                          <a:solidFill>
+                            <a:srgbClr val="582808"/>
+                          </a:solidFill>
+                        </a:rPr>
+                        <a:t>6.410103</a:t>
+                      </a:r>
+                    </a:p>
+                  </a:txBody>
+                  <a:tcPr>
+                    <a:lnL w="12700" cap="flat" cmpd="sng" algn="ctr">
+                      <a:solidFill>
+                        <a:schemeClr val="tx1"/>
+                      </a:solidFill>
+                      <a:prstDash val="solid"/>
+                      <a:round/>
+                      <a:headEnd type="none" w="med" len="med"/>
+                      <a:tailEnd type="none" w="med" len="med"/>
+                    </a:lnL>
+                    <a:lnR w="12700" cap="flat" cmpd="sng" algn="ctr">
+                      <a:solidFill>
+                        <a:schemeClr val="tx1"/>
+                      </a:solidFill>
+                      <a:prstDash val="solid"/>
+                      <a:round/>
+                      <a:headEnd type="none" w="med" len="med"/>
+                      <a:tailEnd type="none" w="med" len="med"/>
+                    </a:lnR>
+                    <a:lnT w="12700" cap="flat" cmpd="sng" algn="ctr">
+                      <a:solidFill>
+                        <a:schemeClr val="tx1"/>
+                      </a:solidFill>
+                      <a:prstDash val="solid"/>
+                      <a:round/>
+                      <a:headEnd type="none" w="med" len="med"/>
+                      <a:tailEnd type="none" w="med" len="med"/>
+                    </a:lnT>
+                    <a:lnB w="12700" cap="flat" cmpd="sng" algn="ctr">
+                      <a:solidFill>
+                        <a:schemeClr val="tx1"/>
+                      </a:solidFill>
+                      <a:prstDash val="solid"/>
+                      <a:round/>
+                      <a:headEnd type="none" w="med" len="med"/>
+                      <a:tailEnd type="none" w="med" len="med"/>
+                    </a:lnB>
+                    <a:solidFill>
+                      <a:schemeClr val="accent2">
+                        <a:lumMod val="40000"/>
+                        <a:lumOff val="60000"/>
+                      </a:schemeClr>
+                    </a:solidFill>
+                  </a:tcPr>
+                </a:tc>
+                <a:extLst>
+                  <a:ext uri="{0D108BD9-81ED-4DB2-BD59-A6C34878D82A}">
+                    <a16:rowId xmlns:a16="http://schemas.microsoft.com/office/drawing/2014/main" val="1973882469"/>
+                  </a:ext>
+                </a:extLst>
+              </a:tr>
+              <a:tr h="319373">
+                <a:tc>
+                  <a:txBody>
+                    <a:bodyPr/>
+                    <a:lstStyle/>
+                    <a:p>
+                      <a:r>
+                        <a:rPr lang="es-ES" sz="1300" dirty="0">
+                          <a:solidFill>
+                            <a:srgbClr val="582808"/>
+                          </a:solidFill>
+                        </a:rPr>
+                        <a:t>Arganzuela</a:t>
+                      </a:r>
+                    </a:p>
+                  </a:txBody>
+                  <a:tcPr>
+                    <a:lnL w="12700" cap="flat" cmpd="sng" algn="ctr">
+                      <a:solidFill>
+                        <a:schemeClr val="tx1"/>
+                      </a:solidFill>
+                      <a:prstDash val="solid"/>
+                      <a:round/>
+                      <a:headEnd type="none" w="med" len="med"/>
+                      <a:tailEnd type="none" w="med" len="med"/>
+                    </a:lnL>
+                    <a:lnR w="12700" cap="flat" cmpd="sng" algn="ctr">
+                      <a:solidFill>
+                        <a:schemeClr val="tx1"/>
+                      </a:solidFill>
+                      <a:prstDash val="solid"/>
+                      <a:round/>
+                      <a:headEnd type="none" w="med" len="med"/>
+                      <a:tailEnd type="none" w="med" len="med"/>
+                    </a:lnR>
+                    <a:lnT w="12700" cap="flat" cmpd="sng" algn="ctr">
+                      <a:solidFill>
+                        <a:schemeClr val="tx1"/>
+                      </a:solidFill>
+                      <a:prstDash val="solid"/>
+                      <a:round/>
+                      <a:headEnd type="none" w="med" len="med"/>
+                      <a:tailEnd type="none" w="med" len="med"/>
+                    </a:lnT>
+                    <a:lnB w="12700" cap="flat" cmpd="sng" algn="ctr">
+                      <a:solidFill>
+                        <a:schemeClr val="tx1"/>
+                      </a:solidFill>
+                      <a:prstDash val="solid"/>
+                      <a:round/>
+                      <a:headEnd type="none" w="med" len="med"/>
+                      <a:tailEnd type="none" w="med" len="med"/>
+                    </a:lnB>
+                    <a:solidFill>
+                      <a:schemeClr val="accent2">
+                        <a:lumMod val="40000"/>
+                        <a:lumOff val="60000"/>
+                      </a:schemeClr>
+                    </a:solidFill>
+                  </a:tcPr>
+                </a:tc>
+                <a:tc>
+                  <a:txBody>
+                    <a:bodyPr/>
+                    <a:lstStyle/>
+                    <a:p>
+                      <a:endParaRPr lang="es-ES" sz="1300" dirty="0">
+                        <a:solidFill>
+                          <a:srgbClr val="582808"/>
+                        </a:solidFill>
+                      </a:endParaRPr>
+                    </a:p>
+                  </a:txBody>
+                  <a:tcPr>
+                    <a:lnL w="12700" cap="flat" cmpd="sng" algn="ctr">
+                      <a:solidFill>
+                        <a:schemeClr val="tx1"/>
+                      </a:solidFill>
+                      <a:prstDash val="solid"/>
+                      <a:round/>
+                      <a:headEnd type="none" w="med" len="med"/>
+                      <a:tailEnd type="none" w="med" len="med"/>
+                    </a:lnL>
+                    <a:lnR w="12700" cap="flat" cmpd="sng" algn="ctr">
+                      <a:solidFill>
+                        <a:schemeClr val="tx1"/>
+                      </a:solidFill>
+                      <a:prstDash val="solid"/>
+                      <a:round/>
+                      <a:headEnd type="none" w="med" len="med"/>
+                      <a:tailEnd type="none" w="med" len="med"/>
+                    </a:lnR>
+                    <a:lnT w="12700" cap="flat" cmpd="sng" algn="ctr">
+                      <a:solidFill>
+                        <a:schemeClr val="tx1"/>
+                      </a:solidFill>
+                      <a:prstDash val="solid"/>
+                      <a:round/>
+                      <a:headEnd type="none" w="med" len="med"/>
+                      <a:tailEnd type="none" w="med" len="med"/>
+                    </a:lnT>
+                    <a:lnB w="12700" cap="flat" cmpd="sng" algn="ctr">
+                      <a:solidFill>
+                        <a:schemeClr val="tx1"/>
+                      </a:solidFill>
+                      <a:prstDash val="solid"/>
+                      <a:round/>
+                      <a:headEnd type="none" w="med" len="med"/>
+                      <a:tailEnd type="none" w="med" len="med"/>
+                    </a:lnB>
+                    <a:solidFill>
+                      <a:schemeClr val="accent2">
+                        <a:lumMod val="40000"/>
+                        <a:lumOff val="60000"/>
+                      </a:schemeClr>
+                    </a:solidFill>
+                  </a:tcPr>
+                </a:tc>
+                <a:tc>
+                  <a:txBody>
+                    <a:bodyPr/>
+                    <a:lstStyle/>
+                    <a:p>
+                      <a:endParaRPr lang="es-ES" sz="1300" dirty="0">
+                        <a:solidFill>
+                          <a:srgbClr val="582808"/>
+                        </a:solidFill>
+                      </a:endParaRPr>
+                    </a:p>
+                  </a:txBody>
+                  <a:tcPr>
+                    <a:lnL w="12700" cap="flat" cmpd="sng" algn="ctr">
+                      <a:solidFill>
+                        <a:schemeClr val="tx1"/>
+                      </a:solidFill>
+                      <a:prstDash val="solid"/>
+                      <a:round/>
+                      <a:headEnd type="none" w="med" len="med"/>
+                      <a:tailEnd type="none" w="med" len="med"/>
+                    </a:lnL>
+                    <a:lnR w="12700" cap="flat" cmpd="sng" algn="ctr">
+                      <a:solidFill>
+                        <a:schemeClr val="tx1"/>
+                      </a:solidFill>
+                      <a:prstDash val="solid"/>
+                      <a:round/>
+                      <a:headEnd type="none" w="med" len="med"/>
+                      <a:tailEnd type="none" w="med" len="med"/>
+                    </a:lnR>
+                    <a:lnT w="12700" cap="flat" cmpd="sng" algn="ctr">
+                      <a:solidFill>
+                        <a:schemeClr val="tx1"/>
+                      </a:solidFill>
+                      <a:prstDash val="solid"/>
+                      <a:round/>
+                      <a:headEnd type="none" w="med" len="med"/>
+                      <a:tailEnd type="none" w="med" len="med"/>
+                    </a:lnT>
+                    <a:lnB w="12700" cap="flat" cmpd="sng" algn="ctr">
+                      <a:solidFill>
+                        <a:schemeClr val="tx1"/>
+                      </a:solidFill>
+                      <a:prstDash val="solid"/>
+                      <a:round/>
+                      <a:headEnd type="none" w="med" len="med"/>
+                      <a:tailEnd type="none" w="med" len="med"/>
+                    </a:lnB>
+                    <a:solidFill>
+                      <a:schemeClr val="accent2">
+                        <a:lumMod val="40000"/>
+                        <a:lumOff val="60000"/>
+                      </a:schemeClr>
+                    </a:solidFill>
+                  </a:tcPr>
+                </a:tc>
+                <a:tc>
+                  <a:txBody>
+                    <a:bodyPr/>
+                    <a:lstStyle/>
+                    <a:p>
+                      <a:endParaRPr lang="es-ES" sz="1300" dirty="0">
+                        <a:solidFill>
+                          <a:srgbClr val="582808"/>
+                        </a:solidFill>
+                      </a:endParaRPr>
+                    </a:p>
+                  </a:txBody>
+                  <a:tcPr>
+                    <a:lnL w="12700" cap="flat" cmpd="sng" algn="ctr">
+                      <a:solidFill>
+                        <a:schemeClr val="tx1"/>
+                      </a:solidFill>
+                      <a:prstDash val="solid"/>
+                      <a:round/>
+                      <a:headEnd type="none" w="med" len="med"/>
+                      <a:tailEnd type="none" w="med" len="med"/>
+                    </a:lnL>
+                    <a:lnR w="12700" cap="flat" cmpd="sng" algn="ctr">
+                      <a:solidFill>
+                        <a:schemeClr val="tx1"/>
+                      </a:solidFill>
+                      <a:prstDash val="solid"/>
+                      <a:round/>
+                      <a:headEnd type="none" w="med" len="med"/>
+                      <a:tailEnd type="none" w="med" len="med"/>
+                    </a:lnR>
+                    <a:lnT w="12700" cap="flat" cmpd="sng" algn="ctr">
+                      <a:solidFill>
+                        <a:schemeClr val="tx1"/>
+                      </a:solidFill>
+                      <a:prstDash val="solid"/>
+                      <a:round/>
+                      <a:headEnd type="none" w="med" len="med"/>
+                      <a:tailEnd type="none" w="med" len="med"/>
+                    </a:lnT>
+                    <a:lnB w="12700" cap="flat" cmpd="sng" algn="ctr">
+                      <a:solidFill>
+                        <a:schemeClr val="tx1"/>
+                      </a:solidFill>
+                      <a:prstDash val="solid"/>
+                      <a:round/>
+                      <a:headEnd type="none" w="med" len="med"/>
+                      <a:tailEnd type="none" w="med" len="med"/>
+                    </a:lnB>
+                    <a:solidFill>
+                      <a:schemeClr val="accent2">
+                        <a:lumMod val="40000"/>
+                        <a:lumOff val="60000"/>
+                      </a:schemeClr>
+                    </a:solidFill>
+                  </a:tcPr>
+                </a:tc>
+                <a:tc>
+                  <a:txBody>
+                    <a:bodyPr/>
+                    <a:lstStyle/>
+                    <a:p>
+                      <a:endParaRPr lang="es-ES" sz="1300" dirty="0">
+                        <a:solidFill>
+                          <a:srgbClr val="582808"/>
+                        </a:solidFill>
+                      </a:endParaRPr>
+                    </a:p>
+                  </a:txBody>
+                  <a:tcPr>
+                    <a:lnL w="12700" cap="flat" cmpd="sng" algn="ctr">
+                      <a:solidFill>
+                        <a:schemeClr val="tx1"/>
+                      </a:solidFill>
+                      <a:prstDash val="solid"/>
+                      <a:round/>
+                      <a:headEnd type="none" w="med" len="med"/>
+                      <a:tailEnd type="none" w="med" len="med"/>
+                    </a:lnL>
+                    <a:lnR w="12700" cap="flat" cmpd="sng" algn="ctr">
+                      <a:solidFill>
+                        <a:schemeClr val="tx1"/>
+                      </a:solidFill>
+                      <a:prstDash val="solid"/>
+                      <a:round/>
+                      <a:headEnd type="none" w="med" len="med"/>
+                      <a:tailEnd type="none" w="med" len="med"/>
+                    </a:lnR>
+                    <a:lnT w="12700" cap="flat" cmpd="sng" algn="ctr">
+                      <a:solidFill>
+                        <a:schemeClr val="tx1"/>
+                      </a:solidFill>
+                      <a:prstDash val="solid"/>
+                      <a:round/>
+                      <a:headEnd type="none" w="med" len="med"/>
+                      <a:tailEnd type="none" w="med" len="med"/>
+                    </a:lnT>
+                    <a:lnB w="12700" cap="flat" cmpd="sng" algn="ctr">
+                      <a:solidFill>
+                        <a:schemeClr val="tx1"/>
+                      </a:solidFill>
+                      <a:prstDash val="solid"/>
+                      <a:round/>
+                      <a:headEnd type="none" w="med" len="med"/>
+                      <a:tailEnd type="none" w="med" len="med"/>
+                    </a:lnB>
+                    <a:solidFill>
+                      <a:schemeClr val="accent2">
+                        <a:lumMod val="40000"/>
+                        <a:lumOff val="60000"/>
+                      </a:schemeClr>
+                    </a:solidFill>
+                  </a:tcPr>
+                </a:tc>
+                <a:extLst>
+                  <a:ext uri="{0D108BD9-81ED-4DB2-BD59-A6C34878D82A}">
+                    <a16:rowId xmlns:a16="http://schemas.microsoft.com/office/drawing/2014/main" val="999480108"/>
+                  </a:ext>
+                </a:extLst>
+              </a:tr>
+              <a:tr h="319373">
+                <a:tc>
+                  <a:txBody>
+                    <a:bodyPr/>
+                    <a:lstStyle/>
+                    <a:p>
+                      <a:r>
+                        <a:rPr lang="es-ES" sz="1300" dirty="0">
+                          <a:solidFill>
+                            <a:srgbClr val="582808"/>
+                          </a:solidFill>
+                        </a:rPr>
+                        <a:t>Carabanchel</a:t>
+                      </a:r>
+                    </a:p>
+                  </a:txBody>
+                  <a:tcPr>
+                    <a:lnL w="12700" cap="flat" cmpd="sng" algn="ctr">
+                      <a:solidFill>
+                        <a:schemeClr val="tx1"/>
+                      </a:solidFill>
+                      <a:prstDash val="solid"/>
+                      <a:round/>
+                      <a:headEnd type="none" w="med" len="med"/>
+                      <a:tailEnd type="none" w="med" len="med"/>
+                    </a:lnL>
+                    <a:lnR w="12700" cap="flat" cmpd="sng" algn="ctr">
+                      <a:solidFill>
+                        <a:schemeClr val="tx1"/>
+                      </a:solidFill>
+                      <a:prstDash val="solid"/>
+                      <a:round/>
+                      <a:headEnd type="none" w="med" len="med"/>
+                      <a:tailEnd type="none" w="med" len="med"/>
+                    </a:lnR>
+                    <a:lnT w="12700" cap="flat" cmpd="sng" algn="ctr">
+                      <a:solidFill>
+                        <a:schemeClr val="tx1"/>
+                      </a:solidFill>
+                      <a:prstDash val="solid"/>
+                      <a:round/>
+                      <a:headEnd type="none" w="med" len="med"/>
+                      <a:tailEnd type="none" w="med" len="med"/>
+                    </a:lnT>
+                    <a:lnB w="12700" cap="flat" cmpd="sng" algn="ctr">
+                      <a:solidFill>
+                        <a:schemeClr val="tx1"/>
+                      </a:solidFill>
+                      <a:prstDash val="solid"/>
+                      <a:round/>
+                      <a:headEnd type="none" w="med" len="med"/>
+                      <a:tailEnd type="none" w="med" len="med"/>
+                    </a:lnB>
+                    <a:solidFill>
+                      <a:schemeClr val="accent2">
+                        <a:lumMod val="40000"/>
+                        <a:lumOff val="60000"/>
+                      </a:schemeClr>
+                    </a:solidFill>
+                  </a:tcPr>
+                </a:tc>
+                <a:tc>
+                  <a:txBody>
+                    <a:bodyPr/>
+                    <a:lstStyle/>
+                    <a:p>
+                      <a:endParaRPr lang="es-ES" sz="1300" dirty="0">
+                        <a:solidFill>
+                          <a:srgbClr val="582808"/>
+                        </a:solidFill>
+                      </a:endParaRPr>
+                    </a:p>
+                  </a:txBody>
+                  <a:tcPr>
+                    <a:lnL w="12700" cap="flat" cmpd="sng" algn="ctr">
+                      <a:solidFill>
+                        <a:schemeClr val="tx1"/>
+                      </a:solidFill>
+                      <a:prstDash val="solid"/>
+                      <a:round/>
+                      <a:headEnd type="none" w="med" len="med"/>
+                      <a:tailEnd type="none" w="med" len="med"/>
+                    </a:lnL>
+                    <a:lnR w="12700" cap="flat" cmpd="sng" algn="ctr">
+                      <a:solidFill>
+                        <a:schemeClr val="tx1"/>
+                      </a:solidFill>
+                      <a:prstDash val="solid"/>
+                      <a:round/>
+                      <a:headEnd type="none" w="med" len="med"/>
+                      <a:tailEnd type="none" w="med" len="med"/>
+                    </a:lnR>
+                    <a:lnT w="12700" cap="flat" cmpd="sng" algn="ctr">
+                      <a:solidFill>
+                        <a:schemeClr val="tx1"/>
+                      </a:solidFill>
+                      <a:prstDash val="solid"/>
+                      <a:round/>
+                      <a:headEnd type="none" w="med" len="med"/>
+                      <a:tailEnd type="none" w="med" len="med"/>
+                    </a:lnT>
+                    <a:lnB w="12700" cap="flat" cmpd="sng" algn="ctr">
+                      <a:solidFill>
+                        <a:schemeClr val="tx1"/>
+                      </a:solidFill>
+                      <a:prstDash val="solid"/>
+                      <a:round/>
+                      <a:headEnd type="none" w="med" len="med"/>
+                      <a:tailEnd type="none" w="med" len="med"/>
+                    </a:lnB>
+                    <a:solidFill>
+                      <a:schemeClr val="accent2">
+                        <a:lumMod val="40000"/>
+                        <a:lumOff val="60000"/>
+                      </a:schemeClr>
+                    </a:solidFill>
+                  </a:tcPr>
+                </a:tc>
+                <a:tc>
+                  <a:txBody>
+                    <a:bodyPr/>
+                    <a:lstStyle/>
+                    <a:p>
+                      <a:endParaRPr lang="es-ES" sz="1300" dirty="0">
+                        <a:solidFill>
+                          <a:srgbClr val="582808"/>
+                        </a:solidFill>
+                      </a:endParaRPr>
+                    </a:p>
+                  </a:txBody>
+                  <a:tcPr>
+                    <a:lnL w="12700" cap="flat" cmpd="sng" algn="ctr">
+                      <a:solidFill>
+                        <a:schemeClr val="tx1"/>
+                      </a:solidFill>
+                      <a:prstDash val="solid"/>
+                      <a:round/>
+                      <a:headEnd type="none" w="med" len="med"/>
+                      <a:tailEnd type="none" w="med" len="med"/>
+                    </a:lnL>
+                    <a:lnR w="12700" cap="flat" cmpd="sng" algn="ctr">
+                      <a:solidFill>
+                        <a:schemeClr val="tx1"/>
+                      </a:solidFill>
+                      <a:prstDash val="solid"/>
+                      <a:round/>
+                      <a:headEnd type="none" w="med" len="med"/>
+                      <a:tailEnd type="none" w="med" len="med"/>
+                    </a:lnR>
+                    <a:lnT w="12700" cap="flat" cmpd="sng" algn="ctr">
+                      <a:solidFill>
+                        <a:schemeClr val="tx1"/>
+                      </a:solidFill>
+                      <a:prstDash val="solid"/>
+                      <a:round/>
+                      <a:headEnd type="none" w="med" len="med"/>
+                      <a:tailEnd type="none" w="med" len="med"/>
+                    </a:lnT>
+                    <a:lnB w="12700" cap="flat" cmpd="sng" algn="ctr">
+                      <a:solidFill>
+                        <a:schemeClr val="tx1"/>
+                      </a:solidFill>
+                      <a:prstDash val="solid"/>
+                      <a:round/>
+                      <a:headEnd type="none" w="med" len="med"/>
+                      <a:tailEnd type="none" w="med" len="med"/>
+                    </a:lnB>
+                    <a:solidFill>
+                      <a:schemeClr val="accent2">
+                        <a:lumMod val="40000"/>
+                        <a:lumOff val="60000"/>
+                      </a:schemeClr>
+                    </a:solidFill>
+                  </a:tcPr>
+                </a:tc>
+                <a:tc>
+                  <a:txBody>
+                    <a:bodyPr/>
+                    <a:lstStyle/>
+                    <a:p>
+                      <a:endParaRPr lang="es-ES" sz="1300" dirty="0">
+                        <a:solidFill>
+                          <a:srgbClr val="582808"/>
+                        </a:solidFill>
+                      </a:endParaRPr>
+                    </a:p>
+                  </a:txBody>
+                  <a:tcPr>
+                    <a:lnL w="12700" cap="flat" cmpd="sng" algn="ctr">
+                      <a:solidFill>
+                        <a:schemeClr val="tx1"/>
+                      </a:solidFill>
+                      <a:prstDash val="solid"/>
+                      <a:round/>
+                      <a:headEnd type="none" w="med" len="med"/>
+                      <a:tailEnd type="none" w="med" len="med"/>
+                    </a:lnL>
+                    <a:lnR w="12700" cap="flat" cmpd="sng" algn="ctr">
+                      <a:solidFill>
+                        <a:schemeClr val="tx1"/>
+                      </a:solidFill>
+                      <a:prstDash val="solid"/>
+                      <a:round/>
+                      <a:headEnd type="none" w="med" len="med"/>
+                      <a:tailEnd type="none" w="med" len="med"/>
+                    </a:lnR>
+                    <a:lnT w="12700" cap="flat" cmpd="sng" algn="ctr">
+                      <a:solidFill>
+                        <a:schemeClr val="tx1"/>
+                      </a:solidFill>
+                      <a:prstDash val="solid"/>
+                      <a:round/>
+                      <a:headEnd type="none" w="med" len="med"/>
+                      <a:tailEnd type="none" w="med" len="med"/>
+                    </a:lnT>
+                    <a:lnB w="12700" cap="flat" cmpd="sng" algn="ctr">
+                      <a:solidFill>
+                        <a:schemeClr val="tx1"/>
+                      </a:solidFill>
+                      <a:prstDash val="solid"/>
+                      <a:round/>
+                      <a:headEnd type="none" w="med" len="med"/>
+                      <a:tailEnd type="none" w="med" len="med"/>
+                    </a:lnB>
+                    <a:solidFill>
+                      <a:schemeClr val="accent2">
+                        <a:lumMod val="40000"/>
+                        <a:lumOff val="60000"/>
+                      </a:schemeClr>
+                    </a:solidFill>
+                  </a:tcPr>
+                </a:tc>
+                <a:tc>
+                  <a:txBody>
+                    <a:bodyPr/>
+                    <a:lstStyle/>
+                    <a:p>
+                      <a:endParaRPr lang="es-ES" sz="1300" dirty="0">
+                        <a:solidFill>
+                          <a:srgbClr val="582808"/>
+                        </a:solidFill>
+                      </a:endParaRPr>
+                    </a:p>
+                  </a:txBody>
+                  <a:tcPr>
+                    <a:lnL w="12700" cap="flat" cmpd="sng" algn="ctr">
+                      <a:solidFill>
+                        <a:schemeClr val="tx1"/>
+                      </a:solidFill>
+                      <a:prstDash val="solid"/>
+                      <a:round/>
+                      <a:headEnd type="none" w="med" len="med"/>
+                      <a:tailEnd type="none" w="med" len="med"/>
+                    </a:lnL>
+                    <a:lnR w="12700" cap="flat" cmpd="sng" algn="ctr">
+                      <a:solidFill>
+                        <a:schemeClr val="tx1"/>
+                      </a:solidFill>
+                      <a:prstDash val="solid"/>
+                      <a:round/>
+                      <a:headEnd type="none" w="med" len="med"/>
+                      <a:tailEnd type="none" w="med" len="med"/>
+                    </a:lnR>
+                    <a:lnT w="12700" cap="flat" cmpd="sng" algn="ctr">
+                      <a:solidFill>
+                        <a:schemeClr val="tx1"/>
+                      </a:solidFill>
+                      <a:prstDash val="solid"/>
+                      <a:round/>
+                      <a:headEnd type="none" w="med" len="med"/>
+                      <a:tailEnd type="none" w="med" len="med"/>
+                    </a:lnT>
+                    <a:lnB w="12700" cap="flat" cmpd="sng" algn="ctr">
+                      <a:solidFill>
+                        <a:schemeClr val="tx1"/>
+                      </a:solidFill>
+                      <a:prstDash val="solid"/>
+                      <a:round/>
+                      <a:headEnd type="none" w="med" len="med"/>
+                      <a:tailEnd type="none" w="med" len="med"/>
+                    </a:lnB>
+                    <a:solidFill>
+                      <a:schemeClr val="accent2">
+                        <a:lumMod val="40000"/>
+                        <a:lumOff val="60000"/>
+                      </a:schemeClr>
+                    </a:solidFill>
+                  </a:tcPr>
+                </a:tc>
+                <a:extLst>
+                  <a:ext uri="{0D108BD9-81ED-4DB2-BD59-A6C34878D82A}">
+                    <a16:rowId xmlns:a16="http://schemas.microsoft.com/office/drawing/2014/main" val="761859772"/>
+                  </a:ext>
+                </a:extLst>
+              </a:tr>
+              <a:tr h="319373">
+                <a:tc>
+                  <a:txBody>
+                    <a:bodyPr/>
+                    <a:lstStyle/>
+                    <a:p>
+                      <a:r>
+                        <a:rPr lang="es-ES" sz="1300" dirty="0">
+                          <a:solidFill>
+                            <a:srgbClr val="582808"/>
+                          </a:solidFill>
+                        </a:rPr>
+                        <a:t>Retiro</a:t>
+                      </a:r>
+                    </a:p>
+                  </a:txBody>
+                  <a:tcPr>
+                    <a:lnL w="12700" cap="flat" cmpd="sng" algn="ctr">
+                      <a:solidFill>
+                        <a:schemeClr val="tx1"/>
+                      </a:solidFill>
+                      <a:prstDash val="solid"/>
+                      <a:round/>
+                      <a:headEnd type="none" w="med" len="med"/>
+                      <a:tailEnd type="none" w="med" len="med"/>
+                    </a:lnL>
+                    <a:lnR w="12700" cap="flat" cmpd="sng" algn="ctr">
+                      <a:solidFill>
+                        <a:schemeClr val="tx1"/>
+                      </a:solidFill>
+                      <a:prstDash val="solid"/>
+                      <a:round/>
+                      <a:headEnd type="none" w="med" len="med"/>
+                      <a:tailEnd type="none" w="med" len="med"/>
+                    </a:lnR>
+                    <a:lnT w="12700" cap="flat" cmpd="sng" algn="ctr">
+                      <a:solidFill>
+                        <a:schemeClr val="tx1"/>
+                      </a:solidFill>
+                      <a:prstDash val="solid"/>
+                      <a:round/>
+                      <a:headEnd type="none" w="med" len="med"/>
+                      <a:tailEnd type="none" w="med" len="med"/>
+                    </a:lnT>
+                    <a:lnB w="12700" cap="flat" cmpd="sng" algn="ctr">
+                      <a:solidFill>
+                        <a:schemeClr val="tx1"/>
+                      </a:solidFill>
+                      <a:prstDash val="solid"/>
+                      <a:round/>
+                      <a:headEnd type="none" w="med" len="med"/>
+                      <a:tailEnd type="none" w="med" len="med"/>
+                    </a:lnB>
+                    <a:solidFill>
+                      <a:schemeClr val="accent2">
+                        <a:lumMod val="40000"/>
+                        <a:lumOff val="60000"/>
+                      </a:schemeClr>
+                    </a:solidFill>
+                  </a:tcPr>
+                </a:tc>
+                <a:tc>
+                  <a:txBody>
+                    <a:bodyPr/>
+                    <a:lstStyle/>
+                    <a:p>
+                      <a:endParaRPr lang="es-ES" sz="1300" dirty="0">
+                        <a:solidFill>
+                          <a:srgbClr val="582808"/>
+                        </a:solidFill>
+                      </a:endParaRPr>
+                    </a:p>
+                  </a:txBody>
+                  <a:tcPr>
+                    <a:lnL w="12700" cap="flat" cmpd="sng" algn="ctr">
+                      <a:solidFill>
+                        <a:schemeClr val="tx1"/>
+                      </a:solidFill>
+                      <a:prstDash val="solid"/>
+                      <a:round/>
+                      <a:headEnd type="none" w="med" len="med"/>
+                      <a:tailEnd type="none" w="med" len="med"/>
+                    </a:lnL>
+                    <a:lnR w="12700" cap="flat" cmpd="sng" algn="ctr">
+                      <a:solidFill>
+                        <a:schemeClr val="tx1"/>
+                      </a:solidFill>
+                      <a:prstDash val="solid"/>
+                      <a:round/>
+                      <a:headEnd type="none" w="med" len="med"/>
+                      <a:tailEnd type="none" w="med" len="med"/>
+                    </a:lnR>
+                    <a:lnT w="12700" cap="flat" cmpd="sng" algn="ctr">
+                      <a:solidFill>
+                        <a:schemeClr val="tx1"/>
+                      </a:solidFill>
+                      <a:prstDash val="solid"/>
+                      <a:round/>
+                      <a:headEnd type="none" w="med" len="med"/>
+                      <a:tailEnd type="none" w="med" len="med"/>
+                    </a:lnT>
+                    <a:lnB w="12700" cap="flat" cmpd="sng" algn="ctr">
+                      <a:solidFill>
+                        <a:schemeClr val="tx1"/>
+                      </a:solidFill>
+                      <a:prstDash val="solid"/>
+                      <a:round/>
+                      <a:headEnd type="none" w="med" len="med"/>
+                      <a:tailEnd type="none" w="med" len="med"/>
+                    </a:lnB>
+                    <a:solidFill>
+                      <a:schemeClr val="accent2">
+                        <a:lumMod val="40000"/>
+                        <a:lumOff val="60000"/>
+                      </a:schemeClr>
+                    </a:solidFill>
+                  </a:tcPr>
+                </a:tc>
+                <a:tc>
+                  <a:txBody>
+                    <a:bodyPr/>
+                    <a:lstStyle/>
+                    <a:p>
+                      <a:endParaRPr lang="es-ES" sz="1300" dirty="0">
+                        <a:solidFill>
+                          <a:srgbClr val="582808"/>
+                        </a:solidFill>
+                      </a:endParaRPr>
+                    </a:p>
+                  </a:txBody>
+                  <a:tcPr>
+                    <a:lnL w="12700" cap="flat" cmpd="sng" algn="ctr">
+                      <a:solidFill>
+                        <a:schemeClr val="tx1"/>
+                      </a:solidFill>
+                      <a:prstDash val="solid"/>
+                      <a:round/>
+                      <a:headEnd type="none" w="med" len="med"/>
+                      <a:tailEnd type="none" w="med" len="med"/>
+                    </a:lnL>
+                    <a:lnR w="12700" cap="flat" cmpd="sng" algn="ctr">
+                      <a:solidFill>
+                        <a:schemeClr val="tx1"/>
+                      </a:solidFill>
+                      <a:prstDash val="solid"/>
+                      <a:round/>
+                      <a:headEnd type="none" w="med" len="med"/>
+                      <a:tailEnd type="none" w="med" len="med"/>
+                    </a:lnR>
+                    <a:lnT w="12700" cap="flat" cmpd="sng" algn="ctr">
+                      <a:solidFill>
+                        <a:schemeClr val="tx1"/>
+                      </a:solidFill>
+                      <a:prstDash val="solid"/>
+                      <a:round/>
+                      <a:headEnd type="none" w="med" len="med"/>
+                      <a:tailEnd type="none" w="med" len="med"/>
+                    </a:lnT>
+                    <a:lnB w="12700" cap="flat" cmpd="sng" algn="ctr">
+                      <a:solidFill>
+                        <a:schemeClr val="tx1"/>
+                      </a:solidFill>
+                      <a:prstDash val="solid"/>
+                      <a:round/>
+                      <a:headEnd type="none" w="med" len="med"/>
+                      <a:tailEnd type="none" w="med" len="med"/>
+                    </a:lnB>
+                    <a:solidFill>
+                      <a:schemeClr val="accent2">
+                        <a:lumMod val="40000"/>
+                        <a:lumOff val="60000"/>
+                      </a:schemeClr>
+                    </a:solidFill>
+                  </a:tcPr>
+                </a:tc>
+                <a:tc>
+                  <a:txBody>
+                    <a:bodyPr/>
+                    <a:lstStyle/>
+                    <a:p>
+                      <a:endParaRPr lang="es-ES" sz="1300" dirty="0">
+                        <a:solidFill>
+                          <a:srgbClr val="582808"/>
+                        </a:solidFill>
+                      </a:endParaRPr>
+                    </a:p>
+                  </a:txBody>
+                  <a:tcPr>
+                    <a:lnL w="12700" cap="flat" cmpd="sng" algn="ctr">
+                      <a:solidFill>
+                        <a:schemeClr val="tx1"/>
+                      </a:solidFill>
+                      <a:prstDash val="solid"/>
+                      <a:round/>
+                      <a:headEnd type="none" w="med" len="med"/>
+                      <a:tailEnd type="none" w="med" len="med"/>
+                    </a:lnL>
+                    <a:lnR w="12700" cap="flat" cmpd="sng" algn="ctr">
+                      <a:solidFill>
+                        <a:schemeClr val="tx1"/>
+                      </a:solidFill>
+                      <a:prstDash val="solid"/>
+                      <a:round/>
+                      <a:headEnd type="none" w="med" len="med"/>
+                      <a:tailEnd type="none" w="med" len="med"/>
+                    </a:lnR>
+                    <a:lnT w="12700" cap="flat" cmpd="sng" algn="ctr">
+                      <a:solidFill>
+                        <a:schemeClr val="tx1"/>
+                      </a:solidFill>
+                      <a:prstDash val="solid"/>
+                      <a:round/>
+                      <a:headEnd type="none" w="med" len="med"/>
+                      <a:tailEnd type="none" w="med" len="med"/>
+                    </a:lnT>
+                    <a:lnB w="12700" cap="flat" cmpd="sng" algn="ctr">
+                      <a:solidFill>
+                        <a:schemeClr val="tx1"/>
+                      </a:solidFill>
+                      <a:prstDash val="solid"/>
+                      <a:round/>
+                      <a:headEnd type="none" w="med" len="med"/>
+                      <a:tailEnd type="none" w="med" len="med"/>
+                    </a:lnB>
+                    <a:solidFill>
+                      <a:schemeClr val="accent2">
+                        <a:lumMod val="40000"/>
+                        <a:lumOff val="60000"/>
+                      </a:schemeClr>
+                    </a:solidFill>
+                  </a:tcPr>
+                </a:tc>
+                <a:tc>
+                  <a:txBody>
+                    <a:bodyPr/>
+                    <a:lstStyle/>
+                    <a:p>
+                      <a:endParaRPr lang="es-ES" sz="1300" dirty="0">
+                        <a:solidFill>
+                          <a:srgbClr val="582808"/>
+                        </a:solidFill>
+                      </a:endParaRPr>
+                    </a:p>
+                  </a:txBody>
+                  <a:tcPr>
+                    <a:lnL w="12700" cap="flat" cmpd="sng" algn="ctr">
+                      <a:solidFill>
+                        <a:schemeClr val="tx1"/>
+                      </a:solidFill>
+                      <a:prstDash val="solid"/>
+                      <a:round/>
+                      <a:headEnd type="none" w="med" len="med"/>
+                      <a:tailEnd type="none" w="med" len="med"/>
+                    </a:lnL>
+                    <a:lnR w="12700" cap="flat" cmpd="sng" algn="ctr">
+                      <a:solidFill>
+                        <a:schemeClr val="tx1"/>
+                      </a:solidFill>
+                      <a:prstDash val="solid"/>
+                      <a:round/>
+                      <a:headEnd type="none" w="med" len="med"/>
+                      <a:tailEnd type="none" w="med" len="med"/>
+                    </a:lnR>
+                    <a:lnT w="12700" cap="flat" cmpd="sng" algn="ctr">
+                      <a:solidFill>
+                        <a:schemeClr val="tx1"/>
+                      </a:solidFill>
+                      <a:prstDash val="solid"/>
+                      <a:round/>
+                      <a:headEnd type="none" w="med" len="med"/>
+                      <a:tailEnd type="none" w="med" len="med"/>
+                    </a:lnT>
+                    <a:lnB w="12700" cap="flat" cmpd="sng" algn="ctr">
+                      <a:solidFill>
+                        <a:schemeClr val="tx1"/>
+                      </a:solidFill>
+                      <a:prstDash val="solid"/>
+                      <a:round/>
+                      <a:headEnd type="none" w="med" len="med"/>
+                      <a:tailEnd type="none" w="med" len="med"/>
+                    </a:lnB>
+                    <a:solidFill>
+                      <a:schemeClr val="accent2">
+                        <a:lumMod val="40000"/>
+                        <a:lumOff val="60000"/>
+                      </a:schemeClr>
+                    </a:solidFill>
+                  </a:tcPr>
+                </a:tc>
+                <a:extLst>
+                  <a:ext uri="{0D108BD9-81ED-4DB2-BD59-A6C34878D82A}">
+                    <a16:rowId xmlns:a16="http://schemas.microsoft.com/office/drawing/2014/main" val="627269499"/>
+                  </a:ext>
+                </a:extLst>
+              </a:tr>
+              <a:tr h="319373">
+                <a:tc>
+                  <a:txBody>
+                    <a:bodyPr/>
+                    <a:lstStyle/>
+                    <a:p>
+                      <a:r>
+                        <a:rPr lang="es-ES" sz="1300" dirty="0">
+                          <a:solidFill>
+                            <a:srgbClr val="582808"/>
+                          </a:solidFill>
+                        </a:rPr>
+                        <a:t>Chamartín</a:t>
+                      </a:r>
+                    </a:p>
+                  </a:txBody>
+                  <a:tcPr>
+                    <a:lnL w="12700" cap="flat" cmpd="sng" algn="ctr">
+                      <a:solidFill>
+                        <a:schemeClr val="tx1"/>
+                      </a:solidFill>
+                      <a:prstDash val="solid"/>
+                      <a:round/>
+                      <a:headEnd type="none" w="med" len="med"/>
+                      <a:tailEnd type="none" w="med" len="med"/>
+                    </a:lnL>
+                    <a:lnR w="12700" cap="flat" cmpd="sng" algn="ctr">
+                      <a:solidFill>
+                        <a:schemeClr val="tx1"/>
+                      </a:solidFill>
+                      <a:prstDash val="solid"/>
+                      <a:round/>
+                      <a:headEnd type="none" w="med" len="med"/>
+                      <a:tailEnd type="none" w="med" len="med"/>
+                    </a:lnR>
+                    <a:lnT w="12700" cap="flat" cmpd="sng" algn="ctr">
+                      <a:solidFill>
+                        <a:schemeClr val="tx1"/>
+                      </a:solidFill>
+                      <a:prstDash val="solid"/>
+                      <a:round/>
+                      <a:headEnd type="none" w="med" len="med"/>
+                      <a:tailEnd type="none" w="med" len="med"/>
+                    </a:lnT>
+                    <a:lnB w="12700" cap="flat" cmpd="sng" algn="ctr">
+                      <a:solidFill>
+                        <a:schemeClr val="tx1"/>
+                      </a:solidFill>
+                      <a:prstDash val="solid"/>
+                      <a:round/>
+                      <a:headEnd type="none" w="med" len="med"/>
+                      <a:tailEnd type="none" w="med" len="med"/>
+                    </a:lnB>
+                    <a:solidFill>
+                      <a:schemeClr val="accent2">
+                        <a:lumMod val="40000"/>
+                        <a:lumOff val="60000"/>
+                      </a:schemeClr>
+                    </a:solidFill>
+                  </a:tcPr>
+                </a:tc>
+                <a:tc>
+                  <a:txBody>
+                    <a:bodyPr/>
+                    <a:lstStyle/>
+                    <a:p>
+                      <a:endParaRPr lang="es-ES" sz="1300" dirty="0">
+                        <a:solidFill>
+                          <a:srgbClr val="582808"/>
+                        </a:solidFill>
+                      </a:endParaRPr>
+                    </a:p>
+                  </a:txBody>
+                  <a:tcPr>
+                    <a:lnL w="12700" cap="flat" cmpd="sng" algn="ctr">
+                      <a:solidFill>
+                        <a:schemeClr val="tx1"/>
+                      </a:solidFill>
+                      <a:prstDash val="solid"/>
+                      <a:round/>
+                      <a:headEnd type="none" w="med" len="med"/>
+                      <a:tailEnd type="none" w="med" len="med"/>
+                    </a:lnL>
+                    <a:lnR w="12700" cap="flat" cmpd="sng" algn="ctr">
+                      <a:solidFill>
+                        <a:schemeClr val="tx1"/>
+                      </a:solidFill>
+                      <a:prstDash val="solid"/>
+                      <a:round/>
+                      <a:headEnd type="none" w="med" len="med"/>
+                      <a:tailEnd type="none" w="med" len="med"/>
+                    </a:lnR>
+                    <a:lnT w="12700" cap="flat" cmpd="sng" algn="ctr">
+                      <a:solidFill>
+                        <a:schemeClr val="tx1"/>
+                      </a:solidFill>
+                      <a:prstDash val="solid"/>
+                      <a:round/>
+                      <a:headEnd type="none" w="med" len="med"/>
+                      <a:tailEnd type="none" w="med" len="med"/>
+                    </a:lnT>
+                    <a:lnB w="12700" cap="flat" cmpd="sng" algn="ctr">
+                      <a:solidFill>
+                        <a:schemeClr val="tx1"/>
+                      </a:solidFill>
+                      <a:prstDash val="solid"/>
+                      <a:round/>
+                      <a:headEnd type="none" w="med" len="med"/>
+                      <a:tailEnd type="none" w="med" len="med"/>
+                    </a:lnB>
+                    <a:solidFill>
+                      <a:schemeClr val="accent2">
+                        <a:lumMod val="40000"/>
+                        <a:lumOff val="60000"/>
+                      </a:schemeClr>
+                    </a:solidFill>
+                  </a:tcPr>
+                </a:tc>
+                <a:tc>
+                  <a:txBody>
+                    <a:bodyPr/>
+                    <a:lstStyle/>
+                    <a:p>
+                      <a:endParaRPr lang="es-ES" sz="1300" dirty="0">
+                        <a:solidFill>
+                          <a:srgbClr val="582808"/>
+                        </a:solidFill>
+                      </a:endParaRPr>
+                    </a:p>
+                  </a:txBody>
+                  <a:tcPr>
+                    <a:lnL w="12700" cap="flat" cmpd="sng" algn="ctr">
+                      <a:solidFill>
+                        <a:schemeClr val="tx1"/>
+                      </a:solidFill>
+                      <a:prstDash val="solid"/>
+                      <a:round/>
+                      <a:headEnd type="none" w="med" len="med"/>
+                      <a:tailEnd type="none" w="med" len="med"/>
+                    </a:lnL>
+                    <a:lnR w="12700" cap="flat" cmpd="sng" algn="ctr">
+                      <a:solidFill>
+                        <a:schemeClr val="tx1"/>
+                      </a:solidFill>
+                      <a:prstDash val="solid"/>
+                      <a:round/>
+                      <a:headEnd type="none" w="med" len="med"/>
+                      <a:tailEnd type="none" w="med" len="med"/>
+                    </a:lnR>
+                    <a:lnT w="12700" cap="flat" cmpd="sng" algn="ctr">
+                      <a:solidFill>
+                        <a:schemeClr val="tx1"/>
+                      </a:solidFill>
+                      <a:prstDash val="solid"/>
+                      <a:round/>
+                      <a:headEnd type="none" w="med" len="med"/>
+                      <a:tailEnd type="none" w="med" len="med"/>
+                    </a:lnT>
+                    <a:lnB w="12700" cap="flat" cmpd="sng" algn="ctr">
+                      <a:solidFill>
+                        <a:schemeClr val="tx1"/>
+                      </a:solidFill>
+                      <a:prstDash val="solid"/>
+                      <a:round/>
+                      <a:headEnd type="none" w="med" len="med"/>
+                      <a:tailEnd type="none" w="med" len="med"/>
+                    </a:lnB>
+                    <a:solidFill>
+                      <a:schemeClr val="accent2">
+                        <a:lumMod val="40000"/>
+                        <a:lumOff val="60000"/>
+                      </a:schemeClr>
+                    </a:solidFill>
+                  </a:tcPr>
+                </a:tc>
+                <a:tc>
+                  <a:txBody>
+                    <a:bodyPr/>
+                    <a:lstStyle/>
+                    <a:p>
+                      <a:endParaRPr lang="es-ES" sz="1300" dirty="0">
+                        <a:solidFill>
+                          <a:srgbClr val="582808"/>
+                        </a:solidFill>
+                      </a:endParaRPr>
+                    </a:p>
+                  </a:txBody>
+                  <a:tcPr>
+                    <a:lnL w="12700" cap="flat" cmpd="sng" algn="ctr">
+                      <a:solidFill>
+                        <a:schemeClr val="tx1"/>
+                      </a:solidFill>
+                      <a:prstDash val="solid"/>
+                      <a:round/>
+                      <a:headEnd type="none" w="med" len="med"/>
+                      <a:tailEnd type="none" w="med" len="med"/>
+                    </a:lnL>
+                    <a:lnR w="12700" cap="flat" cmpd="sng" algn="ctr">
+                      <a:solidFill>
+                        <a:schemeClr val="tx1"/>
+                      </a:solidFill>
+                      <a:prstDash val="solid"/>
+                      <a:round/>
+                      <a:headEnd type="none" w="med" len="med"/>
+                      <a:tailEnd type="none" w="med" len="med"/>
+                    </a:lnR>
+                    <a:lnT w="12700" cap="flat" cmpd="sng" algn="ctr">
+                      <a:solidFill>
+                        <a:schemeClr val="tx1"/>
+                      </a:solidFill>
+                      <a:prstDash val="solid"/>
+                      <a:round/>
+                      <a:headEnd type="none" w="med" len="med"/>
+                      <a:tailEnd type="none" w="med" len="med"/>
+                    </a:lnT>
+                    <a:lnB w="12700" cap="flat" cmpd="sng" algn="ctr">
+                      <a:solidFill>
+                        <a:schemeClr val="tx1"/>
+                      </a:solidFill>
+                      <a:prstDash val="solid"/>
+                      <a:round/>
+                      <a:headEnd type="none" w="med" len="med"/>
+                      <a:tailEnd type="none" w="med" len="med"/>
+                    </a:lnB>
+                    <a:solidFill>
+                      <a:schemeClr val="accent2">
+                        <a:lumMod val="40000"/>
+                        <a:lumOff val="60000"/>
+                      </a:schemeClr>
+                    </a:solidFill>
+                  </a:tcPr>
+                </a:tc>
+                <a:tc>
+                  <a:txBody>
+                    <a:bodyPr/>
+                    <a:lstStyle/>
+                    <a:p>
+                      <a:endParaRPr lang="es-ES" sz="1300" dirty="0">
+                        <a:solidFill>
+                          <a:srgbClr val="582808"/>
+                        </a:solidFill>
+                      </a:endParaRPr>
+                    </a:p>
+                  </a:txBody>
+                  <a:tcPr>
+                    <a:lnL w="12700" cap="flat" cmpd="sng" algn="ctr">
+                      <a:solidFill>
+                        <a:schemeClr val="tx1"/>
+                      </a:solidFill>
+                      <a:prstDash val="solid"/>
+                      <a:round/>
+                      <a:headEnd type="none" w="med" len="med"/>
+                      <a:tailEnd type="none" w="med" len="med"/>
+                    </a:lnL>
+                    <a:lnR w="12700" cap="flat" cmpd="sng" algn="ctr">
+                      <a:solidFill>
+                        <a:schemeClr val="tx1"/>
+                      </a:solidFill>
+                      <a:prstDash val="solid"/>
+                      <a:round/>
+                      <a:headEnd type="none" w="med" len="med"/>
+                      <a:tailEnd type="none" w="med" len="med"/>
+                    </a:lnR>
+                    <a:lnT w="12700" cap="flat" cmpd="sng" algn="ctr">
+                      <a:solidFill>
+                        <a:schemeClr val="tx1"/>
+                      </a:solidFill>
+                      <a:prstDash val="solid"/>
+                      <a:round/>
+                      <a:headEnd type="none" w="med" len="med"/>
+                      <a:tailEnd type="none" w="med" len="med"/>
+                    </a:lnT>
+                    <a:lnB w="12700" cap="flat" cmpd="sng" algn="ctr">
+                      <a:solidFill>
+                        <a:schemeClr val="tx1"/>
+                      </a:solidFill>
+                      <a:prstDash val="solid"/>
+                      <a:round/>
+                      <a:headEnd type="none" w="med" len="med"/>
+                      <a:tailEnd type="none" w="med" len="med"/>
+                    </a:lnB>
+                    <a:solidFill>
+                      <a:schemeClr val="accent2">
+                        <a:lumMod val="40000"/>
+                        <a:lumOff val="60000"/>
+                      </a:schemeClr>
+                    </a:solidFill>
+                  </a:tcPr>
+                </a:tc>
+                <a:extLst>
+                  <a:ext uri="{0D108BD9-81ED-4DB2-BD59-A6C34878D82A}">
+                    <a16:rowId xmlns:a16="http://schemas.microsoft.com/office/drawing/2014/main" val="2333219230"/>
+                  </a:ext>
+                </a:extLst>
+              </a:tr>
+              <a:tr h="319373">
+                <a:tc>
+                  <a:txBody>
+                    <a:bodyPr/>
+                    <a:lstStyle/>
+                    <a:p>
+                      <a:r>
+                        <a:rPr lang="es-ES" sz="1300" dirty="0">
+                          <a:solidFill>
+                            <a:srgbClr val="582808"/>
+                          </a:solidFill>
+                        </a:rPr>
+                        <a:t>Ciudad Lineal</a:t>
+                      </a:r>
+                    </a:p>
+                  </a:txBody>
+                  <a:tcPr>
+                    <a:lnL w="12700" cap="flat" cmpd="sng" algn="ctr">
+                      <a:solidFill>
+                        <a:schemeClr val="tx1"/>
+                      </a:solidFill>
+                      <a:prstDash val="solid"/>
+                      <a:round/>
+                      <a:headEnd type="none" w="med" len="med"/>
+                      <a:tailEnd type="none" w="med" len="med"/>
+                    </a:lnL>
+                    <a:lnR w="12700" cap="flat" cmpd="sng" algn="ctr">
+                      <a:solidFill>
+                        <a:schemeClr val="tx1"/>
+                      </a:solidFill>
+                      <a:prstDash val="solid"/>
+                      <a:round/>
+                      <a:headEnd type="none" w="med" len="med"/>
+                      <a:tailEnd type="none" w="med" len="med"/>
+                    </a:lnR>
+                    <a:lnT w="12700" cap="flat" cmpd="sng" algn="ctr">
+                      <a:solidFill>
+                        <a:schemeClr val="tx1"/>
+                      </a:solidFill>
+                      <a:prstDash val="solid"/>
+                      <a:round/>
+                      <a:headEnd type="none" w="med" len="med"/>
+                      <a:tailEnd type="none" w="med" len="med"/>
+                    </a:lnT>
+                    <a:lnB w="12700" cap="flat" cmpd="sng" algn="ctr">
+                      <a:solidFill>
+                        <a:schemeClr val="tx1"/>
+                      </a:solidFill>
+                      <a:prstDash val="solid"/>
+                      <a:round/>
+                      <a:headEnd type="none" w="med" len="med"/>
+                      <a:tailEnd type="none" w="med" len="med"/>
+                    </a:lnB>
+                    <a:solidFill>
+                      <a:schemeClr val="accent2">
+                        <a:lumMod val="40000"/>
+                        <a:lumOff val="60000"/>
+                      </a:schemeClr>
+                    </a:solidFill>
+                  </a:tcPr>
+                </a:tc>
+                <a:tc>
+                  <a:txBody>
+                    <a:bodyPr/>
+                    <a:lstStyle/>
+                    <a:p>
+                      <a:endParaRPr lang="es-ES" sz="1300" dirty="0">
+                        <a:solidFill>
+                          <a:srgbClr val="582808"/>
+                        </a:solidFill>
+                      </a:endParaRPr>
+                    </a:p>
+                  </a:txBody>
+                  <a:tcPr>
+                    <a:lnL w="12700" cap="flat" cmpd="sng" algn="ctr">
+                      <a:solidFill>
+                        <a:schemeClr val="tx1"/>
+                      </a:solidFill>
+                      <a:prstDash val="solid"/>
+                      <a:round/>
+                      <a:headEnd type="none" w="med" len="med"/>
+                      <a:tailEnd type="none" w="med" len="med"/>
+                    </a:lnL>
+                    <a:lnR w="12700" cap="flat" cmpd="sng" algn="ctr">
+                      <a:solidFill>
+                        <a:schemeClr val="tx1"/>
+                      </a:solidFill>
+                      <a:prstDash val="solid"/>
+                      <a:round/>
+                      <a:headEnd type="none" w="med" len="med"/>
+                      <a:tailEnd type="none" w="med" len="med"/>
+                    </a:lnR>
+                    <a:lnT w="12700" cap="flat" cmpd="sng" algn="ctr">
+                      <a:solidFill>
+                        <a:schemeClr val="tx1"/>
+                      </a:solidFill>
+                      <a:prstDash val="solid"/>
+                      <a:round/>
+                      <a:headEnd type="none" w="med" len="med"/>
+                      <a:tailEnd type="none" w="med" len="med"/>
+                    </a:lnT>
+                    <a:lnB w="12700" cap="flat" cmpd="sng" algn="ctr">
+                      <a:solidFill>
+                        <a:schemeClr val="tx1"/>
+                      </a:solidFill>
+                      <a:prstDash val="solid"/>
+                      <a:round/>
+                      <a:headEnd type="none" w="med" len="med"/>
+                      <a:tailEnd type="none" w="med" len="med"/>
+                    </a:lnB>
+                    <a:solidFill>
+                      <a:schemeClr val="accent2">
+                        <a:lumMod val="40000"/>
+                        <a:lumOff val="60000"/>
+                      </a:schemeClr>
+                    </a:solidFill>
+                  </a:tcPr>
+                </a:tc>
+                <a:tc>
+                  <a:txBody>
+                    <a:bodyPr/>
+                    <a:lstStyle/>
+                    <a:p>
+                      <a:endParaRPr lang="es-ES" sz="1300" dirty="0">
+                        <a:solidFill>
+                          <a:srgbClr val="582808"/>
+                        </a:solidFill>
+                      </a:endParaRPr>
+                    </a:p>
+                  </a:txBody>
+                  <a:tcPr>
+                    <a:lnL w="12700" cap="flat" cmpd="sng" algn="ctr">
+                      <a:solidFill>
+                        <a:schemeClr val="tx1"/>
+                      </a:solidFill>
+                      <a:prstDash val="solid"/>
+                      <a:round/>
+                      <a:headEnd type="none" w="med" len="med"/>
+                      <a:tailEnd type="none" w="med" len="med"/>
+                    </a:lnL>
+                    <a:lnR w="12700" cap="flat" cmpd="sng" algn="ctr">
+                      <a:solidFill>
+                        <a:schemeClr val="tx1"/>
+                      </a:solidFill>
+                      <a:prstDash val="solid"/>
+                      <a:round/>
+                      <a:headEnd type="none" w="med" len="med"/>
+                      <a:tailEnd type="none" w="med" len="med"/>
+                    </a:lnR>
+                    <a:lnT w="12700" cap="flat" cmpd="sng" algn="ctr">
+                      <a:solidFill>
+                        <a:schemeClr val="tx1"/>
+                      </a:solidFill>
+                      <a:prstDash val="solid"/>
+                      <a:round/>
+                      <a:headEnd type="none" w="med" len="med"/>
+                      <a:tailEnd type="none" w="med" len="med"/>
+                    </a:lnT>
+                    <a:lnB w="12700" cap="flat" cmpd="sng" algn="ctr">
+                      <a:solidFill>
+                        <a:schemeClr val="tx1"/>
+                      </a:solidFill>
+                      <a:prstDash val="solid"/>
+                      <a:round/>
+                      <a:headEnd type="none" w="med" len="med"/>
+                      <a:tailEnd type="none" w="med" len="med"/>
+                    </a:lnB>
+                    <a:solidFill>
+                      <a:schemeClr val="accent2">
+                        <a:lumMod val="40000"/>
+                        <a:lumOff val="60000"/>
+                      </a:schemeClr>
+                    </a:solidFill>
+                  </a:tcPr>
+                </a:tc>
+                <a:tc>
+                  <a:txBody>
+                    <a:bodyPr/>
+                    <a:lstStyle/>
+                    <a:p>
+                      <a:endParaRPr lang="es-ES" sz="1300" dirty="0">
+                        <a:solidFill>
+                          <a:srgbClr val="582808"/>
+                        </a:solidFill>
+                      </a:endParaRPr>
+                    </a:p>
+                  </a:txBody>
+                  <a:tcPr>
+                    <a:lnL w="12700" cap="flat" cmpd="sng" algn="ctr">
+                      <a:solidFill>
+                        <a:schemeClr val="tx1"/>
+                      </a:solidFill>
+                      <a:prstDash val="solid"/>
+                      <a:round/>
+                      <a:headEnd type="none" w="med" len="med"/>
+                      <a:tailEnd type="none" w="med" len="med"/>
+                    </a:lnL>
+                    <a:lnR w="12700" cap="flat" cmpd="sng" algn="ctr">
+                      <a:solidFill>
+                        <a:schemeClr val="tx1"/>
+                      </a:solidFill>
+                      <a:prstDash val="solid"/>
+                      <a:round/>
+                      <a:headEnd type="none" w="med" len="med"/>
+                      <a:tailEnd type="none" w="med" len="med"/>
+                    </a:lnR>
+                    <a:lnT w="12700" cap="flat" cmpd="sng" algn="ctr">
+                      <a:solidFill>
+                        <a:schemeClr val="tx1"/>
+                      </a:solidFill>
+                      <a:prstDash val="solid"/>
+                      <a:round/>
+                      <a:headEnd type="none" w="med" len="med"/>
+                      <a:tailEnd type="none" w="med" len="med"/>
+                    </a:lnT>
+                    <a:lnB w="12700" cap="flat" cmpd="sng" algn="ctr">
+                      <a:solidFill>
+                        <a:schemeClr val="tx1"/>
+                      </a:solidFill>
+                      <a:prstDash val="solid"/>
+                      <a:round/>
+                      <a:headEnd type="none" w="med" len="med"/>
+                      <a:tailEnd type="none" w="med" len="med"/>
+                    </a:lnB>
+                    <a:solidFill>
+                      <a:schemeClr val="accent2">
+                        <a:lumMod val="40000"/>
+                        <a:lumOff val="60000"/>
+                      </a:schemeClr>
+                    </a:solidFill>
+                  </a:tcPr>
+                </a:tc>
+                <a:tc>
+                  <a:txBody>
+                    <a:bodyPr/>
+                    <a:lstStyle/>
+                    <a:p>
+                      <a:endParaRPr lang="es-ES" sz="1300" dirty="0">
+                        <a:solidFill>
+                          <a:srgbClr val="582808"/>
+                        </a:solidFill>
+                      </a:endParaRPr>
+                    </a:p>
+                  </a:txBody>
+                  <a:tcPr>
+                    <a:lnL w="12700" cap="flat" cmpd="sng" algn="ctr">
+                      <a:solidFill>
+                        <a:schemeClr val="tx1"/>
+                      </a:solidFill>
+                      <a:prstDash val="solid"/>
+                      <a:round/>
+                      <a:headEnd type="none" w="med" len="med"/>
+                      <a:tailEnd type="none" w="med" len="med"/>
+                    </a:lnL>
+                    <a:lnR w="12700" cap="flat" cmpd="sng" algn="ctr">
+                      <a:solidFill>
+                        <a:schemeClr val="tx1"/>
+                      </a:solidFill>
+                      <a:prstDash val="solid"/>
+                      <a:round/>
+                      <a:headEnd type="none" w="med" len="med"/>
+                      <a:tailEnd type="none" w="med" len="med"/>
+                    </a:lnR>
+                    <a:lnT w="12700" cap="flat" cmpd="sng" algn="ctr">
+                      <a:solidFill>
+                        <a:schemeClr val="tx1"/>
+                      </a:solidFill>
+                      <a:prstDash val="solid"/>
+                      <a:round/>
+                      <a:headEnd type="none" w="med" len="med"/>
+                      <a:tailEnd type="none" w="med" len="med"/>
+                    </a:lnT>
+                    <a:lnB w="12700" cap="flat" cmpd="sng" algn="ctr">
+                      <a:solidFill>
+                        <a:schemeClr val="tx1"/>
+                      </a:solidFill>
+                      <a:prstDash val="solid"/>
+                      <a:round/>
+                      <a:headEnd type="none" w="med" len="med"/>
+                      <a:tailEnd type="none" w="med" len="med"/>
+                    </a:lnB>
+                    <a:solidFill>
+                      <a:schemeClr val="accent2">
+                        <a:lumMod val="40000"/>
+                        <a:lumOff val="60000"/>
+                      </a:schemeClr>
+                    </a:solidFill>
+                  </a:tcPr>
+                </a:tc>
+                <a:extLst>
+                  <a:ext uri="{0D108BD9-81ED-4DB2-BD59-A6C34878D82A}">
+                    <a16:rowId xmlns:a16="http://schemas.microsoft.com/office/drawing/2014/main" val="2837602091"/>
+                  </a:ext>
+                </a:extLst>
+              </a:tr>
+              <a:tr h="319373">
+                <a:tc>
+                  <a:txBody>
+                    <a:bodyPr/>
+                    <a:lstStyle/>
+                    <a:p>
+                      <a:r>
+                        <a:rPr lang="es-ES" sz="1300" dirty="0">
+                          <a:solidFill>
+                            <a:srgbClr val="582808"/>
+                          </a:solidFill>
+                        </a:rPr>
+                        <a:t>Puente de Vallecas</a:t>
+                      </a:r>
+                    </a:p>
+                  </a:txBody>
+                  <a:tcPr>
+                    <a:lnL w="12700" cap="flat" cmpd="sng" algn="ctr">
+                      <a:solidFill>
+                        <a:schemeClr val="tx1"/>
+                      </a:solidFill>
+                      <a:prstDash val="solid"/>
+                      <a:round/>
+                      <a:headEnd type="none" w="med" len="med"/>
+                      <a:tailEnd type="none" w="med" len="med"/>
+                    </a:lnL>
+                    <a:lnR w="12700" cap="flat" cmpd="sng" algn="ctr">
+                      <a:solidFill>
+                        <a:schemeClr val="tx1"/>
+                      </a:solidFill>
+                      <a:prstDash val="solid"/>
+                      <a:round/>
+                      <a:headEnd type="none" w="med" len="med"/>
+                      <a:tailEnd type="none" w="med" len="med"/>
+                    </a:lnR>
+                    <a:lnT w="12700" cap="flat" cmpd="sng" algn="ctr">
+                      <a:solidFill>
+                        <a:schemeClr val="tx1"/>
+                      </a:solidFill>
+                      <a:prstDash val="solid"/>
+                      <a:round/>
+                      <a:headEnd type="none" w="med" len="med"/>
+                      <a:tailEnd type="none" w="med" len="med"/>
+                    </a:lnT>
+                    <a:lnB w="12700" cap="flat" cmpd="sng" algn="ctr">
+                      <a:solidFill>
+                        <a:schemeClr val="tx1"/>
+                      </a:solidFill>
+                      <a:prstDash val="solid"/>
+                      <a:round/>
+                      <a:headEnd type="none" w="med" len="med"/>
+                      <a:tailEnd type="none" w="med" len="med"/>
+                    </a:lnB>
+                    <a:solidFill>
+                      <a:schemeClr val="accent2">
+                        <a:lumMod val="40000"/>
+                        <a:lumOff val="60000"/>
+                      </a:schemeClr>
+                    </a:solidFill>
+                  </a:tcPr>
+                </a:tc>
+                <a:tc>
+                  <a:txBody>
+                    <a:bodyPr/>
+                    <a:lstStyle/>
+                    <a:p>
+                      <a:endParaRPr lang="es-ES" sz="1300" dirty="0">
+                        <a:solidFill>
+                          <a:srgbClr val="582808"/>
+                        </a:solidFill>
+                      </a:endParaRPr>
+                    </a:p>
+                  </a:txBody>
+                  <a:tcPr>
+                    <a:lnL w="12700" cap="flat" cmpd="sng" algn="ctr">
+                      <a:solidFill>
+                        <a:schemeClr val="tx1"/>
+                      </a:solidFill>
+                      <a:prstDash val="solid"/>
+                      <a:round/>
+                      <a:headEnd type="none" w="med" len="med"/>
+                      <a:tailEnd type="none" w="med" len="med"/>
+                    </a:lnL>
+                    <a:lnR w="12700" cap="flat" cmpd="sng" algn="ctr">
+                      <a:solidFill>
+                        <a:schemeClr val="tx1"/>
+                      </a:solidFill>
+                      <a:prstDash val="solid"/>
+                      <a:round/>
+                      <a:headEnd type="none" w="med" len="med"/>
+                      <a:tailEnd type="none" w="med" len="med"/>
+                    </a:lnR>
+                    <a:lnT w="12700" cap="flat" cmpd="sng" algn="ctr">
+                      <a:solidFill>
+                        <a:schemeClr val="tx1"/>
+                      </a:solidFill>
+                      <a:prstDash val="solid"/>
+                      <a:round/>
+                      <a:headEnd type="none" w="med" len="med"/>
+                      <a:tailEnd type="none" w="med" len="med"/>
+                    </a:lnT>
+                    <a:lnB w="12700" cap="flat" cmpd="sng" algn="ctr">
+                      <a:solidFill>
+                        <a:schemeClr val="tx1"/>
+                      </a:solidFill>
+                      <a:prstDash val="solid"/>
+                      <a:round/>
+                      <a:headEnd type="none" w="med" len="med"/>
+                      <a:tailEnd type="none" w="med" len="med"/>
+                    </a:lnB>
+                    <a:solidFill>
+                      <a:schemeClr val="accent2">
+                        <a:lumMod val="40000"/>
+                        <a:lumOff val="60000"/>
+                      </a:schemeClr>
+                    </a:solidFill>
+                  </a:tcPr>
+                </a:tc>
+                <a:tc>
+                  <a:txBody>
+                    <a:bodyPr/>
+                    <a:lstStyle/>
+                    <a:p>
+                      <a:endParaRPr lang="es-ES" sz="1300" dirty="0">
+                        <a:solidFill>
+                          <a:srgbClr val="582808"/>
+                        </a:solidFill>
+                      </a:endParaRPr>
+                    </a:p>
+                  </a:txBody>
+                  <a:tcPr>
+                    <a:lnL w="12700" cap="flat" cmpd="sng" algn="ctr">
+                      <a:solidFill>
+                        <a:schemeClr val="tx1"/>
+                      </a:solidFill>
+                      <a:prstDash val="solid"/>
+                      <a:round/>
+                      <a:headEnd type="none" w="med" len="med"/>
+                      <a:tailEnd type="none" w="med" len="med"/>
+                    </a:lnL>
+                    <a:lnR w="12700" cap="flat" cmpd="sng" algn="ctr">
+                      <a:solidFill>
+                        <a:schemeClr val="tx1"/>
+                      </a:solidFill>
+                      <a:prstDash val="solid"/>
+                      <a:round/>
+                      <a:headEnd type="none" w="med" len="med"/>
+                      <a:tailEnd type="none" w="med" len="med"/>
+                    </a:lnR>
+                    <a:lnT w="12700" cap="flat" cmpd="sng" algn="ctr">
+                      <a:solidFill>
+                        <a:schemeClr val="tx1"/>
+                      </a:solidFill>
+                      <a:prstDash val="solid"/>
+                      <a:round/>
+                      <a:headEnd type="none" w="med" len="med"/>
+                      <a:tailEnd type="none" w="med" len="med"/>
+                    </a:lnT>
+                    <a:lnB w="12700" cap="flat" cmpd="sng" algn="ctr">
+                      <a:solidFill>
+                        <a:schemeClr val="tx1"/>
+                      </a:solidFill>
+                      <a:prstDash val="solid"/>
+                      <a:round/>
+                      <a:headEnd type="none" w="med" len="med"/>
+                      <a:tailEnd type="none" w="med" len="med"/>
+                    </a:lnB>
+                    <a:solidFill>
+                      <a:schemeClr val="accent2">
+                        <a:lumMod val="40000"/>
+                        <a:lumOff val="60000"/>
+                      </a:schemeClr>
+                    </a:solidFill>
+                  </a:tcPr>
+                </a:tc>
+                <a:tc>
+                  <a:txBody>
+                    <a:bodyPr/>
+                    <a:lstStyle/>
+                    <a:p>
+                      <a:endParaRPr lang="es-ES" sz="1300" dirty="0">
+                        <a:solidFill>
+                          <a:srgbClr val="582808"/>
+                        </a:solidFill>
+                      </a:endParaRPr>
+                    </a:p>
+                  </a:txBody>
+                  <a:tcPr>
+                    <a:lnL w="12700" cap="flat" cmpd="sng" algn="ctr">
+                      <a:solidFill>
+                        <a:schemeClr val="tx1"/>
+                      </a:solidFill>
+                      <a:prstDash val="solid"/>
+                      <a:round/>
+                      <a:headEnd type="none" w="med" len="med"/>
+                      <a:tailEnd type="none" w="med" len="med"/>
+                    </a:lnL>
+                    <a:lnR w="12700" cap="flat" cmpd="sng" algn="ctr">
+                      <a:solidFill>
+                        <a:schemeClr val="tx1"/>
+                      </a:solidFill>
+                      <a:prstDash val="solid"/>
+                      <a:round/>
+                      <a:headEnd type="none" w="med" len="med"/>
+                      <a:tailEnd type="none" w="med" len="med"/>
+                    </a:lnR>
+                    <a:lnT w="12700" cap="flat" cmpd="sng" algn="ctr">
+                      <a:solidFill>
+                        <a:schemeClr val="tx1"/>
+                      </a:solidFill>
+                      <a:prstDash val="solid"/>
+                      <a:round/>
+                      <a:headEnd type="none" w="med" len="med"/>
+                      <a:tailEnd type="none" w="med" len="med"/>
+                    </a:lnT>
+                    <a:lnB w="12700" cap="flat" cmpd="sng" algn="ctr">
+                      <a:solidFill>
+                        <a:schemeClr val="tx1"/>
+                      </a:solidFill>
+                      <a:prstDash val="solid"/>
+                      <a:round/>
+                      <a:headEnd type="none" w="med" len="med"/>
+                      <a:tailEnd type="none" w="med" len="med"/>
+                    </a:lnB>
+                    <a:solidFill>
+                      <a:schemeClr val="accent2">
+                        <a:lumMod val="40000"/>
+                        <a:lumOff val="60000"/>
+                      </a:schemeClr>
+                    </a:solidFill>
+                  </a:tcPr>
+                </a:tc>
+                <a:tc>
+                  <a:txBody>
+                    <a:bodyPr/>
+                    <a:lstStyle/>
+                    <a:p>
+                      <a:endParaRPr lang="es-ES" sz="1300" dirty="0">
+                        <a:solidFill>
+                          <a:srgbClr val="582808"/>
+                        </a:solidFill>
+                      </a:endParaRPr>
+                    </a:p>
+                  </a:txBody>
+                  <a:tcPr>
+                    <a:lnL w="12700" cap="flat" cmpd="sng" algn="ctr">
+                      <a:solidFill>
+                        <a:schemeClr val="tx1"/>
+                      </a:solidFill>
+                      <a:prstDash val="solid"/>
+                      <a:round/>
+                      <a:headEnd type="none" w="med" len="med"/>
+                      <a:tailEnd type="none" w="med" len="med"/>
+                    </a:lnL>
+                    <a:lnR w="12700" cap="flat" cmpd="sng" algn="ctr">
+                      <a:solidFill>
+                        <a:schemeClr val="tx1"/>
+                      </a:solidFill>
+                      <a:prstDash val="solid"/>
+                      <a:round/>
+                      <a:headEnd type="none" w="med" len="med"/>
+                      <a:tailEnd type="none" w="med" len="med"/>
+                    </a:lnR>
+                    <a:lnT w="12700" cap="flat" cmpd="sng" algn="ctr">
+                      <a:solidFill>
+                        <a:schemeClr val="tx1"/>
+                      </a:solidFill>
+                      <a:prstDash val="solid"/>
+                      <a:round/>
+                      <a:headEnd type="none" w="med" len="med"/>
+                      <a:tailEnd type="none" w="med" len="med"/>
+                    </a:lnT>
+                    <a:lnB w="12700" cap="flat" cmpd="sng" algn="ctr">
+                      <a:solidFill>
+                        <a:schemeClr val="tx1"/>
+                      </a:solidFill>
+                      <a:prstDash val="solid"/>
+                      <a:round/>
+                      <a:headEnd type="none" w="med" len="med"/>
+                      <a:tailEnd type="none" w="med" len="med"/>
+                    </a:lnB>
+                    <a:solidFill>
+                      <a:schemeClr val="accent2">
+                        <a:lumMod val="40000"/>
+                        <a:lumOff val="60000"/>
+                      </a:schemeClr>
+                    </a:solidFill>
+                  </a:tcPr>
+                </a:tc>
+                <a:extLst>
+                  <a:ext uri="{0D108BD9-81ED-4DB2-BD59-A6C34878D82A}">
+                    <a16:rowId xmlns:a16="http://schemas.microsoft.com/office/drawing/2014/main" val="3464383750"/>
+                  </a:ext>
+                </a:extLst>
+              </a:tr>
+              <a:tr h="319373">
+                <a:tc>
+                  <a:txBody>
+                    <a:bodyPr/>
+                    <a:lstStyle/>
+                    <a:p>
+                      <a:r>
+                        <a:rPr lang="es-ES" sz="1300" dirty="0">
+                          <a:solidFill>
+                            <a:srgbClr val="582808"/>
+                          </a:solidFill>
+                        </a:rPr>
+                        <a:t>Moncloa</a:t>
+                      </a:r>
+                    </a:p>
+                  </a:txBody>
+                  <a:tcPr>
+                    <a:lnL w="12700" cap="flat" cmpd="sng" algn="ctr">
+                      <a:solidFill>
+                        <a:schemeClr val="tx1"/>
+                      </a:solidFill>
+                      <a:prstDash val="solid"/>
+                      <a:round/>
+                      <a:headEnd type="none" w="med" len="med"/>
+                      <a:tailEnd type="none" w="med" len="med"/>
+                    </a:lnL>
+                    <a:lnR w="12700" cap="flat" cmpd="sng" algn="ctr">
+                      <a:solidFill>
+                        <a:schemeClr val="tx1"/>
+                      </a:solidFill>
+                      <a:prstDash val="solid"/>
+                      <a:round/>
+                      <a:headEnd type="none" w="med" len="med"/>
+                      <a:tailEnd type="none" w="med" len="med"/>
+                    </a:lnR>
+                    <a:lnT w="12700" cap="flat" cmpd="sng" algn="ctr">
+                      <a:solidFill>
+                        <a:schemeClr val="tx1"/>
+                      </a:solidFill>
+                      <a:prstDash val="solid"/>
+                      <a:round/>
+                      <a:headEnd type="none" w="med" len="med"/>
+                      <a:tailEnd type="none" w="med" len="med"/>
+                    </a:lnT>
+                    <a:lnB w="12700" cap="flat" cmpd="sng" algn="ctr">
+                      <a:solidFill>
+                        <a:schemeClr val="tx1"/>
+                      </a:solidFill>
+                      <a:prstDash val="solid"/>
+                      <a:round/>
+                      <a:headEnd type="none" w="med" len="med"/>
+                      <a:tailEnd type="none" w="med" len="med"/>
+                    </a:lnB>
+                    <a:solidFill>
+                      <a:schemeClr val="accent2">
+                        <a:lumMod val="40000"/>
+                        <a:lumOff val="60000"/>
+                      </a:schemeClr>
+                    </a:solidFill>
+                  </a:tcPr>
+                </a:tc>
+                <a:tc>
+                  <a:txBody>
+                    <a:bodyPr/>
+                    <a:lstStyle/>
+                    <a:p>
+                      <a:endParaRPr lang="es-ES" sz="1300" dirty="0">
+                        <a:solidFill>
+                          <a:srgbClr val="582808"/>
+                        </a:solidFill>
+                      </a:endParaRPr>
+                    </a:p>
+                  </a:txBody>
+                  <a:tcPr>
+                    <a:lnL w="12700" cap="flat" cmpd="sng" algn="ctr">
+                      <a:solidFill>
+                        <a:schemeClr val="tx1"/>
+                      </a:solidFill>
+                      <a:prstDash val="solid"/>
+                      <a:round/>
+                      <a:headEnd type="none" w="med" len="med"/>
+                      <a:tailEnd type="none" w="med" len="med"/>
+                    </a:lnL>
+                    <a:lnR w="12700" cap="flat" cmpd="sng" algn="ctr">
+                      <a:solidFill>
+                        <a:schemeClr val="tx1"/>
+                      </a:solidFill>
+                      <a:prstDash val="solid"/>
+                      <a:round/>
+                      <a:headEnd type="none" w="med" len="med"/>
+                      <a:tailEnd type="none" w="med" len="med"/>
+                    </a:lnR>
+                    <a:lnT w="12700" cap="flat" cmpd="sng" algn="ctr">
+                      <a:solidFill>
+                        <a:schemeClr val="tx1"/>
+                      </a:solidFill>
+                      <a:prstDash val="solid"/>
+                      <a:round/>
+                      <a:headEnd type="none" w="med" len="med"/>
+                      <a:tailEnd type="none" w="med" len="med"/>
+                    </a:lnT>
+                    <a:lnB w="12700" cap="flat" cmpd="sng" algn="ctr">
+                      <a:solidFill>
+                        <a:schemeClr val="tx1"/>
+                      </a:solidFill>
+                      <a:prstDash val="solid"/>
+                      <a:round/>
+                      <a:headEnd type="none" w="med" len="med"/>
+                      <a:tailEnd type="none" w="med" len="med"/>
+                    </a:lnB>
+                    <a:solidFill>
+                      <a:schemeClr val="accent2">
+                        <a:lumMod val="40000"/>
+                        <a:lumOff val="60000"/>
+                      </a:schemeClr>
+                    </a:solidFill>
+                  </a:tcPr>
+                </a:tc>
+                <a:tc>
+                  <a:txBody>
+                    <a:bodyPr/>
+                    <a:lstStyle/>
+                    <a:p>
+                      <a:endParaRPr lang="es-ES" sz="1300" dirty="0">
+                        <a:solidFill>
+                          <a:srgbClr val="582808"/>
+                        </a:solidFill>
+                      </a:endParaRPr>
+                    </a:p>
+                  </a:txBody>
+                  <a:tcPr>
+                    <a:lnL w="12700" cap="flat" cmpd="sng" algn="ctr">
+                      <a:solidFill>
+                        <a:schemeClr val="tx1"/>
+                      </a:solidFill>
+                      <a:prstDash val="solid"/>
+                      <a:round/>
+                      <a:headEnd type="none" w="med" len="med"/>
+                      <a:tailEnd type="none" w="med" len="med"/>
+                    </a:lnL>
+                    <a:lnR w="12700" cap="flat" cmpd="sng" algn="ctr">
+                      <a:solidFill>
+                        <a:schemeClr val="tx1"/>
+                      </a:solidFill>
+                      <a:prstDash val="solid"/>
+                      <a:round/>
+                      <a:headEnd type="none" w="med" len="med"/>
+                      <a:tailEnd type="none" w="med" len="med"/>
+                    </a:lnR>
+                    <a:lnT w="12700" cap="flat" cmpd="sng" algn="ctr">
+                      <a:solidFill>
+                        <a:schemeClr val="tx1"/>
+                      </a:solidFill>
+                      <a:prstDash val="solid"/>
+                      <a:round/>
+                      <a:headEnd type="none" w="med" len="med"/>
+                      <a:tailEnd type="none" w="med" len="med"/>
+                    </a:lnT>
+                    <a:lnB w="12700" cap="flat" cmpd="sng" algn="ctr">
+                      <a:solidFill>
+                        <a:schemeClr val="tx1"/>
+                      </a:solidFill>
+                      <a:prstDash val="solid"/>
+                      <a:round/>
+                      <a:headEnd type="none" w="med" len="med"/>
+                      <a:tailEnd type="none" w="med" len="med"/>
+                    </a:lnB>
+                    <a:solidFill>
+                      <a:schemeClr val="accent2">
+                        <a:lumMod val="40000"/>
+                        <a:lumOff val="60000"/>
+                      </a:schemeClr>
+                    </a:solidFill>
+                  </a:tcPr>
+                </a:tc>
+                <a:tc>
+                  <a:txBody>
+                    <a:bodyPr/>
+                    <a:lstStyle/>
+                    <a:p>
+                      <a:endParaRPr lang="es-ES" sz="1300" dirty="0">
+                        <a:solidFill>
+                          <a:srgbClr val="582808"/>
+                        </a:solidFill>
+                      </a:endParaRPr>
+                    </a:p>
+                  </a:txBody>
+                  <a:tcPr>
+                    <a:lnL w="12700" cap="flat" cmpd="sng" algn="ctr">
+                      <a:solidFill>
+                        <a:schemeClr val="tx1"/>
+                      </a:solidFill>
+                      <a:prstDash val="solid"/>
+                      <a:round/>
+                      <a:headEnd type="none" w="med" len="med"/>
+                      <a:tailEnd type="none" w="med" len="med"/>
+                    </a:lnL>
+                    <a:lnR w="12700" cap="flat" cmpd="sng" algn="ctr">
+                      <a:solidFill>
+                        <a:schemeClr val="tx1"/>
+                      </a:solidFill>
+                      <a:prstDash val="solid"/>
+                      <a:round/>
+                      <a:headEnd type="none" w="med" len="med"/>
+                      <a:tailEnd type="none" w="med" len="med"/>
+                    </a:lnR>
+                    <a:lnT w="12700" cap="flat" cmpd="sng" algn="ctr">
+                      <a:solidFill>
+                        <a:schemeClr val="tx1"/>
+                      </a:solidFill>
+                      <a:prstDash val="solid"/>
+                      <a:round/>
+                      <a:headEnd type="none" w="med" len="med"/>
+                      <a:tailEnd type="none" w="med" len="med"/>
+                    </a:lnT>
+                    <a:lnB w="12700" cap="flat" cmpd="sng" algn="ctr">
+                      <a:solidFill>
+                        <a:schemeClr val="tx1"/>
+                      </a:solidFill>
+                      <a:prstDash val="solid"/>
+                      <a:round/>
+                      <a:headEnd type="none" w="med" len="med"/>
+                      <a:tailEnd type="none" w="med" len="med"/>
+                    </a:lnB>
+                    <a:solidFill>
+                      <a:schemeClr val="accent2">
+                        <a:lumMod val="40000"/>
+                        <a:lumOff val="60000"/>
+                      </a:schemeClr>
+                    </a:solidFill>
+                  </a:tcPr>
+                </a:tc>
+                <a:tc>
+                  <a:txBody>
+                    <a:bodyPr/>
+                    <a:lstStyle/>
+                    <a:p>
+                      <a:endParaRPr lang="es-ES" sz="1300" dirty="0">
+                        <a:solidFill>
+                          <a:srgbClr val="582808"/>
+                        </a:solidFill>
+                      </a:endParaRPr>
+                    </a:p>
+                  </a:txBody>
+                  <a:tcPr>
+                    <a:lnL w="12700" cap="flat" cmpd="sng" algn="ctr">
+                      <a:solidFill>
+                        <a:schemeClr val="tx1"/>
+                      </a:solidFill>
+                      <a:prstDash val="solid"/>
+                      <a:round/>
+                      <a:headEnd type="none" w="med" len="med"/>
+                      <a:tailEnd type="none" w="med" len="med"/>
+                    </a:lnL>
+                    <a:lnR w="12700" cap="flat" cmpd="sng" algn="ctr">
+                      <a:solidFill>
+                        <a:schemeClr val="tx1"/>
+                      </a:solidFill>
+                      <a:prstDash val="solid"/>
+                      <a:round/>
+                      <a:headEnd type="none" w="med" len="med"/>
+                      <a:tailEnd type="none" w="med" len="med"/>
+                    </a:lnR>
+                    <a:lnT w="12700" cap="flat" cmpd="sng" algn="ctr">
+                      <a:solidFill>
+                        <a:schemeClr val="tx1"/>
+                      </a:solidFill>
+                      <a:prstDash val="solid"/>
+                      <a:round/>
+                      <a:headEnd type="none" w="med" len="med"/>
+                      <a:tailEnd type="none" w="med" len="med"/>
+                    </a:lnT>
+                    <a:lnB w="12700" cap="flat" cmpd="sng" algn="ctr">
+                      <a:solidFill>
+                        <a:schemeClr val="tx1"/>
+                      </a:solidFill>
+                      <a:prstDash val="solid"/>
+                      <a:round/>
+                      <a:headEnd type="none" w="med" len="med"/>
+                      <a:tailEnd type="none" w="med" len="med"/>
+                    </a:lnB>
+                    <a:solidFill>
+                      <a:schemeClr val="accent2">
+                        <a:lumMod val="40000"/>
+                        <a:lumOff val="60000"/>
+                      </a:schemeClr>
+                    </a:solidFill>
+                  </a:tcPr>
+                </a:tc>
+                <a:extLst>
+                  <a:ext uri="{0D108BD9-81ED-4DB2-BD59-A6C34878D82A}">
+                    <a16:rowId xmlns:a16="http://schemas.microsoft.com/office/drawing/2014/main" val="1959747284"/>
+                  </a:ext>
+                </a:extLst>
+              </a:tr>
+              <a:tr h="319373">
+                <a:tc>
+                  <a:txBody>
+                    <a:bodyPr/>
+                    <a:lstStyle/>
+                    <a:p>
+                      <a:r>
+                        <a:rPr lang="es-ES" sz="1300" dirty="0">
+                          <a:solidFill>
+                            <a:srgbClr val="582808"/>
+                          </a:solidFill>
+                        </a:rPr>
+                        <a:t>Latina</a:t>
+                      </a:r>
+                    </a:p>
+                  </a:txBody>
+                  <a:tcPr>
+                    <a:lnL w="12700" cap="flat" cmpd="sng" algn="ctr">
+                      <a:solidFill>
+                        <a:schemeClr val="tx1"/>
+                      </a:solidFill>
+                      <a:prstDash val="solid"/>
+                      <a:round/>
+                      <a:headEnd type="none" w="med" len="med"/>
+                      <a:tailEnd type="none" w="med" len="med"/>
+                    </a:lnL>
+                    <a:lnR w="12700" cap="flat" cmpd="sng" algn="ctr">
+                      <a:solidFill>
+                        <a:schemeClr val="tx1"/>
+                      </a:solidFill>
+                      <a:prstDash val="solid"/>
+                      <a:round/>
+                      <a:headEnd type="none" w="med" len="med"/>
+                      <a:tailEnd type="none" w="med" len="med"/>
+                    </a:lnR>
+                    <a:lnT w="12700" cap="flat" cmpd="sng" algn="ctr">
+                      <a:solidFill>
+                        <a:schemeClr val="tx1"/>
+                      </a:solidFill>
+                      <a:prstDash val="solid"/>
+                      <a:round/>
+                      <a:headEnd type="none" w="med" len="med"/>
+                      <a:tailEnd type="none" w="med" len="med"/>
+                    </a:lnT>
+                    <a:lnB w="12700" cap="flat" cmpd="sng" algn="ctr">
+                      <a:solidFill>
+                        <a:schemeClr val="tx1"/>
+                      </a:solidFill>
+                      <a:prstDash val="solid"/>
+                      <a:round/>
+                      <a:headEnd type="none" w="med" len="med"/>
+                      <a:tailEnd type="none" w="med" len="med"/>
+                    </a:lnB>
+                    <a:solidFill>
+                      <a:schemeClr val="accent2">
+                        <a:lumMod val="40000"/>
+                        <a:lumOff val="60000"/>
+                      </a:schemeClr>
+                    </a:solidFill>
+                  </a:tcPr>
+                </a:tc>
+                <a:tc>
+                  <a:txBody>
+                    <a:bodyPr/>
+                    <a:lstStyle/>
+                    <a:p>
+                      <a:endParaRPr lang="es-ES" sz="1300" dirty="0">
+                        <a:solidFill>
+                          <a:srgbClr val="582808"/>
+                        </a:solidFill>
+                      </a:endParaRPr>
+                    </a:p>
+                  </a:txBody>
+                  <a:tcPr>
+                    <a:lnL w="12700" cap="flat" cmpd="sng" algn="ctr">
+                      <a:solidFill>
+                        <a:schemeClr val="tx1"/>
+                      </a:solidFill>
+                      <a:prstDash val="solid"/>
+                      <a:round/>
+                      <a:headEnd type="none" w="med" len="med"/>
+                      <a:tailEnd type="none" w="med" len="med"/>
+                    </a:lnL>
+                    <a:lnR w="12700" cap="flat" cmpd="sng" algn="ctr">
+                      <a:solidFill>
+                        <a:schemeClr val="tx1"/>
+                      </a:solidFill>
+                      <a:prstDash val="solid"/>
+                      <a:round/>
+                      <a:headEnd type="none" w="med" len="med"/>
+                      <a:tailEnd type="none" w="med" len="med"/>
+                    </a:lnR>
+                    <a:lnT w="12700" cap="flat" cmpd="sng" algn="ctr">
+                      <a:solidFill>
+                        <a:schemeClr val="tx1"/>
+                      </a:solidFill>
+                      <a:prstDash val="solid"/>
+                      <a:round/>
+                      <a:headEnd type="none" w="med" len="med"/>
+                      <a:tailEnd type="none" w="med" len="med"/>
+                    </a:lnT>
+                    <a:lnB w="12700" cap="flat" cmpd="sng" algn="ctr">
+                      <a:solidFill>
+                        <a:schemeClr val="tx1"/>
+                      </a:solidFill>
+                      <a:prstDash val="solid"/>
+                      <a:round/>
+                      <a:headEnd type="none" w="med" len="med"/>
+                      <a:tailEnd type="none" w="med" len="med"/>
+                    </a:lnB>
+                    <a:solidFill>
+                      <a:schemeClr val="accent2">
+                        <a:lumMod val="40000"/>
+                        <a:lumOff val="60000"/>
+                      </a:schemeClr>
+                    </a:solidFill>
+                  </a:tcPr>
+                </a:tc>
+                <a:tc>
+                  <a:txBody>
+                    <a:bodyPr/>
+                    <a:lstStyle/>
+                    <a:p>
+                      <a:endParaRPr lang="es-ES" sz="1300" dirty="0">
+                        <a:solidFill>
+                          <a:srgbClr val="582808"/>
+                        </a:solidFill>
+                      </a:endParaRPr>
+                    </a:p>
+                  </a:txBody>
+                  <a:tcPr>
+                    <a:lnL w="12700" cap="flat" cmpd="sng" algn="ctr">
+                      <a:solidFill>
+                        <a:schemeClr val="tx1"/>
+                      </a:solidFill>
+                      <a:prstDash val="solid"/>
+                      <a:round/>
+                      <a:headEnd type="none" w="med" len="med"/>
+                      <a:tailEnd type="none" w="med" len="med"/>
+                    </a:lnL>
+                    <a:lnR w="12700" cap="flat" cmpd="sng" algn="ctr">
+                      <a:solidFill>
+                        <a:schemeClr val="tx1"/>
+                      </a:solidFill>
+                      <a:prstDash val="solid"/>
+                      <a:round/>
+                      <a:headEnd type="none" w="med" len="med"/>
+                      <a:tailEnd type="none" w="med" len="med"/>
+                    </a:lnR>
+                    <a:lnT w="12700" cap="flat" cmpd="sng" algn="ctr">
+                      <a:solidFill>
+                        <a:schemeClr val="tx1"/>
+                      </a:solidFill>
+                      <a:prstDash val="solid"/>
+                      <a:round/>
+                      <a:headEnd type="none" w="med" len="med"/>
+                      <a:tailEnd type="none" w="med" len="med"/>
+                    </a:lnT>
+                    <a:lnB w="12700" cap="flat" cmpd="sng" algn="ctr">
+                      <a:solidFill>
+                        <a:schemeClr val="tx1"/>
+                      </a:solidFill>
+                      <a:prstDash val="solid"/>
+                      <a:round/>
+                      <a:headEnd type="none" w="med" len="med"/>
+                      <a:tailEnd type="none" w="med" len="med"/>
+                    </a:lnB>
+                    <a:solidFill>
+                      <a:schemeClr val="accent2">
+                        <a:lumMod val="40000"/>
+                        <a:lumOff val="60000"/>
+                      </a:schemeClr>
+                    </a:solidFill>
+                  </a:tcPr>
+                </a:tc>
+                <a:tc>
+                  <a:txBody>
+                    <a:bodyPr/>
+                    <a:lstStyle/>
+                    <a:p>
+                      <a:endParaRPr lang="es-ES" sz="1300" dirty="0">
+                        <a:solidFill>
+                          <a:srgbClr val="582808"/>
+                        </a:solidFill>
+                      </a:endParaRPr>
+                    </a:p>
+                  </a:txBody>
+                  <a:tcPr>
+                    <a:lnL w="12700" cap="flat" cmpd="sng" algn="ctr">
+                      <a:solidFill>
+                        <a:schemeClr val="tx1"/>
+                      </a:solidFill>
+                      <a:prstDash val="solid"/>
+                      <a:round/>
+                      <a:headEnd type="none" w="med" len="med"/>
+                      <a:tailEnd type="none" w="med" len="med"/>
+                    </a:lnL>
+                    <a:lnR w="12700" cap="flat" cmpd="sng" algn="ctr">
+                      <a:solidFill>
+                        <a:schemeClr val="tx1"/>
+                      </a:solidFill>
+                      <a:prstDash val="solid"/>
+                      <a:round/>
+                      <a:headEnd type="none" w="med" len="med"/>
+                      <a:tailEnd type="none" w="med" len="med"/>
+                    </a:lnR>
+                    <a:lnT w="12700" cap="flat" cmpd="sng" algn="ctr">
+                      <a:solidFill>
+                        <a:schemeClr val="tx1"/>
+                      </a:solidFill>
+                      <a:prstDash val="solid"/>
+                      <a:round/>
+                      <a:headEnd type="none" w="med" len="med"/>
+                      <a:tailEnd type="none" w="med" len="med"/>
+                    </a:lnT>
+                    <a:lnB w="12700" cap="flat" cmpd="sng" algn="ctr">
+                      <a:solidFill>
+                        <a:schemeClr val="tx1"/>
+                      </a:solidFill>
+                      <a:prstDash val="solid"/>
+                      <a:round/>
+                      <a:headEnd type="none" w="med" len="med"/>
+                      <a:tailEnd type="none" w="med" len="med"/>
+                    </a:lnB>
+                    <a:solidFill>
+                      <a:schemeClr val="accent2">
+                        <a:lumMod val="40000"/>
+                        <a:lumOff val="60000"/>
+                      </a:schemeClr>
+                    </a:solidFill>
+                  </a:tcPr>
+                </a:tc>
+                <a:tc>
+                  <a:txBody>
+                    <a:bodyPr/>
+                    <a:lstStyle/>
+                    <a:p>
+                      <a:endParaRPr lang="es-ES" sz="1300" dirty="0">
+                        <a:solidFill>
+                          <a:srgbClr val="582808"/>
+                        </a:solidFill>
+                      </a:endParaRPr>
+                    </a:p>
+                  </a:txBody>
+                  <a:tcPr>
+                    <a:lnL w="12700" cap="flat" cmpd="sng" algn="ctr">
+                      <a:solidFill>
+                        <a:schemeClr val="tx1"/>
+                      </a:solidFill>
+                      <a:prstDash val="solid"/>
+                      <a:round/>
+                      <a:headEnd type="none" w="med" len="med"/>
+                      <a:tailEnd type="none" w="med" len="med"/>
+                    </a:lnL>
+                    <a:lnR w="12700" cap="flat" cmpd="sng" algn="ctr">
+                      <a:solidFill>
+                        <a:schemeClr val="tx1"/>
+                      </a:solidFill>
+                      <a:prstDash val="solid"/>
+                      <a:round/>
+                      <a:headEnd type="none" w="med" len="med"/>
+                      <a:tailEnd type="none" w="med" len="med"/>
+                    </a:lnR>
+                    <a:lnT w="12700" cap="flat" cmpd="sng" algn="ctr">
+                      <a:solidFill>
+                        <a:schemeClr val="tx1"/>
+                      </a:solidFill>
+                      <a:prstDash val="solid"/>
+                      <a:round/>
+                      <a:headEnd type="none" w="med" len="med"/>
+                      <a:tailEnd type="none" w="med" len="med"/>
+                    </a:lnT>
+                    <a:lnB w="12700" cap="flat" cmpd="sng" algn="ctr">
+                      <a:solidFill>
+                        <a:schemeClr val="tx1"/>
+                      </a:solidFill>
+                      <a:prstDash val="solid"/>
+                      <a:round/>
+                      <a:headEnd type="none" w="med" len="med"/>
+                      <a:tailEnd type="none" w="med" len="med"/>
+                    </a:lnB>
+                    <a:solidFill>
+                      <a:schemeClr val="accent2">
+                        <a:lumMod val="40000"/>
+                        <a:lumOff val="60000"/>
+                      </a:schemeClr>
+                    </a:solidFill>
+                  </a:tcPr>
+                </a:tc>
+                <a:extLst>
+                  <a:ext uri="{0D108BD9-81ED-4DB2-BD59-A6C34878D82A}">
+                    <a16:rowId xmlns:a16="http://schemas.microsoft.com/office/drawing/2014/main" val="3594655180"/>
+                  </a:ext>
+                </a:extLst>
+              </a:tr>
+              <a:tr h="319373">
+                <a:tc>
+                  <a:txBody>
+                    <a:bodyPr/>
+                    <a:lstStyle/>
+                    <a:p>
+                      <a:r>
+                        <a:rPr lang="es-ES" sz="1300" dirty="0">
+                          <a:solidFill>
+                            <a:srgbClr val="582808"/>
+                          </a:solidFill>
+                        </a:rPr>
+                        <a:t>Canillejas</a:t>
+                      </a:r>
+                    </a:p>
+                  </a:txBody>
+                  <a:tcPr>
+                    <a:lnL w="12700" cap="flat" cmpd="sng" algn="ctr">
+                      <a:solidFill>
+                        <a:schemeClr val="tx1"/>
+                      </a:solidFill>
+                      <a:prstDash val="solid"/>
+                      <a:round/>
+                      <a:headEnd type="none" w="med" len="med"/>
+                      <a:tailEnd type="none" w="med" len="med"/>
+                    </a:lnL>
+                    <a:lnR w="12700" cap="flat" cmpd="sng" algn="ctr">
+                      <a:solidFill>
+                        <a:schemeClr val="tx1"/>
+                      </a:solidFill>
+                      <a:prstDash val="solid"/>
+                      <a:round/>
+                      <a:headEnd type="none" w="med" len="med"/>
+                      <a:tailEnd type="none" w="med" len="med"/>
+                    </a:lnR>
+                    <a:lnT w="12700" cap="flat" cmpd="sng" algn="ctr">
+                      <a:solidFill>
+                        <a:schemeClr val="tx1"/>
+                      </a:solidFill>
+                      <a:prstDash val="solid"/>
+                      <a:round/>
+                      <a:headEnd type="none" w="med" len="med"/>
+                      <a:tailEnd type="none" w="med" len="med"/>
+                    </a:lnT>
+                    <a:lnB w="12700" cap="flat" cmpd="sng" algn="ctr">
+                      <a:solidFill>
+                        <a:schemeClr val="tx1"/>
+                      </a:solidFill>
+                      <a:prstDash val="solid"/>
+                      <a:round/>
+                      <a:headEnd type="none" w="med" len="med"/>
+                      <a:tailEnd type="none" w="med" len="med"/>
+                    </a:lnB>
+                    <a:solidFill>
+                      <a:schemeClr val="accent2">
+                        <a:lumMod val="40000"/>
+                        <a:lumOff val="60000"/>
+                      </a:schemeClr>
+                    </a:solidFill>
+                  </a:tcPr>
+                </a:tc>
+                <a:tc>
+                  <a:txBody>
+                    <a:bodyPr/>
+                    <a:lstStyle/>
+                    <a:p>
+                      <a:endParaRPr lang="es-ES" sz="1300" dirty="0">
+                        <a:solidFill>
+                          <a:srgbClr val="582808"/>
+                        </a:solidFill>
+                      </a:endParaRPr>
+                    </a:p>
+                  </a:txBody>
+                  <a:tcPr>
+                    <a:lnL w="12700" cap="flat" cmpd="sng" algn="ctr">
+                      <a:solidFill>
+                        <a:schemeClr val="tx1"/>
+                      </a:solidFill>
+                      <a:prstDash val="solid"/>
+                      <a:round/>
+                      <a:headEnd type="none" w="med" len="med"/>
+                      <a:tailEnd type="none" w="med" len="med"/>
+                    </a:lnL>
+                    <a:lnR w="12700" cap="flat" cmpd="sng" algn="ctr">
+                      <a:solidFill>
+                        <a:schemeClr val="tx1"/>
+                      </a:solidFill>
+                      <a:prstDash val="solid"/>
+                      <a:round/>
+                      <a:headEnd type="none" w="med" len="med"/>
+                      <a:tailEnd type="none" w="med" len="med"/>
+                    </a:lnR>
+                    <a:lnT w="12700" cap="flat" cmpd="sng" algn="ctr">
+                      <a:solidFill>
+                        <a:schemeClr val="tx1"/>
+                      </a:solidFill>
+                      <a:prstDash val="solid"/>
+                      <a:round/>
+                      <a:headEnd type="none" w="med" len="med"/>
+                      <a:tailEnd type="none" w="med" len="med"/>
+                    </a:lnT>
+                    <a:lnB w="12700" cap="flat" cmpd="sng" algn="ctr">
+                      <a:solidFill>
+                        <a:schemeClr val="tx1"/>
+                      </a:solidFill>
+                      <a:prstDash val="solid"/>
+                      <a:round/>
+                      <a:headEnd type="none" w="med" len="med"/>
+                      <a:tailEnd type="none" w="med" len="med"/>
+                    </a:lnB>
+                    <a:solidFill>
+                      <a:schemeClr val="accent2">
+                        <a:lumMod val="40000"/>
+                        <a:lumOff val="60000"/>
+                      </a:schemeClr>
+                    </a:solidFill>
+                  </a:tcPr>
+                </a:tc>
+                <a:tc>
+                  <a:txBody>
+                    <a:bodyPr/>
+                    <a:lstStyle/>
+                    <a:p>
+                      <a:endParaRPr lang="es-ES" sz="1300" dirty="0">
+                        <a:solidFill>
+                          <a:srgbClr val="582808"/>
+                        </a:solidFill>
+                      </a:endParaRPr>
+                    </a:p>
+                  </a:txBody>
+                  <a:tcPr>
+                    <a:lnL w="12700" cap="flat" cmpd="sng" algn="ctr">
+                      <a:solidFill>
+                        <a:schemeClr val="tx1"/>
+                      </a:solidFill>
+                      <a:prstDash val="solid"/>
+                      <a:round/>
+                      <a:headEnd type="none" w="med" len="med"/>
+                      <a:tailEnd type="none" w="med" len="med"/>
+                    </a:lnL>
+                    <a:lnR w="12700" cap="flat" cmpd="sng" algn="ctr">
+                      <a:solidFill>
+                        <a:schemeClr val="tx1"/>
+                      </a:solidFill>
+                      <a:prstDash val="solid"/>
+                      <a:round/>
+                      <a:headEnd type="none" w="med" len="med"/>
+                      <a:tailEnd type="none" w="med" len="med"/>
+                    </a:lnR>
+                    <a:lnT w="12700" cap="flat" cmpd="sng" algn="ctr">
+                      <a:solidFill>
+                        <a:schemeClr val="tx1"/>
+                      </a:solidFill>
+                      <a:prstDash val="solid"/>
+                      <a:round/>
+                      <a:headEnd type="none" w="med" len="med"/>
+                      <a:tailEnd type="none" w="med" len="med"/>
+                    </a:lnT>
+                    <a:lnB w="12700" cap="flat" cmpd="sng" algn="ctr">
+                      <a:solidFill>
+                        <a:schemeClr val="tx1"/>
+                      </a:solidFill>
+                      <a:prstDash val="solid"/>
+                      <a:round/>
+                      <a:headEnd type="none" w="med" len="med"/>
+                      <a:tailEnd type="none" w="med" len="med"/>
+                    </a:lnB>
+                    <a:solidFill>
+                      <a:schemeClr val="accent2">
+                        <a:lumMod val="40000"/>
+                        <a:lumOff val="60000"/>
+                      </a:schemeClr>
+                    </a:solidFill>
+                  </a:tcPr>
+                </a:tc>
+                <a:tc>
+                  <a:txBody>
+                    <a:bodyPr/>
+                    <a:lstStyle/>
+                    <a:p>
+                      <a:endParaRPr lang="es-ES" sz="1300" dirty="0">
+                        <a:solidFill>
+                          <a:srgbClr val="582808"/>
+                        </a:solidFill>
+                      </a:endParaRPr>
+                    </a:p>
+                  </a:txBody>
+                  <a:tcPr>
+                    <a:lnL w="12700" cap="flat" cmpd="sng" algn="ctr">
+                      <a:solidFill>
+                        <a:schemeClr val="tx1"/>
+                      </a:solidFill>
+                      <a:prstDash val="solid"/>
+                      <a:round/>
+                      <a:headEnd type="none" w="med" len="med"/>
+                      <a:tailEnd type="none" w="med" len="med"/>
+                    </a:lnL>
+                    <a:lnR w="12700" cap="flat" cmpd="sng" algn="ctr">
+                      <a:solidFill>
+                        <a:schemeClr val="tx1"/>
+                      </a:solidFill>
+                      <a:prstDash val="solid"/>
+                      <a:round/>
+                      <a:headEnd type="none" w="med" len="med"/>
+                      <a:tailEnd type="none" w="med" len="med"/>
+                    </a:lnR>
+                    <a:lnT w="12700" cap="flat" cmpd="sng" algn="ctr">
+                      <a:solidFill>
+                        <a:schemeClr val="tx1"/>
+                      </a:solidFill>
+                      <a:prstDash val="solid"/>
+                      <a:round/>
+                      <a:headEnd type="none" w="med" len="med"/>
+                      <a:tailEnd type="none" w="med" len="med"/>
+                    </a:lnT>
+                    <a:lnB w="12700" cap="flat" cmpd="sng" algn="ctr">
+                      <a:solidFill>
+                        <a:schemeClr val="tx1"/>
+                      </a:solidFill>
+                      <a:prstDash val="solid"/>
+                      <a:round/>
+                      <a:headEnd type="none" w="med" len="med"/>
+                      <a:tailEnd type="none" w="med" len="med"/>
+                    </a:lnB>
+                    <a:solidFill>
+                      <a:schemeClr val="accent2">
+                        <a:lumMod val="40000"/>
+                        <a:lumOff val="60000"/>
+                      </a:schemeClr>
+                    </a:solidFill>
+                  </a:tcPr>
+                </a:tc>
+                <a:tc>
+                  <a:txBody>
+                    <a:bodyPr/>
+                    <a:lstStyle/>
+                    <a:p>
+                      <a:endParaRPr lang="es-ES" sz="1300" dirty="0">
+                        <a:solidFill>
+                          <a:srgbClr val="582808"/>
+                        </a:solidFill>
+                      </a:endParaRPr>
+                    </a:p>
+                  </a:txBody>
+                  <a:tcPr>
+                    <a:lnL w="12700" cap="flat" cmpd="sng" algn="ctr">
+                      <a:solidFill>
+                        <a:schemeClr val="tx1"/>
+                      </a:solidFill>
+                      <a:prstDash val="solid"/>
+                      <a:round/>
+                      <a:headEnd type="none" w="med" len="med"/>
+                      <a:tailEnd type="none" w="med" len="med"/>
+                    </a:lnL>
+                    <a:lnR w="12700" cap="flat" cmpd="sng" algn="ctr">
+                      <a:solidFill>
+                        <a:schemeClr val="tx1"/>
+                      </a:solidFill>
+                      <a:prstDash val="solid"/>
+                      <a:round/>
+                      <a:headEnd type="none" w="med" len="med"/>
+                      <a:tailEnd type="none" w="med" len="med"/>
+                    </a:lnR>
+                    <a:lnT w="12700" cap="flat" cmpd="sng" algn="ctr">
+                      <a:solidFill>
+                        <a:schemeClr val="tx1"/>
+                      </a:solidFill>
+                      <a:prstDash val="solid"/>
+                      <a:round/>
+                      <a:headEnd type="none" w="med" len="med"/>
+                      <a:tailEnd type="none" w="med" len="med"/>
+                    </a:lnT>
+                    <a:lnB w="12700" cap="flat" cmpd="sng" algn="ctr">
+                      <a:solidFill>
+                        <a:schemeClr val="tx1"/>
+                      </a:solidFill>
+                      <a:prstDash val="solid"/>
+                      <a:round/>
+                      <a:headEnd type="none" w="med" len="med"/>
+                      <a:tailEnd type="none" w="med" len="med"/>
+                    </a:lnB>
+                    <a:solidFill>
+                      <a:schemeClr val="accent2">
+                        <a:lumMod val="40000"/>
+                        <a:lumOff val="60000"/>
+                      </a:schemeClr>
+                    </a:solidFill>
+                  </a:tcPr>
+                </a:tc>
+                <a:extLst>
+                  <a:ext uri="{0D108BD9-81ED-4DB2-BD59-A6C34878D82A}">
+                    <a16:rowId xmlns:a16="http://schemas.microsoft.com/office/drawing/2014/main" val="857422027"/>
+                  </a:ext>
+                </a:extLst>
+              </a:tr>
+              <a:tr h="319373">
+                <a:tc>
+                  <a:txBody>
+                    <a:bodyPr/>
+                    <a:lstStyle/>
+                    <a:p>
+                      <a:r>
+                        <a:rPr lang="es-ES" sz="1300" dirty="0">
+                          <a:solidFill>
+                            <a:srgbClr val="582808"/>
+                          </a:solidFill>
+                        </a:rPr>
+                        <a:t>Usera</a:t>
+                      </a:r>
+                    </a:p>
+                  </a:txBody>
+                  <a:tcPr>
+                    <a:lnL w="12700" cap="flat" cmpd="sng" algn="ctr">
+                      <a:solidFill>
+                        <a:schemeClr val="tx1"/>
+                      </a:solidFill>
+                      <a:prstDash val="solid"/>
+                      <a:round/>
+                      <a:headEnd type="none" w="med" len="med"/>
+                      <a:tailEnd type="none" w="med" len="med"/>
+                    </a:lnL>
+                    <a:lnR w="12700" cap="flat" cmpd="sng" algn="ctr">
+                      <a:solidFill>
+                        <a:schemeClr val="tx1"/>
+                      </a:solidFill>
+                      <a:prstDash val="solid"/>
+                      <a:round/>
+                      <a:headEnd type="none" w="med" len="med"/>
+                      <a:tailEnd type="none" w="med" len="med"/>
+                    </a:lnR>
+                    <a:lnT w="12700" cap="flat" cmpd="sng" algn="ctr">
+                      <a:solidFill>
+                        <a:schemeClr val="tx1"/>
+                      </a:solidFill>
+                      <a:prstDash val="solid"/>
+                      <a:round/>
+                      <a:headEnd type="none" w="med" len="med"/>
+                      <a:tailEnd type="none" w="med" len="med"/>
+                    </a:lnT>
+                    <a:lnB w="12700" cap="flat" cmpd="sng" algn="ctr">
+                      <a:solidFill>
+                        <a:schemeClr val="tx1"/>
+                      </a:solidFill>
+                      <a:prstDash val="solid"/>
+                      <a:round/>
+                      <a:headEnd type="none" w="med" len="med"/>
+                      <a:tailEnd type="none" w="med" len="med"/>
+                    </a:lnB>
+                    <a:solidFill>
+                      <a:schemeClr val="accent2">
+                        <a:lumMod val="40000"/>
+                        <a:lumOff val="60000"/>
+                      </a:schemeClr>
+                    </a:solidFill>
+                  </a:tcPr>
+                </a:tc>
+                <a:tc>
+                  <a:txBody>
+                    <a:bodyPr/>
+                    <a:lstStyle/>
+                    <a:p>
+                      <a:endParaRPr lang="es-ES" sz="1300" dirty="0">
+                        <a:solidFill>
+                          <a:srgbClr val="582808"/>
+                        </a:solidFill>
+                      </a:endParaRPr>
+                    </a:p>
+                  </a:txBody>
+                  <a:tcPr>
+                    <a:lnL w="12700" cap="flat" cmpd="sng" algn="ctr">
+                      <a:solidFill>
+                        <a:schemeClr val="tx1"/>
+                      </a:solidFill>
+                      <a:prstDash val="solid"/>
+                      <a:round/>
+                      <a:headEnd type="none" w="med" len="med"/>
+                      <a:tailEnd type="none" w="med" len="med"/>
+                    </a:lnL>
+                    <a:lnR w="12700" cap="flat" cmpd="sng" algn="ctr">
+                      <a:solidFill>
+                        <a:schemeClr val="tx1"/>
+                      </a:solidFill>
+                      <a:prstDash val="solid"/>
+                      <a:round/>
+                      <a:headEnd type="none" w="med" len="med"/>
+                      <a:tailEnd type="none" w="med" len="med"/>
+                    </a:lnR>
+                    <a:lnT w="12700" cap="flat" cmpd="sng" algn="ctr">
+                      <a:solidFill>
+                        <a:schemeClr val="tx1"/>
+                      </a:solidFill>
+                      <a:prstDash val="solid"/>
+                      <a:round/>
+                      <a:headEnd type="none" w="med" len="med"/>
+                      <a:tailEnd type="none" w="med" len="med"/>
+                    </a:lnT>
+                    <a:lnB w="12700" cap="flat" cmpd="sng" algn="ctr">
+                      <a:solidFill>
+                        <a:schemeClr val="tx1"/>
+                      </a:solidFill>
+                      <a:prstDash val="solid"/>
+                      <a:round/>
+                      <a:headEnd type="none" w="med" len="med"/>
+                      <a:tailEnd type="none" w="med" len="med"/>
+                    </a:lnB>
+                    <a:solidFill>
+                      <a:schemeClr val="accent2">
+                        <a:lumMod val="40000"/>
+                        <a:lumOff val="60000"/>
+                      </a:schemeClr>
+                    </a:solidFill>
+                  </a:tcPr>
+                </a:tc>
+                <a:tc>
+                  <a:txBody>
+                    <a:bodyPr/>
+                    <a:lstStyle/>
+                    <a:p>
+                      <a:endParaRPr lang="es-ES" sz="1300" dirty="0">
+                        <a:solidFill>
+                          <a:srgbClr val="582808"/>
+                        </a:solidFill>
+                      </a:endParaRPr>
+                    </a:p>
+                  </a:txBody>
+                  <a:tcPr>
+                    <a:lnL w="12700" cap="flat" cmpd="sng" algn="ctr">
+                      <a:solidFill>
+                        <a:schemeClr val="tx1"/>
+                      </a:solidFill>
+                      <a:prstDash val="solid"/>
+                      <a:round/>
+                      <a:headEnd type="none" w="med" len="med"/>
+                      <a:tailEnd type="none" w="med" len="med"/>
+                    </a:lnL>
+                    <a:lnR w="12700" cap="flat" cmpd="sng" algn="ctr">
+                      <a:solidFill>
+                        <a:schemeClr val="tx1"/>
+                      </a:solidFill>
+                      <a:prstDash val="solid"/>
+                      <a:round/>
+                      <a:headEnd type="none" w="med" len="med"/>
+                      <a:tailEnd type="none" w="med" len="med"/>
+                    </a:lnR>
+                    <a:lnT w="12700" cap="flat" cmpd="sng" algn="ctr">
+                      <a:solidFill>
+                        <a:schemeClr val="tx1"/>
+                      </a:solidFill>
+                      <a:prstDash val="solid"/>
+                      <a:round/>
+                      <a:headEnd type="none" w="med" len="med"/>
+                      <a:tailEnd type="none" w="med" len="med"/>
+                    </a:lnT>
+                    <a:lnB w="12700" cap="flat" cmpd="sng" algn="ctr">
+                      <a:solidFill>
+                        <a:schemeClr val="tx1"/>
+                      </a:solidFill>
+                      <a:prstDash val="solid"/>
+                      <a:round/>
+                      <a:headEnd type="none" w="med" len="med"/>
+                      <a:tailEnd type="none" w="med" len="med"/>
+                    </a:lnB>
+                    <a:solidFill>
+                      <a:schemeClr val="accent2">
+                        <a:lumMod val="40000"/>
+                        <a:lumOff val="60000"/>
+                      </a:schemeClr>
+                    </a:solidFill>
+                  </a:tcPr>
+                </a:tc>
+                <a:tc>
+                  <a:txBody>
+                    <a:bodyPr/>
+                    <a:lstStyle/>
+                    <a:p>
+                      <a:endParaRPr lang="es-ES" sz="1300" dirty="0">
+                        <a:solidFill>
+                          <a:srgbClr val="582808"/>
+                        </a:solidFill>
+                      </a:endParaRPr>
+                    </a:p>
+                  </a:txBody>
+                  <a:tcPr>
+                    <a:lnL w="12700" cap="flat" cmpd="sng" algn="ctr">
+                      <a:solidFill>
+                        <a:schemeClr val="tx1"/>
+                      </a:solidFill>
+                      <a:prstDash val="solid"/>
+                      <a:round/>
+                      <a:headEnd type="none" w="med" len="med"/>
+                      <a:tailEnd type="none" w="med" len="med"/>
+                    </a:lnL>
+                    <a:lnR w="12700" cap="flat" cmpd="sng" algn="ctr">
+                      <a:solidFill>
+                        <a:schemeClr val="tx1"/>
+                      </a:solidFill>
+                      <a:prstDash val="solid"/>
+                      <a:round/>
+                      <a:headEnd type="none" w="med" len="med"/>
+                      <a:tailEnd type="none" w="med" len="med"/>
+                    </a:lnR>
+                    <a:lnT w="12700" cap="flat" cmpd="sng" algn="ctr">
+                      <a:solidFill>
+                        <a:schemeClr val="tx1"/>
+                      </a:solidFill>
+                      <a:prstDash val="solid"/>
+                      <a:round/>
+                      <a:headEnd type="none" w="med" len="med"/>
+                      <a:tailEnd type="none" w="med" len="med"/>
+                    </a:lnT>
+                    <a:lnB w="12700" cap="flat" cmpd="sng" algn="ctr">
+                      <a:solidFill>
+                        <a:schemeClr val="tx1"/>
+                      </a:solidFill>
+                      <a:prstDash val="solid"/>
+                      <a:round/>
+                      <a:headEnd type="none" w="med" len="med"/>
+                      <a:tailEnd type="none" w="med" len="med"/>
+                    </a:lnB>
+                    <a:solidFill>
+                      <a:schemeClr val="accent2">
+                        <a:lumMod val="40000"/>
+                        <a:lumOff val="60000"/>
+                      </a:schemeClr>
+                    </a:solidFill>
+                  </a:tcPr>
+                </a:tc>
+                <a:tc>
+                  <a:txBody>
+                    <a:bodyPr/>
+                    <a:lstStyle/>
+                    <a:p>
+                      <a:endParaRPr lang="es-ES" sz="1300" dirty="0">
+                        <a:solidFill>
+                          <a:srgbClr val="582808"/>
+                        </a:solidFill>
+                      </a:endParaRPr>
+                    </a:p>
+                  </a:txBody>
+                  <a:tcPr>
+                    <a:lnL w="12700" cap="flat" cmpd="sng" algn="ctr">
+                      <a:solidFill>
+                        <a:schemeClr val="tx1"/>
+                      </a:solidFill>
+                      <a:prstDash val="solid"/>
+                      <a:round/>
+                      <a:headEnd type="none" w="med" len="med"/>
+                      <a:tailEnd type="none" w="med" len="med"/>
+                    </a:lnL>
+                    <a:lnR w="12700" cap="flat" cmpd="sng" algn="ctr">
+                      <a:solidFill>
+                        <a:schemeClr val="tx1"/>
+                      </a:solidFill>
+                      <a:prstDash val="solid"/>
+                      <a:round/>
+                      <a:headEnd type="none" w="med" len="med"/>
+                      <a:tailEnd type="none" w="med" len="med"/>
+                    </a:lnR>
+                    <a:lnT w="12700" cap="flat" cmpd="sng" algn="ctr">
+                      <a:solidFill>
+                        <a:schemeClr val="tx1"/>
+                      </a:solidFill>
+                      <a:prstDash val="solid"/>
+                      <a:round/>
+                      <a:headEnd type="none" w="med" len="med"/>
+                      <a:tailEnd type="none" w="med" len="med"/>
+                    </a:lnT>
+                    <a:lnB w="12700" cap="flat" cmpd="sng" algn="ctr">
+                      <a:solidFill>
+                        <a:schemeClr val="tx1"/>
+                      </a:solidFill>
+                      <a:prstDash val="solid"/>
+                      <a:round/>
+                      <a:headEnd type="none" w="med" len="med"/>
+                      <a:tailEnd type="none" w="med" len="med"/>
+                    </a:lnB>
+                    <a:solidFill>
+                      <a:schemeClr val="accent2">
+                        <a:lumMod val="40000"/>
+                        <a:lumOff val="60000"/>
+                      </a:schemeClr>
+                    </a:solidFill>
+                  </a:tcPr>
+                </a:tc>
+                <a:extLst>
+                  <a:ext uri="{0D108BD9-81ED-4DB2-BD59-A6C34878D82A}">
+                    <a16:rowId xmlns:a16="http://schemas.microsoft.com/office/drawing/2014/main" val="1391093473"/>
+                  </a:ext>
+                </a:extLst>
+              </a:tr>
+              <a:tr h="319373">
+                <a:tc>
+                  <a:txBody>
+                    <a:bodyPr/>
+                    <a:lstStyle/>
+                    <a:p>
+                      <a:r>
+                        <a:rPr lang="es-ES" sz="1300" dirty="0">
+                          <a:solidFill>
+                            <a:srgbClr val="582808"/>
+                          </a:solidFill>
+                        </a:rPr>
+                        <a:t>Hortaleza</a:t>
+                      </a:r>
+                    </a:p>
+                  </a:txBody>
+                  <a:tcPr>
+                    <a:lnL w="12700" cap="flat" cmpd="sng" algn="ctr">
+                      <a:solidFill>
+                        <a:schemeClr val="tx1"/>
+                      </a:solidFill>
+                      <a:prstDash val="solid"/>
+                      <a:round/>
+                      <a:headEnd type="none" w="med" len="med"/>
+                      <a:tailEnd type="none" w="med" len="med"/>
+                    </a:lnL>
+                    <a:lnR w="12700" cap="flat" cmpd="sng" algn="ctr">
+                      <a:solidFill>
+                        <a:schemeClr val="tx1"/>
+                      </a:solidFill>
+                      <a:prstDash val="solid"/>
+                      <a:round/>
+                      <a:headEnd type="none" w="med" len="med"/>
+                      <a:tailEnd type="none" w="med" len="med"/>
+                    </a:lnR>
+                    <a:lnT w="12700" cap="flat" cmpd="sng" algn="ctr">
+                      <a:solidFill>
+                        <a:schemeClr val="tx1"/>
+                      </a:solidFill>
+                      <a:prstDash val="solid"/>
+                      <a:round/>
+                      <a:headEnd type="none" w="med" len="med"/>
+                      <a:tailEnd type="none" w="med" len="med"/>
+                    </a:lnT>
+                    <a:lnB w="12700" cap="flat" cmpd="sng" algn="ctr">
+                      <a:solidFill>
+                        <a:schemeClr val="tx1"/>
+                      </a:solidFill>
+                      <a:prstDash val="solid"/>
+                      <a:round/>
+                      <a:headEnd type="none" w="med" len="med"/>
+                      <a:tailEnd type="none" w="med" len="med"/>
+                    </a:lnB>
+                    <a:solidFill>
+                      <a:schemeClr val="accent2">
+                        <a:lumMod val="40000"/>
+                        <a:lumOff val="60000"/>
+                      </a:schemeClr>
+                    </a:solidFill>
+                  </a:tcPr>
+                </a:tc>
+                <a:tc>
+                  <a:txBody>
+                    <a:bodyPr/>
+                    <a:lstStyle/>
+                    <a:p>
+                      <a:endParaRPr lang="es-ES" sz="1300" dirty="0">
+                        <a:solidFill>
+                          <a:srgbClr val="582808"/>
+                        </a:solidFill>
+                      </a:endParaRPr>
+                    </a:p>
+                  </a:txBody>
+                  <a:tcPr>
+                    <a:lnL w="12700" cap="flat" cmpd="sng" algn="ctr">
+                      <a:solidFill>
+                        <a:schemeClr val="tx1"/>
+                      </a:solidFill>
+                      <a:prstDash val="solid"/>
+                      <a:round/>
+                      <a:headEnd type="none" w="med" len="med"/>
+                      <a:tailEnd type="none" w="med" len="med"/>
+                    </a:lnL>
+                    <a:lnR w="12700" cap="flat" cmpd="sng" algn="ctr">
+                      <a:solidFill>
+                        <a:schemeClr val="tx1"/>
+                      </a:solidFill>
+                      <a:prstDash val="solid"/>
+                      <a:round/>
+                      <a:headEnd type="none" w="med" len="med"/>
+                      <a:tailEnd type="none" w="med" len="med"/>
+                    </a:lnR>
+                    <a:lnT w="12700" cap="flat" cmpd="sng" algn="ctr">
+                      <a:solidFill>
+                        <a:schemeClr val="tx1"/>
+                      </a:solidFill>
+                      <a:prstDash val="solid"/>
+                      <a:round/>
+                      <a:headEnd type="none" w="med" len="med"/>
+                      <a:tailEnd type="none" w="med" len="med"/>
+                    </a:lnT>
+                    <a:lnB w="12700" cap="flat" cmpd="sng" algn="ctr">
+                      <a:solidFill>
+                        <a:schemeClr val="tx1"/>
+                      </a:solidFill>
+                      <a:prstDash val="solid"/>
+                      <a:round/>
+                      <a:headEnd type="none" w="med" len="med"/>
+                      <a:tailEnd type="none" w="med" len="med"/>
+                    </a:lnB>
+                    <a:solidFill>
+                      <a:schemeClr val="accent2">
+                        <a:lumMod val="40000"/>
+                        <a:lumOff val="60000"/>
+                      </a:schemeClr>
+                    </a:solidFill>
+                  </a:tcPr>
+                </a:tc>
+                <a:tc>
+                  <a:txBody>
+                    <a:bodyPr/>
+                    <a:lstStyle/>
+                    <a:p>
+                      <a:endParaRPr lang="es-ES" sz="1300" dirty="0">
+                        <a:solidFill>
+                          <a:srgbClr val="582808"/>
+                        </a:solidFill>
+                      </a:endParaRPr>
+                    </a:p>
+                  </a:txBody>
+                  <a:tcPr>
+                    <a:lnL w="12700" cap="flat" cmpd="sng" algn="ctr">
+                      <a:solidFill>
+                        <a:schemeClr val="tx1"/>
+                      </a:solidFill>
+                      <a:prstDash val="solid"/>
+                      <a:round/>
+                      <a:headEnd type="none" w="med" len="med"/>
+                      <a:tailEnd type="none" w="med" len="med"/>
+                    </a:lnL>
+                    <a:lnR w="12700" cap="flat" cmpd="sng" algn="ctr">
+                      <a:solidFill>
+                        <a:schemeClr val="tx1"/>
+                      </a:solidFill>
+                      <a:prstDash val="solid"/>
+                      <a:round/>
+                      <a:headEnd type="none" w="med" len="med"/>
+                      <a:tailEnd type="none" w="med" len="med"/>
+                    </a:lnR>
+                    <a:lnT w="12700" cap="flat" cmpd="sng" algn="ctr">
+                      <a:solidFill>
+                        <a:schemeClr val="tx1"/>
+                      </a:solidFill>
+                      <a:prstDash val="solid"/>
+                      <a:round/>
+                      <a:headEnd type="none" w="med" len="med"/>
+                      <a:tailEnd type="none" w="med" len="med"/>
+                    </a:lnT>
+                    <a:lnB w="12700" cap="flat" cmpd="sng" algn="ctr">
+                      <a:solidFill>
+                        <a:schemeClr val="tx1"/>
+                      </a:solidFill>
+                      <a:prstDash val="solid"/>
+                      <a:round/>
+                      <a:headEnd type="none" w="med" len="med"/>
+                      <a:tailEnd type="none" w="med" len="med"/>
+                    </a:lnB>
+                    <a:solidFill>
+                      <a:schemeClr val="accent2">
+                        <a:lumMod val="40000"/>
+                        <a:lumOff val="60000"/>
+                      </a:schemeClr>
+                    </a:solidFill>
+                  </a:tcPr>
+                </a:tc>
+                <a:tc>
+                  <a:txBody>
+                    <a:bodyPr/>
+                    <a:lstStyle/>
+                    <a:p>
+                      <a:endParaRPr lang="es-ES" sz="1300" dirty="0">
+                        <a:solidFill>
+                          <a:srgbClr val="582808"/>
+                        </a:solidFill>
+                      </a:endParaRPr>
+                    </a:p>
+                  </a:txBody>
+                  <a:tcPr>
+                    <a:lnL w="12700" cap="flat" cmpd="sng" algn="ctr">
+                      <a:solidFill>
+                        <a:schemeClr val="tx1"/>
+                      </a:solidFill>
+                      <a:prstDash val="solid"/>
+                      <a:round/>
+                      <a:headEnd type="none" w="med" len="med"/>
+                      <a:tailEnd type="none" w="med" len="med"/>
+                    </a:lnL>
+                    <a:lnR w="12700" cap="flat" cmpd="sng" algn="ctr">
+                      <a:solidFill>
+                        <a:schemeClr val="tx1"/>
+                      </a:solidFill>
+                      <a:prstDash val="solid"/>
+                      <a:round/>
+                      <a:headEnd type="none" w="med" len="med"/>
+                      <a:tailEnd type="none" w="med" len="med"/>
+                    </a:lnR>
+                    <a:lnT w="12700" cap="flat" cmpd="sng" algn="ctr">
+                      <a:solidFill>
+                        <a:schemeClr val="tx1"/>
+                      </a:solidFill>
+                      <a:prstDash val="solid"/>
+                      <a:round/>
+                      <a:headEnd type="none" w="med" len="med"/>
+                      <a:tailEnd type="none" w="med" len="med"/>
+                    </a:lnT>
+                    <a:lnB w="12700" cap="flat" cmpd="sng" algn="ctr">
+                      <a:solidFill>
+                        <a:schemeClr val="tx1"/>
+                      </a:solidFill>
+                      <a:prstDash val="solid"/>
+                      <a:round/>
+                      <a:headEnd type="none" w="med" len="med"/>
+                      <a:tailEnd type="none" w="med" len="med"/>
+                    </a:lnB>
+                    <a:solidFill>
+                      <a:schemeClr val="accent2">
+                        <a:lumMod val="40000"/>
+                        <a:lumOff val="60000"/>
+                      </a:schemeClr>
+                    </a:solidFill>
+                  </a:tcPr>
+                </a:tc>
+                <a:tc>
+                  <a:txBody>
+                    <a:bodyPr/>
+                    <a:lstStyle/>
+                    <a:p>
+                      <a:endParaRPr lang="es-ES" sz="1300" dirty="0">
+                        <a:solidFill>
+                          <a:srgbClr val="582808"/>
+                        </a:solidFill>
+                      </a:endParaRPr>
+                    </a:p>
+                  </a:txBody>
+                  <a:tcPr>
+                    <a:lnL w="12700" cap="flat" cmpd="sng" algn="ctr">
+                      <a:solidFill>
+                        <a:schemeClr val="tx1"/>
+                      </a:solidFill>
+                      <a:prstDash val="solid"/>
+                      <a:round/>
+                      <a:headEnd type="none" w="med" len="med"/>
+                      <a:tailEnd type="none" w="med" len="med"/>
+                    </a:lnL>
+                    <a:lnR w="12700" cap="flat" cmpd="sng" algn="ctr">
+                      <a:solidFill>
+                        <a:schemeClr val="tx1"/>
+                      </a:solidFill>
+                      <a:prstDash val="solid"/>
+                      <a:round/>
+                      <a:headEnd type="none" w="med" len="med"/>
+                      <a:tailEnd type="none" w="med" len="med"/>
+                    </a:lnR>
+                    <a:lnT w="12700" cap="flat" cmpd="sng" algn="ctr">
+                      <a:solidFill>
+                        <a:schemeClr val="tx1"/>
+                      </a:solidFill>
+                      <a:prstDash val="solid"/>
+                      <a:round/>
+                      <a:headEnd type="none" w="med" len="med"/>
+                      <a:tailEnd type="none" w="med" len="med"/>
+                    </a:lnT>
+                    <a:lnB w="12700" cap="flat" cmpd="sng" algn="ctr">
+                      <a:solidFill>
+                        <a:schemeClr val="tx1"/>
+                      </a:solidFill>
+                      <a:prstDash val="solid"/>
+                      <a:round/>
+                      <a:headEnd type="none" w="med" len="med"/>
+                      <a:tailEnd type="none" w="med" len="med"/>
+                    </a:lnB>
+                    <a:solidFill>
+                      <a:schemeClr val="accent2">
+                        <a:lumMod val="40000"/>
+                        <a:lumOff val="60000"/>
+                      </a:schemeClr>
+                    </a:solidFill>
+                  </a:tcPr>
+                </a:tc>
+                <a:extLst>
+                  <a:ext uri="{0D108BD9-81ED-4DB2-BD59-A6C34878D82A}">
+                    <a16:rowId xmlns:a16="http://schemas.microsoft.com/office/drawing/2014/main" val="1270410600"/>
+                  </a:ext>
+                </a:extLst>
+              </a:tr>
+            </a:tbl>
+          </a:graphicData>
+        </a:graphic>
+      </p:graphicFrame>
+    </p:spTree>
+    <p:extLst>
+      <p:ext uri="{BB962C8B-B14F-4D97-AF65-F5344CB8AC3E}">
+        <p14:creationId xmlns:p14="http://schemas.microsoft.com/office/powerpoint/2010/main" val="2759129078"/>
       </p:ext>
     </p:extLst>
   </p:cSld>

--- a/PPT.pptx
+++ b/PPT.pptx
@@ -5979,7 +5979,7 @@
           <p:nvPr>
             <p:extLst>
               <p:ext uri="{D42A27DB-BD31-4B8C-83A1-F6EECF244321}">
-                <p14:modId xmlns:p14="http://schemas.microsoft.com/office/powerpoint/2010/main" val="1902073526"/>
+                <p14:modId xmlns:p14="http://schemas.microsoft.com/office/powerpoint/2010/main" val="3470291923"/>
               </p:ext>
             </p:extLst>
           </p:nvPr>
@@ -5993,14 +5993,14 @@
             <a:tbl>
               <a:tblPr/>
               <a:tblGrid>
-                <a:gridCol w="1640265">
+                <a:gridCol w="1493911">
                   <a:extLst>
                     <a:ext uri="{9D8B030D-6E8A-4147-A177-3AD203B41FA5}">
                       <a16:colId xmlns:a16="http://schemas.microsoft.com/office/drawing/2014/main" val="1076773008"/>
                     </a:ext>
                   </a:extLst>
                 </a:gridCol>
-                <a:gridCol w="1168924">
+                <a:gridCol w="1315278">
                   <a:extLst>
                     <a:ext uri="{9D8B030D-6E8A-4147-A177-3AD203B41FA5}">
                       <a16:colId xmlns:a16="http://schemas.microsoft.com/office/drawing/2014/main" val="3713821199"/>
@@ -6103,13 +6103,16 @@
                             <a:srgbClr val="582808"/>
                           </a:solidFill>
                         </a:rPr>
-                        <a:t>n_listings</a:t>
+                        <a:t>Nº</a:t>
                       </a:r>
-                      <a:endParaRPr lang="es-ES" sz="1300" b="1" dirty="0">
-                        <a:solidFill>
-                          <a:srgbClr val="582808"/>
-                        </a:solidFill>
-                      </a:endParaRPr>
+                      <a:r>
+                        <a:rPr lang="es-ES" sz="1300" b="1" dirty="0">
+                          <a:solidFill>
+                            <a:srgbClr val="582808"/>
+                          </a:solidFill>
+                        </a:rPr>
+                        <a:t> de anuncios</a:t>
+                      </a:r>
                     </a:p>
                   </a:txBody>
                   <a:tcPr>
@@ -6164,18 +6167,13 @@
                     <a:p>
                       <a:pPr algn="ctr"/>
                       <a:r>
-                        <a:rPr lang="es-ES" sz="1300" b="1" dirty="0" err="1">
+                        <a:rPr lang="es-ES" sz="1300" b="1" dirty="0">
                           <a:solidFill>
                             <a:srgbClr val="582808"/>
                           </a:solidFill>
                         </a:rPr>
-                        <a:t>n_active</a:t>
+                        <a:t>Activos</a:t>
                       </a:r>
-                      <a:endParaRPr lang="es-ES" sz="1300" b="1" dirty="0">
-                        <a:solidFill>
-                          <a:srgbClr val="582808"/>
-                        </a:solidFill>
-                      </a:endParaRPr>
                     </a:p>
                   </a:txBody>
                   <a:tcPr>
@@ -6230,18 +6228,13 @@
                     <a:p>
                       <a:pPr algn="ctr"/>
                       <a:r>
-                        <a:rPr lang="es-ES" sz="1300" b="1" dirty="0" err="1">
+                        <a:rPr lang="es-ES" sz="1300" b="1" dirty="0">
                           <a:solidFill>
                             <a:srgbClr val="582808"/>
                           </a:solidFill>
                         </a:rPr>
-                        <a:t>pct_listings</a:t>
+                        <a:t>% Anuncios</a:t>
                       </a:r>
-                      <a:endParaRPr lang="es-ES" sz="1300" b="1" dirty="0">
-                        <a:solidFill>
-                          <a:srgbClr val="582808"/>
-                        </a:solidFill>
-                      </a:endParaRPr>
                     </a:p>
                   </a:txBody>
                   <a:tcPr>
@@ -6296,18 +6289,13 @@
                     <a:p>
                       <a:pPr algn="ctr"/>
                       <a:r>
-                        <a:rPr lang="es-ES" sz="1300" b="1" dirty="0" err="1">
+                        <a:rPr lang="es-ES" sz="1300" b="1" dirty="0">
                           <a:solidFill>
                             <a:srgbClr val="582808"/>
                           </a:solidFill>
                         </a:rPr>
-                        <a:t>pct_active</a:t>
+                        <a:t>% Activos</a:t>
                       </a:r>
-                      <a:endParaRPr lang="es-ES" sz="1300" b="1" dirty="0">
-                        <a:solidFill>
-                          <a:srgbClr val="582808"/>
-                        </a:solidFill>
-                      </a:endParaRPr>
                     </a:p>
                   </a:txBody>
                   <a:tcPr>
@@ -7665,11 +7653,14 @@
                     <a:bodyPr/>
                     <a:lstStyle/>
                     <a:p>
-                      <a:endParaRPr lang="es-ES" sz="1300" dirty="0">
-                        <a:solidFill>
-                          <a:srgbClr val="582808"/>
-                        </a:solidFill>
-                      </a:endParaRPr>
+                      <a:r>
+                        <a:rPr lang="es-ES" sz="1300" dirty="0">
+                          <a:solidFill>
+                            <a:srgbClr val="582808"/>
+                          </a:solidFill>
+                        </a:rPr>
+                        <a:t>1626</a:t>
+                      </a:r>
                     </a:p>
                   </a:txBody>
                   <a:tcPr>
@@ -7722,11 +7713,14 @@
                     <a:bodyPr/>
                     <a:lstStyle/>
                     <a:p>
-                      <a:endParaRPr lang="es-ES" sz="1300" dirty="0">
-                        <a:solidFill>
-                          <a:srgbClr val="582808"/>
-                        </a:solidFill>
-                      </a:endParaRPr>
+                      <a:r>
+                        <a:rPr lang="es-ES" sz="1300" dirty="0">
+                          <a:solidFill>
+                            <a:srgbClr val="582808"/>
+                          </a:solidFill>
+                        </a:rPr>
+                        <a:t>1247</a:t>
+                      </a:r>
                     </a:p>
                   </a:txBody>
                   <a:tcPr>
@@ -7779,11 +7773,14 @@
                     <a:bodyPr/>
                     <a:lstStyle/>
                     <a:p>
-                      <a:endParaRPr lang="es-ES" sz="1300" dirty="0">
-                        <a:solidFill>
-                          <a:srgbClr val="582808"/>
-                        </a:solidFill>
-                      </a:endParaRPr>
+                      <a:r>
+                        <a:rPr lang="es-ES" sz="1300" dirty="0">
+                          <a:solidFill>
+                            <a:srgbClr val="582808"/>
+                          </a:solidFill>
+                        </a:rPr>
+                        <a:t>5.206365</a:t>
+                      </a:r>
                     </a:p>
                   </a:txBody>
                   <a:tcPr>
@@ -7836,11 +7833,14 @@
                     <a:bodyPr/>
                     <a:lstStyle/>
                     <a:p>
-                      <a:endParaRPr lang="es-ES" sz="1300" dirty="0">
-                        <a:solidFill>
-                          <a:srgbClr val="582808"/>
-                        </a:solidFill>
-                      </a:endParaRPr>
+                      <a:r>
+                        <a:rPr lang="es-ES" sz="1300" dirty="0">
+                          <a:solidFill>
+                            <a:srgbClr val="582808"/>
+                          </a:solidFill>
+                        </a:rPr>
+                        <a:t>4.967930</a:t>
+                      </a:r>
                     </a:p>
                   </a:txBody>
                   <a:tcPr>
@@ -7960,14 +7960,20 @@
                     <a:bodyPr/>
                     <a:lstStyle/>
                     <a:p>
-                      <a:endParaRPr lang="es-ES" sz="1300" dirty="0">
-                        <a:solidFill>
-                          <a:srgbClr val="582808"/>
-                        </a:solidFill>
-                      </a:endParaRPr>
+                      <a:r>
+                        <a:rPr lang="es-ES" sz="1300" kern="1200" dirty="0">
+                          <a:solidFill>
+                            <a:srgbClr val="582808"/>
+                          </a:solidFill>
+                          <a:latin typeface="+mn-lt"/>
+                          <a:ea typeface="+mn-ea"/>
+                          <a:cs typeface="+mn-cs"/>
+                        </a:rPr>
+                        <a:t>1169</a:t>
+                      </a:r>
                     </a:p>
                   </a:txBody>
-                  <a:tcPr>
+                  <a:tcPr marL="76200" marR="76200" marT="38100" marB="38100" anchor="ctr">
                     <a:lnL w="12700" cap="flat" cmpd="sng" algn="ctr">
                       <a:solidFill>
                         <a:schemeClr val="tx1"/>
@@ -8017,14 +8023,20 @@
                     <a:bodyPr/>
                     <a:lstStyle/>
                     <a:p>
-                      <a:endParaRPr lang="es-ES" sz="1300" dirty="0">
-                        <a:solidFill>
-                          <a:srgbClr val="582808"/>
-                        </a:solidFill>
-                      </a:endParaRPr>
+                      <a:r>
+                        <a:rPr lang="es-ES" sz="1300" kern="1200">
+                          <a:solidFill>
+                            <a:srgbClr val="582808"/>
+                          </a:solidFill>
+                          <a:latin typeface="+mn-lt"/>
+                          <a:ea typeface="+mn-ea"/>
+                          <a:cs typeface="+mn-cs"/>
+                        </a:rPr>
+                        <a:t>953</a:t>
+                      </a:r>
                     </a:p>
                   </a:txBody>
-                  <a:tcPr>
+                  <a:tcPr marL="76200" marR="76200" marT="38100" marB="38100" anchor="ctr">
                     <a:lnL w="12700" cap="flat" cmpd="sng" algn="ctr">
                       <a:solidFill>
                         <a:schemeClr val="tx1"/>
@@ -8074,14 +8086,20 @@
                     <a:bodyPr/>
                     <a:lstStyle/>
                     <a:p>
-                      <a:endParaRPr lang="es-ES" sz="1300" dirty="0">
-                        <a:solidFill>
-                          <a:srgbClr val="582808"/>
-                        </a:solidFill>
-                      </a:endParaRPr>
+                      <a:r>
+                        <a:rPr lang="es-ES" sz="1300" kern="1200">
+                          <a:solidFill>
+                            <a:srgbClr val="582808"/>
+                          </a:solidFill>
+                          <a:latin typeface="+mn-lt"/>
+                          <a:ea typeface="+mn-ea"/>
+                          <a:cs typeface="+mn-cs"/>
+                        </a:rPr>
+                        <a:t>3.743076</a:t>
+                      </a:r>
                     </a:p>
                   </a:txBody>
-                  <a:tcPr>
+                  <a:tcPr marL="76200" marR="76200" marT="38100" marB="38100" anchor="ctr">
                     <a:lnL w="12700" cap="flat" cmpd="sng" algn="ctr">
                       <a:solidFill>
                         <a:schemeClr val="tx1"/>
@@ -8131,14 +8149,20 @@
                     <a:bodyPr/>
                     <a:lstStyle/>
                     <a:p>
-                      <a:endParaRPr lang="es-ES" sz="1300" dirty="0">
-                        <a:solidFill>
-                          <a:srgbClr val="582808"/>
-                        </a:solidFill>
-                      </a:endParaRPr>
+                      <a:r>
+                        <a:rPr lang="es-ES" sz="1300" kern="1200" dirty="0">
+                          <a:solidFill>
+                            <a:srgbClr val="582808"/>
+                          </a:solidFill>
+                          <a:latin typeface="+mn-lt"/>
+                          <a:ea typeface="+mn-ea"/>
+                          <a:cs typeface="+mn-cs"/>
+                        </a:rPr>
+                        <a:t>3.796661</a:t>
+                      </a:r>
                     </a:p>
                   </a:txBody>
-                  <a:tcPr>
+                  <a:tcPr marL="76200" marR="76200" marT="38100" marB="38100" anchor="ctr">
                     <a:lnL w="12700" cap="flat" cmpd="sng" algn="ctr">
                       <a:solidFill>
                         <a:schemeClr val="tx1"/>
@@ -8255,14 +8279,20 @@
                     <a:bodyPr/>
                     <a:lstStyle/>
                     <a:p>
-                      <a:endParaRPr lang="es-ES" sz="1300" dirty="0">
-                        <a:solidFill>
-                          <a:srgbClr val="582808"/>
-                        </a:solidFill>
-                      </a:endParaRPr>
+                      <a:r>
+                        <a:rPr lang="es-ES" sz="1300" kern="1200" dirty="0">
+                          <a:solidFill>
+                            <a:srgbClr val="582808"/>
+                          </a:solidFill>
+                          <a:latin typeface="+mn-lt"/>
+                          <a:ea typeface="+mn-ea"/>
+                          <a:cs typeface="+mn-cs"/>
+                        </a:rPr>
+                        <a:t>1151</a:t>
+                      </a:r>
                     </a:p>
                   </a:txBody>
-                  <a:tcPr>
+                  <a:tcPr marL="76200" marR="76200" marT="38100" marB="38100" anchor="ctr">
                     <a:lnL w="12700" cap="flat" cmpd="sng" algn="ctr">
                       <a:solidFill>
                         <a:schemeClr val="tx1"/>
@@ -8312,14 +8342,20 @@
                     <a:bodyPr/>
                     <a:lstStyle/>
                     <a:p>
-                      <a:endParaRPr lang="es-ES" sz="1300" dirty="0">
-                        <a:solidFill>
-                          <a:srgbClr val="582808"/>
-                        </a:solidFill>
-                      </a:endParaRPr>
+                      <a:r>
+                        <a:rPr lang="es-ES" sz="1300" kern="1200">
+                          <a:solidFill>
+                            <a:srgbClr val="582808"/>
+                          </a:solidFill>
+                          <a:latin typeface="+mn-lt"/>
+                          <a:ea typeface="+mn-ea"/>
+                          <a:cs typeface="+mn-cs"/>
+                        </a:rPr>
+                        <a:t>914</a:t>
+                      </a:r>
                     </a:p>
                   </a:txBody>
-                  <a:tcPr>
+                  <a:tcPr marL="76200" marR="76200" marT="38100" marB="38100" anchor="ctr">
                     <a:lnL w="12700" cap="flat" cmpd="sng" algn="ctr">
                       <a:solidFill>
                         <a:schemeClr val="tx1"/>
@@ -8369,14 +8405,20 @@
                     <a:bodyPr/>
                     <a:lstStyle/>
                     <a:p>
-                      <a:endParaRPr lang="es-ES" sz="1300" dirty="0">
-                        <a:solidFill>
-                          <a:srgbClr val="582808"/>
-                        </a:solidFill>
-                      </a:endParaRPr>
+                      <a:r>
+                        <a:rPr lang="es-ES" sz="1300" kern="1200">
+                          <a:solidFill>
+                            <a:srgbClr val="582808"/>
+                          </a:solidFill>
+                          <a:latin typeface="+mn-lt"/>
+                          <a:ea typeface="+mn-ea"/>
+                          <a:cs typeface="+mn-cs"/>
+                        </a:rPr>
+                        <a:t>3.685441</a:t>
+                      </a:r>
                     </a:p>
                   </a:txBody>
-                  <a:tcPr>
+                  <a:tcPr marL="76200" marR="76200" marT="38100" marB="38100" anchor="ctr">
                     <a:lnL w="12700" cap="flat" cmpd="sng" algn="ctr">
                       <a:solidFill>
                         <a:schemeClr val="tx1"/>
@@ -8426,14 +8468,20 @@
                     <a:bodyPr/>
                     <a:lstStyle/>
                     <a:p>
-                      <a:endParaRPr lang="es-ES" sz="1300" dirty="0">
-                        <a:solidFill>
-                          <a:srgbClr val="582808"/>
-                        </a:solidFill>
-                      </a:endParaRPr>
+                      <a:r>
+                        <a:rPr lang="es-ES" sz="1300" kern="1200" dirty="0">
+                          <a:solidFill>
+                            <a:srgbClr val="582808"/>
+                          </a:solidFill>
+                          <a:latin typeface="+mn-lt"/>
+                          <a:ea typeface="+mn-ea"/>
+                          <a:cs typeface="+mn-cs"/>
+                        </a:rPr>
+                        <a:t>3.641289</a:t>
+                      </a:r>
                     </a:p>
                   </a:txBody>
-                  <a:tcPr>
+                  <a:tcPr marL="76200" marR="76200" marT="38100" marB="38100" anchor="ctr">
                     <a:lnL w="12700" cap="flat" cmpd="sng" algn="ctr">
                       <a:solidFill>
                         <a:schemeClr val="tx1"/>
@@ -8550,14 +8598,20 @@
                     <a:bodyPr/>
                     <a:lstStyle/>
                     <a:p>
-                      <a:endParaRPr lang="es-ES" sz="1300" dirty="0">
-                        <a:solidFill>
-                          <a:srgbClr val="582808"/>
-                        </a:solidFill>
-                      </a:endParaRPr>
+                      <a:r>
+                        <a:rPr lang="es-ES" sz="1300" kern="1200" dirty="0">
+                          <a:solidFill>
+                            <a:srgbClr val="582808"/>
+                          </a:solidFill>
+                          <a:latin typeface="+mn-lt"/>
+                          <a:ea typeface="+mn-ea"/>
+                          <a:cs typeface="+mn-cs"/>
+                        </a:rPr>
+                        <a:t>1085</a:t>
+                      </a:r>
                     </a:p>
                   </a:txBody>
-                  <a:tcPr>
+                  <a:tcPr marL="76200" marR="76200" marT="38100" marB="38100" anchor="ctr">
                     <a:lnL w="12700" cap="flat" cmpd="sng" algn="ctr">
                       <a:solidFill>
                         <a:schemeClr val="tx1"/>
@@ -8607,14 +8661,20 @@
                     <a:bodyPr/>
                     <a:lstStyle/>
                     <a:p>
-                      <a:endParaRPr lang="es-ES" sz="1300" dirty="0">
-                        <a:solidFill>
-                          <a:srgbClr val="582808"/>
-                        </a:solidFill>
-                      </a:endParaRPr>
+                      <a:r>
+                        <a:rPr lang="es-ES" sz="1300" kern="1200">
+                          <a:solidFill>
+                            <a:srgbClr val="582808"/>
+                          </a:solidFill>
+                          <a:latin typeface="+mn-lt"/>
+                          <a:ea typeface="+mn-ea"/>
+                          <a:cs typeface="+mn-cs"/>
+                        </a:rPr>
+                        <a:t>848</a:t>
+                      </a:r>
                     </a:p>
                   </a:txBody>
-                  <a:tcPr>
+                  <a:tcPr marL="76200" marR="76200" marT="38100" marB="38100" anchor="ctr">
                     <a:lnL w="12700" cap="flat" cmpd="sng" algn="ctr">
                       <a:solidFill>
                         <a:schemeClr val="tx1"/>
@@ -8664,14 +8724,20 @@
                     <a:bodyPr/>
                     <a:lstStyle/>
                     <a:p>
-                      <a:endParaRPr lang="es-ES" sz="1300" dirty="0">
-                        <a:solidFill>
-                          <a:srgbClr val="582808"/>
-                        </a:solidFill>
-                      </a:endParaRPr>
+                      <a:r>
+                        <a:rPr lang="es-ES" sz="1300" kern="1200">
+                          <a:solidFill>
+                            <a:srgbClr val="582808"/>
+                          </a:solidFill>
+                          <a:latin typeface="+mn-lt"/>
+                          <a:ea typeface="+mn-ea"/>
+                          <a:cs typeface="+mn-cs"/>
+                        </a:rPr>
+                        <a:t>3.474112</a:t>
+                      </a:r>
                     </a:p>
                   </a:txBody>
-                  <a:tcPr>
+                  <a:tcPr marL="76200" marR="76200" marT="38100" marB="38100" anchor="ctr">
                     <a:lnL w="12700" cap="flat" cmpd="sng" algn="ctr">
                       <a:solidFill>
                         <a:schemeClr val="tx1"/>
@@ -8721,14 +8787,20 @@
                     <a:bodyPr/>
                     <a:lstStyle/>
                     <a:p>
-                      <a:endParaRPr lang="es-ES" sz="1300" dirty="0">
-                        <a:solidFill>
-                          <a:srgbClr val="582808"/>
-                        </a:solidFill>
-                      </a:endParaRPr>
+                      <a:r>
+                        <a:rPr lang="es-ES" sz="1300" kern="1200" dirty="0">
+                          <a:solidFill>
+                            <a:srgbClr val="582808"/>
+                          </a:solidFill>
+                          <a:latin typeface="+mn-lt"/>
+                          <a:ea typeface="+mn-ea"/>
+                          <a:cs typeface="+mn-cs"/>
+                        </a:rPr>
+                        <a:t>3.378351</a:t>
+                      </a:r>
                     </a:p>
                   </a:txBody>
-                  <a:tcPr>
+                  <a:tcPr marL="76200" marR="76200" marT="38100" marB="38100" anchor="ctr">
                     <a:lnL w="12700" cap="flat" cmpd="sng" algn="ctr">
                       <a:solidFill>
                         <a:schemeClr val="tx1"/>
@@ -8845,14 +8917,20 @@
                     <a:bodyPr/>
                     <a:lstStyle/>
                     <a:p>
-                      <a:endParaRPr lang="es-ES" sz="1300" dirty="0">
-                        <a:solidFill>
-                          <a:srgbClr val="582808"/>
-                        </a:solidFill>
-                      </a:endParaRPr>
+                      <a:r>
+                        <a:rPr lang="es-ES" sz="1300" kern="1200" dirty="0">
+                          <a:solidFill>
+                            <a:srgbClr val="582808"/>
+                          </a:solidFill>
+                          <a:latin typeface="+mn-lt"/>
+                          <a:ea typeface="+mn-ea"/>
+                          <a:cs typeface="+mn-cs"/>
+                        </a:rPr>
+                        <a:t>1062</a:t>
+                      </a:r>
                     </a:p>
                   </a:txBody>
-                  <a:tcPr>
+                  <a:tcPr marL="76200" marR="76200" marT="38100" marB="38100" anchor="ctr">
                     <a:lnL w="12700" cap="flat" cmpd="sng" algn="ctr">
                       <a:solidFill>
                         <a:schemeClr val="tx1"/>
@@ -8902,14 +8980,20 @@
                     <a:bodyPr/>
                     <a:lstStyle/>
                     <a:p>
-                      <a:endParaRPr lang="es-ES" sz="1300" dirty="0">
-                        <a:solidFill>
-                          <a:srgbClr val="582808"/>
-                        </a:solidFill>
-                      </a:endParaRPr>
+                      <a:r>
+                        <a:rPr lang="es-ES" sz="1300" kern="1200">
+                          <a:solidFill>
+                            <a:srgbClr val="582808"/>
+                          </a:solidFill>
+                          <a:latin typeface="+mn-lt"/>
+                          <a:ea typeface="+mn-ea"/>
+                          <a:cs typeface="+mn-cs"/>
+                        </a:rPr>
+                        <a:t>832</a:t>
+                      </a:r>
                     </a:p>
                   </a:txBody>
-                  <a:tcPr>
+                  <a:tcPr marL="76200" marR="76200" marT="38100" marB="38100" anchor="ctr">
                     <a:lnL w="12700" cap="flat" cmpd="sng" algn="ctr">
                       <a:solidFill>
                         <a:schemeClr val="tx1"/>
@@ -8959,14 +9043,20 @@
                     <a:bodyPr/>
                     <a:lstStyle/>
                     <a:p>
-                      <a:endParaRPr lang="es-ES" sz="1300" dirty="0">
-                        <a:solidFill>
-                          <a:srgbClr val="582808"/>
-                        </a:solidFill>
-                      </a:endParaRPr>
+                      <a:r>
+                        <a:rPr lang="es-ES" sz="1300" kern="1200">
+                          <a:solidFill>
+                            <a:srgbClr val="582808"/>
+                          </a:solidFill>
+                          <a:latin typeface="+mn-lt"/>
+                          <a:ea typeface="+mn-ea"/>
+                          <a:cs typeface="+mn-cs"/>
+                        </a:rPr>
+                        <a:t>3.400467</a:t>
+                      </a:r>
                     </a:p>
                   </a:txBody>
-                  <a:tcPr>
+                  <a:tcPr marL="76200" marR="76200" marT="38100" marB="38100" anchor="ctr">
                     <a:lnL w="12700" cap="flat" cmpd="sng" algn="ctr">
                       <a:solidFill>
                         <a:schemeClr val="tx1"/>
@@ -9016,14 +9106,20 @@
                     <a:bodyPr/>
                     <a:lstStyle/>
                     <a:p>
-                      <a:endParaRPr lang="es-ES" sz="1300" dirty="0">
-                        <a:solidFill>
-                          <a:srgbClr val="582808"/>
-                        </a:solidFill>
-                      </a:endParaRPr>
+                      <a:r>
+                        <a:rPr lang="es-ES" sz="1300" kern="1200" dirty="0">
+                          <a:solidFill>
+                            <a:srgbClr val="582808"/>
+                          </a:solidFill>
+                          <a:latin typeface="+mn-lt"/>
+                          <a:ea typeface="+mn-ea"/>
+                          <a:cs typeface="+mn-cs"/>
+                        </a:rPr>
+                        <a:t>3.314609</a:t>
+                      </a:r>
                     </a:p>
                   </a:txBody>
-                  <a:tcPr>
+                  <a:tcPr marL="76200" marR="76200" marT="38100" marB="38100" anchor="ctr">
                     <a:lnL w="12700" cap="flat" cmpd="sng" algn="ctr">
                       <a:solidFill>
                         <a:schemeClr val="tx1"/>
@@ -9140,14 +9236,20 @@
                     <a:bodyPr/>
                     <a:lstStyle/>
                     <a:p>
-                      <a:endParaRPr lang="es-ES" sz="1300" dirty="0">
-                        <a:solidFill>
-                          <a:srgbClr val="582808"/>
-                        </a:solidFill>
-                      </a:endParaRPr>
+                      <a:r>
+                        <a:rPr lang="es-ES" sz="1300" kern="1200" dirty="0">
+                          <a:solidFill>
+                            <a:srgbClr val="582808"/>
+                          </a:solidFill>
+                          <a:latin typeface="+mn-lt"/>
+                          <a:ea typeface="+mn-ea"/>
+                          <a:cs typeface="+mn-cs"/>
+                        </a:rPr>
+                        <a:t>998</a:t>
+                      </a:r>
                     </a:p>
                   </a:txBody>
-                  <a:tcPr>
+                  <a:tcPr marL="76200" marR="76200" marT="38100" marB="38100" anchor="ctr">
                     <a:lnL w="12700" cap="flat" cmpd="sng" algn="ctr">
                       <a:solidFill>
                         <a:schemeClr val="tx1"/>
@@ -9197,14 +9299,20 @@
                     <a:bodyPr/>
                     <a:lstStyle/>
                     <a:p>
-                      <a:endParaRPr lang="es-ES" sz="1300" dirty="0">
-                        <a:solidFill>
-                          <a:srgbClr val="582808"/>
-                        </a:solidFill>
-                      </a:endParaRPr>
+                      <a:r>
+                        <a:rPr lang="es-ES" sz="1300" kern="1200">
+                          <a:solidFill>
+                            <a:srgbClr val="582808"/>
+                          </a:solidFill>
+                          <a:latin typeface="+mn-lt"/>
+                          <a:ea typeface="+mn-ea"/>
+                          <a:cs typeface="+mn-cs"/>
+                        </a:rPr>
+                        <a:t>777</a:t>
+                      </a:r>
                     </a:p>
                   </a:txBody>
-                  <a:tcPr>
+                  <a:tcPr marL="76200" marR="76200" marT="38100" marB="38100" anchor="ctr">
                     <a:lnL w="12700" cap="flat" cmpd="sng" algn="ctr">
                       <a:solidFill>
                         <a:schemeClr val="tx1"/>
@@ -9254,14 +9362,20 @@
                     <a:bodyPr/>
                     <a:lstStyle/>
                     <a:p>
-                      <a:endParaRPr lang="es-ES" sz="1300" dirty="0">
-                        <a:solidFill>
-                          <a:srgbClr val="582808"/>
-                        </a:solidFill>
-                      </a:endParaRPr>
+                      <a:r>
+                        <a:rPr lang="es-ES" sz="1300" kern="1200">
+                          <a:solidFill>
+                            <a:srgbClr val="582808"/>
+                          </a:solidFill>
+                          <a:latin typeface="+mn-lt"/>
+                          <a:ea typeface="+mn-ea"/>
+                          <a:cs typeface="+mn-cs"/>
+                        </a:rPr>
+                        <a:t>3.195543</a:t>
+                      </a:r>
                     </a:p>
                   </a:txBody>
-                  <a:tcPr>
+                  <a:tcPr marL="76200" marR="76200" marT="38100" marB="38100" anchor="ctr">
                     <a:lnL w="12700" cap="flat" cmpd="sng" algn="ctr">
                       <a:solidFill>
                         <a:schemeClr val="tx1"/>
@@ -9311,14 +9425,20 @@
                     <a:bodyPr/>
                     <a:lstStyle/>
                     <a:p>
-                      <a:endParaRPr lang="es-ES" sz="1300" dirty="0">
-                        <a:solidFill>
-                          <a:srgbClr val="582808"/>
-                        </a:solidFill>
-                      </a:endParaRPr>
+                      <a:r>
+                        <a:rPr lang="es-ES" sz="1300" kern="1200" dirty="0">
+                          <a:solidFill>
+                            <a:srgbClr val="582808"/>
+                          </a:solidFill>
+                          <a:latin typeface="+mn-lt"/>
+                          <a:ea typeface="+mn-ea"/>
+                          <a:cs typeface="+mn-cs"/>
+                        </a:rPr>
+                        <a:t>3.095494</a:t>
+                      </a:r>
                     </a:p>
                   </a:txBody>
-                  <a:tcPr>
+                  <a:tcPr marL="76200" marR="76200" marT="38100" marB="38100" anchor="ctr">
                     <a:lnL w="12700" cap="flat" cmpd="sng" algn="ctr">
                       <a:solidFill>
                         <a:schemeClr val="tx1"/>
@@ -9376,10 +9496,13 @@
                     <a:lstStyle/>
                     <a:p>
                       <a:r>
-                        <a:rPr lang="es-ES" sz="1300" dirty="0">
+                        <a:rPr lang="es-ES" sz="1300" kern="1200" dirty="0">
                           <a:solidFill>
                             <a:srgbClr val="582808"/>
                           </a:solidFill>
+                          <a:latin typeface="+mn-lt"/>
+                          <a:ea typeface="+mn-ea"/>
+                          <a:cs typeface="+mn-cs"/>
                         </a:rPr>
                         <a:t>Moncloa</a:t>
                       </a:r>
@@ -9435,14 +9558,20 @@
                     <a:bodyPr/>
                     <a:lstStyle/>
                     <a:p>
-                      <a:endParaRPr lang="es-ES" sz="1300" dirty="0">
-                        <a:solidFill>
-                          <a:srgbClr val="582808"/>
-                        </a:solidFill>
-                      </a:endParaRPr>
+                      <a:r>
+                        <a:rPr lang="es-ES" sz="1300" kern="1200" dirty="0">
+                          <a:solidFill>
+                            <a:srgbClr val="582808"/>
+                          </a:solidFill>
+                          <a:latin typeface="+mn-lt"/>
+                          <a:ea typeface="+mn-ea"/>
+                          <a:cs typeface="+mn-cs"/>
+                        </a:rPr>
+                        <a:t>907</a:t>
+                      </a:r>
                     </a:p>
                   </a:txBody>
-                  <a:tcPr>
+                  <a:tcPr marL="76200" marR="76200" marT="38100" marB="38100" anchor="ctr">
                     <a:lnL w="12700" cap="flat" cmpd="sng" algn="ctr">
                       <a:solidFill>
                         <a:schemeClr val="tx1"/>
@@ -9492,14 +9621,20 @@
                     <a:bodyPr/>
                     <a:lstStyle/>
                     <a:p>
-                      <a:endParaRPr lang="es-ES" sz="1300" dirty="0">
-                        <a:solidFill>
-                          <a:srgbClr val="582808"/>
-                        </a:solidFill>
-                      </a:endParaRPr>
+                      <a:r>
+                        <a:rPr lang="es-ES" sz="1300" kern="1200">
+                          <a:solidFill>
+                            <a:srgbClr val="582808"/>
+                          </a:solidFill>
+                          <a:latin typeface="+mn-lt"/>
+                          <a:ea typeface="+mn-ea"/>
+                          <a:cs typeface="+mn-cs"/>
+                        </a:rPr>
+                        <a:t>683</a:t>
+                      </a:r>
                     </a:p>
                   </a:txBody>
-                  <a:tcPr>
+                  <a:tcPr marL="76200" marR="76200" marT="38100" marB="38100" anchor="ctr">
                     <a:lnL w="12700" cap="flat" cmpd="sng" algn="ctr">
                       <a:solidFill>
                         <a:schemeClr val="tx1"/>
@@ -9549,14 +9684,20 @@
                     <a:bodyPr/>
                     <a:lstStyle/>
                     <a:p>
-                      <a:endParaRPr lang="es-ES" sz="1300" dirty="0">
-                        <a:solidFill>
-                          <a:srgbClr val="582808"/>
-                        </a:solidFill>
-                      </a:endParaRPr>
+                      <a:r>
+                        <a:rPr lang="es-ES" sz="1300" kern="1200">
+                          <a:solidFill>
+                            <a:srgbClr val="582808"/>
+                          </a:solidFill>
+                          <a:latin typeface="+mn-lt"/>
+                          <a:ea typeface="+mn-ea"/>
+                          <a:cs typeface="+mn-cs"/>
+                        </a:rPr>
+                        <a:t>2.904166</a:t>
+                      </a:r>
                     </a:p>
                   </a:txBody>
-                  <a:tcPr>
+                  <a:tcPr marL="76200" marR="76200" marT="38100" marB="38100" anchor="ctr">
                     <a:lnL w="12700" cap="flat" cmpd="sng" algn="ctr">
                       <a:solidFill>
                         <a:schemeClr val="tx1"/>
@@ -9606,14 +9747,20 @@
                     <a:bodyPr/>
                     <a:lstStyle/>
                     <a:p>
-                      <a:endParaRPr lang="es-ES" sz="1300" dirty="0">
-                        <a:solidFill>
-                          <a:srgbClr val="582808"/>
-                        </a:solidFill>
-                      </a:endParaRPr>
+                      <a:r>
+                        <a:rPr lang="es-ES" sz="1300" kern="1200" dirty="0">
+                          <a:solidFill>
+                            <a:srgbClr val="582808"/>
+                          </a:solidFill>
+                          <a:latin typeface="+mn-lt"/>
+                          <a:ea typeface="+mn-ea"/>
+                          <a:cs typeface="+mn-cs"/>
+                        </a:rPr>
+                        <a:t>2.721007</a:t>
+                      </a:r>
                     </a:p>
                   </a:txBody>
-                  <a:tcPr>
+                  <a:tcPr marL="76200" marR="76200" marT="38100" marB="38100" anchor="ctr">
                     <a:lnL w="12700" cap="flat" cmpd="sng" algn="ctr">
                       <a:solidFill>
                         <a:schemeClr val="tx1"/>
@@ -9671,10 +9818,13 @@
                     <a:lstStyle/>
                     <a:p>
                       <a:r>
-                        <a:rPr lang="es-ES" sz="1300" dirty="0">
+                        <a:rPr lang="es-ES" sz="1300" kern="1200" dirty="0">
                           <a:solidFill>
                             <a:srgbClr val="582808"/>
                           </a:solidFill>
+                          <a:latin typeface="+mn-lt"/>
+                          <a:ea typeface="+mn-ea"/>
+                          <a:cs typeface="+mn-cs"/>
                         </a:rPr>
                         <a:t>Latina</a:t>
                       </a:r>
@@ -9730,14 +9880,20 @@
                     <a:bodyPr/>
                     <a:lstStyle/>
                     <a:p>
-                      <a:endParaRPr lang="es-ES" sz="1300" dirty="0">
-                        <a:solidFill>
-                          <a:srgbClr val="582808"/>
-                        </a:solidFill>
-                      </a:endParaRPr>
+                      <a:r>
+                        <a:rPr lang="es-ES" sz="1300" kern="1200" dirty="0">
+                          <a:solidFill>
+                            <a:srgbClr val="582808"/>
+                          </a:solidFill>
+                          <a:latin typeface="+mn-lt"/>
+                          <a:ea typeface="+mn-ea"/>
+                          <a:cs typeface="+mn-cs"/>
+                        </a:rPr>
+                        <a:t>873</a:t>
+                      </a:r>
                     </a:p>
                   </a:txBody>
-                  <a:tcPr>
+                  <a:tcPr marL="76200" marR="76200" marT="38100" marB="38100" anchor="ctr">
                     <a:lnL w="12700" cap="flat" cmpd="sng" algn="ctr">
                       <a:solidFill>
                         <a:schemeClr val="tx1"/>
@@ -9787,14 +9943,20 @@
                     <a:bodyPr/>
                     <a:lstStyle/>
                     <a:p>
-                      <a:endParaRPr lang="es-ES" sz="1300" dirty="0">
-                        <a:solidFill>
-                          <a:srgbClr val="582808"/>
-                        </a:solidFill>
-                      </a:endParaRPr>
+                      <a:r>
+                        <a:rPr lang="es-ES" sz="1300" kern="1200">
+                          <a:solidFill>
+                            <a:srgbClr val="582808"/>
+                          </a:solidFill>
+                          <a:latin typeface="+mn-lt"/>
+                          <a:ea typeface="+mn-ea"/>
+                          <a:cs typeface="+mn-cs"/>
+                        </a:rPr>
+                        <a:t>672</a:t>
+                      </a:r>
                     </a:p>
                   </a:txBody>
-                  <a:tcPr>
+                  <a:tcPr marL="76200" marR="76200" marT="38100" marB="38100" anchor="ctr">
                     <a:lnL w="12700" cap="flat" cmpd="sng" algn="ctr">
                       <a:solidFill>
                         <a:schemeClr val="tx1"/>
@@ -9844,14 +10006,20 @@
                     <a:bodyPr/>
                     <a:lstStyle/>
                     <a:p>
-                      <a:endParaRPr lang="es-ES" sz="1300" dirty="0">
-                        <a:solidFill>
-                          <a:srgbClr val="582808"/>
-                        </a:solidFill>
-                      </a:endParaRPr>
+                      <a:r>
+                        <a:rPr lang="es-ES" sz="1300" kern="1200">
+                          <a:solidFill>
+                            <a:srgbClr val="582808"/>
+                          </a:solidFill>
+                          <a:latin typeface="+mn-lt"/>
+                          <a:ea typeface="+mn-ea"/>
+                          <a:cs typeface="+mn-cs"/>
+                        </a:rPr>
+                        <a:t>2.795300</a:t>
+                      </a:r>
                     </a:p>
                   </a:txBody>
-                  <a:tcPr>
+                  <a:tcPr marL="76200" marR="76200" marT="38100" marB="38100" anchor="ctr">
                     <a:lnL w="12700" cap="flat" cmpd="sng" algn="ctr">
                       <a:solidFill>
                         <a:schemeClr val="tx1"/>
@@ -9901,14 +10069,20 @@
                     <a:bodyPr/>
                     <a:lstStyle/>
                     <a:p>
-                      <a:endParaRPr lang="es-ES" sz="1300" dirty="0">
-                        <a:solidFill>
-                          <a:srgbClr val="582808"/>
-                        </a:solidFill>
-                      </a:endParaRPr>
+                      <a:r>
+                        <a:rPr lang="es-ES" sz="1300" kern="1200" dirty="0">
+                          <a:solidFill>
+                            <a:srgbClr val="582808"/>
+                          </a:solidFill>
+                          <a:latin typeface="+mn-lt"/>
+                          <a:ea typeface="+mn-ea"/>
+                          <a:cs typeface="+mn-cs"/>
+                        </a:rPr>
+                        <a:t>2.677184</a:t>
+                      </a:r>
                     </a:p>
                   </a:txBody>
-                  <a:tcPr>
+                  <a:tcPr marL="76200" marR="76200" marT="38100" marB="38100" anchor="ctr">
                     <a:lnL w="12700" cap="flat" cmpd="sng" algn="ctr">
                       <a:solidFill>
                         <a:schemeClr val="tx1"/>
@@ -9966,10 +10140,13 @@
                     <a:lstStyle/>
                     <a:p>
                       <a:r>
-                        <a:rPr lang="es-ES" sz="1300" dirty="0">
+                        <a:rPr lang="es-ES" sz="1300" kern="1200" dirty="0">
                           <a:solidFill>
                             <a:srgbClr val="582808"/>
                           </a:solidFill>
+                          <a:latin typeface="+mn-lt"/>
+                          <a:ea typeface="+mn-ea"/>
+                          <a:cs typeface="+mn-cs"/>
                         </a:rPr>
                         <a:t>Canillejas</a:t>
                       </a:r>
@@ -10025,14 +10202,20 @@
                     <a:bodyPr/>
                     <a:lstStyle/>
                     <a:p>
-                      <a:endParaRPr lang="es-ES" sz="1300" dirty="0">
-                        <a:solidFill>
-                          <a:srgbClr val="582808"/>
-                        </a:solidFill>
-                      </a:endParaRPr>
+                      <a:r>
+                        <a:rPr lang="es-ES" sz="1300" kern="1200" dirty="0">
+                          <a:solidFill>
+                            <a:srgbClr val="582808"/>
+                          </a:solidFill>
+                          <a:latin typeface="+mn-lt"/>
+                          <a:ea typeface="+mn-ea"/>
+                          <a:cs typeface="+mn-cs"/>
+                        </a:rPr>
+                        <a:t>713</a:t>
+                      </a:r>
                     </a:p>
                   </a:txBody>
-                  <a:tcPr>
+                  <a:tcPr marL="76200" marR="76200" marT="38100" marB="38100" anchor="ctr">
                     <a:lnL w="12700" cap="flat" cmpd="sng" algn="ctr">
                       <a:solidFill>
                         <a:schemeClr val="tx1"/>
@@ -10082,14 +10265,20 @@
                     <a:bodyPr/>
                     <a:lstStyle/>
                     <a:p>
-                      <a:endParaRPr lang="es-ES" sz="1300" dirty="0">
-                        <a:solidFill>
-                          <a:srgbClr val="582808"/>
-                        </a:solidFill>
-                      </a:endParaRPr>
+                      <a:r>
+                        <a:rPr lang="es-ES" sz="1300" kern="1200">
+                          <a:solidFill>
+                            <a:srgbClr val="582808"/>
+                          </a:solidFill>
+                          <a:latin typeface="+mn-lt"/>
+                          <a:ea typeface="+mn-ea"/>
+                          <a:cs typeface="+mn-cs"/>
+                        </a:rPr>
+                        <a:t>512</a:t>
+                      </a:r>
                     </a:p>
                   </a:txBody>
-                  <a:tcPr>
+                  <a:tcPr marL="76200" marR="76200" marT="38100" marB="38100" anchor="ctr">
                     <a:lnL w="12700" cap="flat" cmpd="sng" algn="ctr">
                       <a:solidFill>
                         <a:schemeClr val="tx1"/>
@@ -10139,14 +10328,20 @@
                     <a:bodyPr/>
                     <a:lstStyle/>
                     <a:p>
-                      <a:endParaRPr lang="es-ES" sz="1300" dirty="0">
-                        <a:solidFill>
-                          <a:srgbClr val="582808"/>
-                        </a:solidFill>
-                      </a:endParaRPr>
+                      <a:r>
+                        <a:rPr lang="es-ES" sz="1300" kern="1200">
+                          <a:solidFill>
+                            <a:srgbClr val="582808"/>
+                          </a:solidFill>
+                          <a:latin typeface="+mn-lt"/>
+                          <a:ea typeface="+mn-ea"/>
+                          <a:cs typeface="+mn-cs"/>
+                        </a:rPr>
+                        <a:t>2.282988</a:t>
+                      </a:r>
                     </a:p>
                   </a:txBody>
-                  <a:tcPr>
+                  <a:tcPr marL="76200" marR="76200" marT="38100" marB="38100" anchor="ctr">
                     <a:lnL w="12700" cap="flat" cmpd="sng" algn="ctr">
                       <a:solidFill>
                         <a:schemeClr val="tx1"/>
@@ -10196,14 +10391,20 @@
                     <a:bodyPr/>
                     <a:lstStyle/>
                     <a:p>
-                      <a:endParaRPr lang="es-ES" sz="1300" dirty="0">
-                        <a:solidFill>
-                          <a:srgbClr val="582808"/>
-                        </a:solidFill>
-                      </a:endParaRPr>
+                      <a:r>
+                        <a:rPr lang="es-ES" sz="1300" kern="1200" dirty="0">
+                          <a:solidFill>
+                            <a:srgbClr val="582808"/>
+                          </a:solidFill>
+                          <a:latin typeface="+mn-lt"/>
+                          <a:ea typeface="+mn-ea"/>
+                          <a:cs typeface="+mn-cs"/>
+                        </a:rPr>
+                        <a:t>2.039759</a:t>
+                      </a:r>
                     </a:p>
                   </a:txBody>
-                  <a:tcPr>
+                  <a:tcPr marL="76200" marR="76200" marT="38100" marB="38100" anchor="ctr">
                     <a:lnL w="12700" cap="flat" cmpd="sng" algn="ctr">
                       <a:solidFill>
                         <a:schemeClr val="tx1"/>
@@ -10261,10 +10462,13 @@
                     <a:lstStyle/>
                     <a:p>
                       <a:r>
-                        <a:rPr lang="es-ES" sz="1300" dirty="0">
+                        <a:rPr lang="es-ES" sz="1300" kern="1200" dirty="0">
                           <a:solidFill>
                             <a:srgbClr val="582808"/>
                           </a:solidFill>
+                          <a:latin typeface="+mn-lt"/>
+                          <a:ea typeface="+mn-ea"/>
+                          <a:cs typeface="+mn-cs"/>
                         </a:rPr>
                         <a:t>Usera</a:t>
                       </a:r>
@@ -10320,14 +10524,20 @@
                     <a:bodyPr/>
                     <a:lstStyle/>
                     <a:p>
-                      <a:endParaRPr lang="es-ES" sz="1300" dirty="0">
-                        <a:solidFill>
-                          <a:srgbClr val="582808"/>
-                        </a:solidFill>
-                      </a:endParaRPr>
+                      <a:r>
+                        <a:rPr lang="es-ES" sz="1300" kern="1200" dirty="0">
+                          <a:solidFill>
+                            <a:srgbClr val="582808"/>
+                          </a:solidFill>
+                          <a:latin typeface="+mn-lt"/>
+                          <a:ea typeface="+mn-ea"/>
+                          <a:cs typeface="+mn-cs"/>
+                        </a:rPr>
+                        <a:t>678</a:t>
+                      </a:r>
                     </a:p>
                   </a:txBody>
-                  <a:tcPr>
+                  <a:tcPr marL="76200" marR="76200" marT="38100" marB="38100" anchor="ctr">
                     <a:lnL w="12700" cap="flat" cmpd="sng" algn="ctr">
                       <a:solidFill>
                         <a:schemeClr val="tx1"/>
@@ -10377,14 +10587,20 @@
                     <a:bodyPr/>
                     <a:lstStyle/>
                     <a:p>
-                      <a:endParaRPr lang="es-ES" sz="1300" dirty="0">
-                        <a:solidFill>
-                          <a:srgbClr val="582808"/>
-                        </a:solidFill>
-                      </a:endParaRPr>
+                      <a:r>
+                        <a:rPr lang="es-ES" sz="1300" kern="1200">
+                          <a:solidFill>
+                            <a:srgbClr val="582808"/>
+                          </a:solidFill>
+                          <a:latin typeface="+mn-lt"/>
+                          <a:ea typeface="+mn-ea"/>
+                          <a:cs typeface="+mn-cs"/>
+                        </a:rPr>
+                        <a:t>567</a:t>
+                      </a:r>
                     </a:p>
                   </a:txBody>
-                  <a:tcPr>
+                  <a:tcPr marL="76200" marR="76200" marT="38100" marB="38100" anchor="ctr">
                     <a:lnL w="12700" cap="flat" cmpd="sng" algn="ctr">
                       <a:solidFill>
                         <a:schemeClr val="tx1"/>
@@ -10434,14 +10650,20 @@
                     <a:bodyPr/>
                     <a:lstStyle/>
                     <a:p>
-                      <a:endParaRPr lang="es-ES" sz="1300" dirty="0">
-                        <a:solidFill>
-                          <a:srgbClr val="582808"/>
-                        </a:solidFill>
-                      </a:endParaRPr>
+                      <a:r>
+                        <a:rPr lang="es-ES" sz="1300" kern="1200">
+                          <a:solidFill>
+                            <a:srgbClr val="582808"/>
+                          </a:solidFill>
+                          <a:latin typeface="+mn-lt"/>
+                          <a:ea typeface="+mn-ea"/>
+                          <a:cs typeface="+mn-cs"/>
+                        </a:rPr>
+                        <a:t>2.170920</a:t>
+                      </a:r>
                     </a:p>
                   </a:txBody>
-                  <a:tcPr>
+                  <a:tcPr marL="76200" marR="76200" marT="38100" marB="38100" anchor="ctr">
                     <a:lnL w="12700" cap="flat" cmpd="sng" algn="ctr">
                       <a:solidFill>
                         <a:schemeClr val="tx1"/>
@@ -10491,14 +10713,20 @@
                     <a:bodyPr/>
                     <a:lstStyle/>
                     <a:p>
-                      <a:endParaRPr lang="es-ES" sz="1300" dirty="0">
-                        <a:solidFill>
-                          <a:srgbClr val="582808"/>
-                        </a:solidFill>
-                      </a:endParaRPr>
+                      <a:r>
+                        <a:rPr lang="es-ES" sz="1300" kern="1200" dirty="0">
+                          <a:solidFill>
+                            <a:srgbClr val="582808"/>
+                          </a:solidFill>
+                          <a:latin typeface="+mn-lt"/>
+                          <a:ea typeface="+mn-ea"/>
+                          <a:cs typeface="+mn-cs"/>
+                        </a:rPr>
+                        <a:t>2.258874</a:t>
+                      </a:r>
                     </a:p>
                   </a:txBody>
-                  <a:tcPr>
+                  <a:tcPr marL="76200" marR="76200" marT="38100" marB="38100" anchor="ctr">
                     <a:lnL w="12700" cap="flat" cmpd="sng" algn="ctr">
                       <a:solidFill>
                         <a:schemeClr val="tx1"/>
@@ -10556,10 +10784,13 @@
                     <a:lstStyle/>
                     <a:p>
                       <a:r>
-                        <a:rPr lang="es-ES" sz="1300" dirty="0">
+                        <a:rPr lang="es-ES" sz="1300" kern="1200" dirty="0">
                           <a:solidFill>
                             <a:srgbClr val="582808"/>
                           </a:solidFill>
+                          <a:latin typeface="+mn-lt"/>
+                          <a:ea typeface="+mn-ea"/>
+                          <a:cs typeface="+mn-cs"/>
                         </a:rPr>
                         <a:t>Hortaleza</a:t>
                       </a:r>
@@ -10615,14 +10846,20 @@
                     <a:bodyPr/>
                     <a:lstStyle/>
                     <a:p>
-                      <a:endParaRPr lang="es-ES" sz="1300" dirty="0">
-                        <a:solidFill>
-                          <a:srgbClr val="582808"/>
-                        </a:solidFill>
-                      </a:endParaRPr>
+                      <a:r>
+                        <a:rPr lang="es-ES" sz="1300" kern="1200" dirty="0">
+                          <a:solidFill>
+                            <a:srgbClr val="582808"/>
+                          </a:solidFill>
+                          <a:latin typeface="+mn-lt"/>
+                          <a:ea typeface="+mn-ea"/>
+                          <a:cs typeface="+mn-cs"/>
+                        </a:rPr>
+                        <a:t>663</a:t>
+                      </a:r>
                     </a:p>
                   </a:txBody>
-                  <a:tcPr>
+                  <a:tcPr marL="76200" marR="76200" marT="38100" marB="38100" anchor="ctr">
                     <a:lnL w="12700" cap="flat" cmpd="sng" algn="ctr">
                       <a:solidFill>
                         <a:schemeClr val="tx1"/>
@@ -10672,14 +10909,20 @@
                     <a:bodyPr/>
                     <a:lstStyle/>
                     <a:p>
-                      <a:endParaRPr lang="es-ES" sz="1300" dirty="0">
-                        <a:solidFill>
-                          <a:srgbClr val="582808"/>
-                        </a:solidFill>
-                      </a:endParaRPr>
+                      <a:r>
+                        <a:rPr lang="es-ES" sz="1300" kern="1200">
+                          <a:solidFill>
+                            <a:srgbClr val="582808"/>
+                          </a:solidFill>
+                          <a:latin typeface="+mn-lt"/>
+                          <a:ea typeface="+mn-ea"/>
+                          <a:cs typeface="+mn-cs"/>
+                        </a:rPr>
+                        <a:t>566</a:t>
+                      </a:r>
                     </a:p>
                   </a:txBody>
-                  <a:tcPr>
+                  <a:tcPr marL="76200" marR="76200" marT="38100" marB="38100" anchor="ctr">
                     <a:lnL w="12700" cap="flat" cmpd="sng" algn="ctr">
                       <a:solidFill>
                         <a:schemeClr val="tx1"/>
@@ -10729,14 +10972,20 @@
                     <a:bodyPr/>
                     <a:lstStyle/>
                     <a:p>
-                      <a:endParaRPr lang="es-ES" sz="1300" dirty="0">
-                        <a:solidFill>
-                          <a:srgbClr val="582808"/>
-                        </a:solidFill>
-                      </a:endParaRPr>
+                      <a:r>
+                        <a:rPr lang="es-ES" sz="1300" kern="1200">
+                          <a:solidFill>
+                            <a:srgbClr val="582808"/>
+                          </a:solidFill>
+                          <a:latin typeface="+mn-lt"/>
+                          <a:ea typeface="+mn-ea"/>
+                          <a:cs typeface="+mn-cs"/>
+                        </a:rPr>
+                        <a:t>2.122891</a:t>
+                      </a:r>
                     </a:p>
                   </a:txBody>
-                  <a:tcPr>
+                  <a:tcPr marL="76200" marR="76200" marT="38100" marB="38100" anchor="ctr">
                     <a:lnL w="12700" cap="flat" cmpd="sng" algn="ctr">
                       <a:solidFill>
                         <a:schemeClr val="tx1"/>
@@ -10786,14 +11035,20 @@
                     <a:bodyPr/>
                     <a:lstStyle/>
                     <a:p>
-                      <a:endParaRPr lang="es-ES" sz="1300" dirty="0">
-                        <a:solidFill>
-                          <a:srgbClr val="582808"/>
-                        </a:solidFill>
-                      </a:endParaRPr>
+                      <a:r>
+                        <a:rPr lang="es-ES" sz="1300" kern="1200" dirty="0">
+                          <a:solidFill>
+                            <a:srgbClr val="582808"/>
+                          </a:solidFill>
+                          <a:latin typeface="+mn-lt"/>
+                          <a:ea typeface="+mn-ea"/>
+                          <a:cs typeface="+mn-cs"/>
+                        </a:rPr>
+                        <a:t>2.254890</a:t>
+                      </a:r>
                     </a:p>
                   </a:txBody>
-                  <a:tcPr>
+                  <a:tcPr marL="76200" marR="76200" marT="38100" marB="38100" anchor="ctr">
                     <a:lnL w="12700" cap="flat" cmpd="sng" algn="ctr">
                       <a:solidFill>
                         <a:schemeClr val="tx1"/>

--- a/PPT.pptx
+++ b/PPT.pptx
@@ -27,8 +27,8 @@
     <p:sldId id="262" r:id="rId18"/>
     <p:sldId id="263" r:id="rId19"/>
     <p:sldId id="264" r:id="rId20"/>
-    <p:sldId id="267" r:id="rId21"/>
-    <p:sldId id="265" r:id="rId22"/>
+    <p:sldId id="265" r:id="rId21"/>
+    <p:sldId id="268" r:id="rId22"/>
     <p:sldId id="266" r:id="rId23"/>
   </p:sldIdLst>
   <p:sldSz cx="12192000" cy="6858000"/>
@@ -8816,234 +8816,6 @@
       </p:grpSpPr>
       <p:sp>
         <p:nvSpPr>
-          <p:cNvPr id="4" name="Rectángulo 5">
-            <a:extLst>
-              <a:ext uri="{FF2B5EF4-FFF2-40B4-BE49-F238E27FC236}">
-                <a16:creationId xmlns:a16="http://schemas.microsoft.com/office/drawing/2014/main" id="{FEAC7CB0-5F8E-A86C-4F31-EAC92F88389C}"/>
-              </a:ext>
-            </a:extLst>
-          </p:cNvPr>
-          <p:cNvSpPr/>
-          <p:nvPr/>
-        </p:nvSpPr>
-        <p:spPr>
-          <a:xfrm>
-            <a:off x="0" y="0"/>
-            <a:ext cx="12191400" cy="6857280"/>
-          </a:xfrm>
-          <a:prstGeom prst="rect">
-            <a:avLst/>
-          </a:prstGeom>
-          <a:solidFill>
-            <a:schemeClr val="accent2">
-              <a:lumMod val="20000"/>
-              <a:lumOff val="80000"/>
-            </a:schemeClr>
-          </a:solidFill>
-          <a:ln>
-            <a:solidFill>
-              <a:srgbClr val="325490"/>
-            </a:solidFill>
-          </a:ln>
-        </p:spPr>
-        <p:style>
-          <a:lnRef idx="2">
-            <a:schemeClr val="accent1">
-              <a:shade val="50000"/>
-            </a:schemeClr>
-          </a:lnRef>
-          <a:fillRef idx="1">
-            <a:schemeClr val="accent1"/>
-          </a:fillRef>
-          <a:effectRef idx="0">
-            <a:schemeClr val="accent1"/>
-          </a:effectRef>
-          <a:fontRef idx="minor"/>
-        </p:style>
-        <p:txBody>
-          <a:bodyPr lIns="90000" tIns="45000" rIns="90000" bIns="45000" anchor="ctr">
-            <a:noAutofit/>
-          </a:bodyPr>
-          <a:lstStyle/>
-          <a:p>
-            <a:pPr algn="ctr" defTabSz="914400">
-              <a:lnSpc>
-                <a:spcPct val="100000"/>
-              </a:lnSpc>
-            </a:pPr>
-            <a:endParaRPr lang="es-ES" sz="1800" b="0" strike="noStrike" spc="-1" dirty="0">
-              <a:solidFill>
-                <a:schemeClr val="lt1"/>
-              </a:solidFill>
-              <a:latin typeface="Calibri"/>
-            </a:endParaRPr>
-          </a:p>
-        </p:txBody>
-      </p:sp>
-      <p:sp>
-        <p:nvSpPr>
-          <p:cNvPr id="5" name="CuadroTexto 4">
-            <a:extLst>
-              <a:ext uri="{FF2B5EF4-FFF2-40B4-BE49-F238E27FC236}">
-                <a16:creationId xmlns:a16="http://schemas.microsoft.com/office/drawing/2014/main" id="{C4E6C1ED-F7A8-6776-5C21-E976C13303CC}"/>
-              </a:ext>
-            </a:extLst>
-          </p:cNvPr>
-          <p:cNvSpPr txBox="1"/>
-          <p:nvPr/>
-        </p:nvSpPr>
-        <p:spPr>
-          <a:xfrm>
-            <a:off x="468086" y="239485"/>
-            <a:ext cx="11016344" cy="2308324"/>
-          </a:xfrm>
-          <a:prstGeom prst="rect">
-            <a:avLst/>
-          </a:prstGeom>
-          <a:noFill/>
-        </p:spPr>
-        <p:txBody>
-          <a:bodyPr wrap="square" rtlCol="0">
-            <a:spAutoFit/>
-          </a:bodyPr>
-          <a:lstStyle/>
-          <a:p>
-            <a:r>
-              <a:rPr lang="es-ES" dirty="0"/>
-              <a:t>Se analizó la variable </a:t>
-            </a:r>
-            <a:r>
-              <a:rPr lang="es-ES" b="1" dirty="0" err="1"/>
-              <a:t>minimum_nights</a:t>
-            </a:r>
-            <a:r>
-              <a:rPr lang="es-ES" dirty="0"/>
-              <a:t> (noches mínimas exigidas para reservar) para explorar posibles patrones por distrito: primero con un histograma (acotado a </a:t>
-            </a:r>
-            <a:r>
-              <a:rPr lang="es-ES" b="1" dirty="0"/>
-              <a:t>1–30 noches</a:t>
-            </a:r>
-            <a:r>
-              <a:rPr lang="es-ES" dirty="0"/>
-              <a:t> para interpretar mejor la distribución) y después con un </a:t>
-            </a:r>
-            <a:r>
-              <a:rPr lang="es-ES" b="1" dirty="0" err="1"/>
-              <a:t>scatter</a:t>
-            </a:r>
-            <a:r>
-              <a:rPr lang="es-ES" dirty="0"/>
-              <a:t> por latitud/longitud categorizando las estancias (</a:t>
-            </a:r>
-            <a:r>
-              <a:rPr lang="es-ES" b="1" dirty="0"/>
-              <a:t>1–3</a:t>
-            </a:r>
-            <a:r>
-              <a:rPr lang="es-ES" dirty="0"/>
-              <a:t>, </a:t>
-            </a:r>
-            <a:r>
-              <a:rPr lang="es-ES" b="1" dirty="0"/>
-              <a:t>4–7</a:t>
-            </a:r>
-            <a:r>
-              <a:rPr lang="es-ES" dirty="0"/>
-              <a:t>, </a:t>
-            </a:r>
-            <a:r>
-              <a:rPr lang="es-ES" b="1" dirty="0"/>
-              <a:t>8+</a:t>
-            </a:r>
-            <a:r>
-              <a:rPr lang="es-ES" dirty="0"/>
-              <a:t>). En conjunto, </a:t>
-            </a:r>
-            <a:r>
-              <a:rPr lang="es-ES" b="1" dirty="0"/>
-              <a:t>no se observa una relación directa</a:t>
-            </a:r>
-            <a:r>
-              <a:rPr lang="es-ES" dirty="0"/>
-              <a:t> entre las noches mínimas y el </a:t>
-            </a:r>
-            <a:r>
-              <a:rPr lang="es-ES" b="1" dirty="0"/>
-              <a:t>precio medio del m²</a:t>
-            </a:r>
-            <a:r>
-              <a:rPr lang="es-ES" dirty="0"/>
-              <a:t> por distrito; sin embargo, sí aparece un patrón consistente: los distritos con </a:t>
-            </a:r>
-            <a:r>
-              <a:rPr lang="es-ES" b="1" dirty="0"/>
-              <a:t>mayor concentración de anuncios de Airbnb</a:t>
-            </a:r>
-            <a:r>
-              <a:rPr lang="es-ES" dirty="0"/>
-              <a:t> coinciden con los que acumulan más alojamientos de </a:t>
-            </a:r>
-            <a:r>
-              <a:rPr lang="es-ES" b="1" dirty="0"/>
-              <a:t>estancia mínima baja (especialmente 1 noche)</a:t>
-            </a:r>
-            <a:r>
-              <a:rPr lang="es-ES" dirty="0"/>
-              <a:t>, lo que sugiere una mayor orientación a estancias cortas y rotación turística en zonas como </a:t>
-            </a:r>
-            <a:r>
-              <a:rPr lang="es-ES" b="1" dirty="0"/>
-              <a:t>Centro</a:t>
-            </a:r>
-            <a:r>
-              <a:rPr lang="es-ES" dirty="0"/>
-              <a:t> y otros distritos de alta demanda (p. ej., </a:t>
-            </a:r>
-            <a:r>
-              <a:rPr lang="es-ES" b="1" dirty="0"/>
-              <a:t>Salamanca, Chamberí, Retiro, Tetuán</a:t>
-            </a:r>
-            <a:r>
-              <a:rPr lang="es-ES" dirty="0"/>
-              <a:t>).</a:t>
-            </a:r>
-            <a:endParaRPr lang="es-CL" dirty="0"/>
-          </a:p>
-        </p:txBody>
-      </p:sp>
-    </p:spTree>
-    <p:extLst>
-      <p:ext uri="{BB962C8B-B14F-4D97-AF65-F5344CB8AC3E}">
-        <p14:creationId xmlns:p14="http://schemas.microsoft.com/office/powerpoint/2010/main" val="2638113241"/>
-      </p:ext>
-    </p:extLst>
-  </p:cSld>
-  <p:clrMapOvr>
-    <a:masterClrMapping/>
-  </p:clrMapOvr>
-</p:sld>
-</file>
-
-<file path=ppt/slides/slide11.xml><?xml version="1.0" encoding="utf-8"?>
-<p:sld xmlns:a="http://schemas.openxmlformats.org/drawingml/2006/main" xmlns:r="http://schemas.openxmlformats.org/officeDocument/2006/relationships" xmlns:p="http://schemas.openxmlformats.org/presentationml/2006/main">
-  <p:cSld>
-    <p:spTree>
-      <p:nvGrpSpPr>
-        <p:cNvPr id="1" name=""/>
-        <p:cNvGrpSpPr/>
-        <p:nvPr/>
-      </p:nvGrpSpPr>
-      <p:grpSpPr>
-        <a:xfrm>
-          <a:off x="0" y="0"/>
-          <a:ext cx="0" cy="0"/>
-          <a:chOff x="0" y="0"/>
-          <a:chExt cx="0" cy="0"/>
-        </a:xfrm>
-      </p:grpSpPr>
-      <p:sp>
-        <p:nvSpPr>
           <p:cNvPr id="98" name="Rectángulo 5"/>
           <p:cNvSpPr/>
           <p:nvPr/>
@@ -9180,7 +8952,7 @@
         <p:spPr>
           <a:xfrm>
             <a:off x="7777080" y="2413440"/>
-            <a:ext cx="3886200" cy="2009880"/>
+            <a:ext cx="3886200" cy="2029871"/>
           </a:xfrm>
           <a:prstGeom prst="rect">
             <a:avLst/>
@@ -9214,15 +8986,33 @@
               </a:lnSpc>
             </a:pPr>
             <a:r>
-              <a:rPr lang="es-ES" sz="1800" b="1" strike="noStrike" spc="-1">
+              <a:rPr lang="es-ES" sz="1800" strike="noStrike" spc="-1" dirty="0">
                 <a:solidFill>
                   <a:srgbClr val="582808"/>
                 </a:solidFill>
                 <a:latin typeface="Calibri"/>
               </a:rPr>
-              <a:t>La tabla por distrito muestra una concentración muy marcada de anuncios en Centro, que acumula aproximadamente 4 de cada 10 anuncios del Dataset (≈40% del total) y una proporción similar de anuncios activos (≈41%).</a:t>
+              <a:t>La tabla por distrito muestra una concentración muy marcada de anuncios en Centro, que acumula aproximadamente 4 de cada 10 anuncios del </a:t>
             </a:r>
-            <a:endParaRPr lang="es-ES" sz="1800" b="0" strike="noStrike" spc="-1">
+            <a:r>
+              <a:rPr lang="es-ES" sz="1800" strike="noStrike" spc="-1" dirty="0" err="1">
+                <a:solidFill>
+                  <a:srgbClr val="582808"/>
+                </a:solidFill>
+                <a:latin typeface="Calibri"/>
+              </a:rPr>
+              <a:t>Dataset</a:t>
+            </a:r>
+            <a:r>
+              <a:rPr lang="es-ES" sz="1800" strike="noStrike" spc="-1" dirty="0">
+                <a:solidFill>
+                  <a:srgbClr val="582808"/>
+                </a:solidFill>
+                <a:latin typeface="Calibri"/>
+              </a:rPr>
+              <a:t> (≈40% del total) y una proporción similar de anuncios activos (≈41%).</a:t>
+            </a:r>
+            <a:endParaRPr lang="es-ES" sz="1800" strike="noStrike" spc="-1" dirty="0">
               <a:solidFill>
                 <a:srgbClr val="000000"/>
               </a:solidFill>
@@ -14222,6 +14012,332 @@
         </a:graphic>
       </p:graphicFrame>
     </p:spTree>
+  </p:cSld>
+  <p:clrMapOvr>
+    <a:masterClrMapping/>
+  </p:clrMapOvr>
+</p:sld>
+</file>
+
+<file path=ppt/slides/slide11.xml><?xml version="1.0" encoding="utf-8"?>
+<p:sld xmlns:a="http://schemas.openxmlformats.org/drawingml/2006/main" xmlns:r="http://schemas.openxmlformats.org/officeDocument/2006/relationships" xmlns:p="http://schemas.openxmlformats.org/presentationml/2006/main">
+  <p:cSld>
+    <p:spTree>
+      <p:nvGrpSpPr>
+        <p:cNvPr id="1" name=""/>
+        <p:cNvGrpSpPr/>
+        <p:nvPr/>
+      </p:nvGrpSpPr>
+      <p:grpSpPr>
+        <a:xfrm>
+          <a:off x="0" y="0"/>
+          <a:ext cx="0" cy="0"/>
+          <a:chOff x="0" y="0"/>
+          <a:chExt cx="0" cy="0"/>
+        </a:xfrm>
+      </p:grpSpPr>
+      <p:sp>
+        <p:nvSpPr>
+          <p:cNvPr id="92" name="Rectángulo 5"/>
+          <p:cNvSpPr/>
+          <p:nvPr/>
+        </p:nvSpPr>
+        <p:spPr>
+          <a:xfrm>
+            <a:off x="600" y="0"/>
+            <a:ext cx="12191400" cy="6857280"/>
+          </a:xfrm>
+          <a:prstGeom prst="rect">
+            <a:avLst/>
+          </a:prstGeom>
+          <a:solidFill>
+            <a:schemeClr val="accent2">
+              <a:lumMod val="20000"/>
+              <a:lumOff val="80000"/>
+            </a:schemeClr>
+          </a:solidFill>
+          <a:ln>
+            <a:solidFill>
+              <a:srgbClr val="325490"/>
+            </a:solidFill>
+          </a:ln>
+        </p:spPr>
+        <p:style>
+          <a:lnRef idx="2">
+            <a:schemeClr val="accent1">
+              <a:shade val="50000"/>
+            </a:schemeClr>
+          </a:lnRef>
+          <a:fillRef idx="1">
+            <a:schemeClr val="accent1"/>
+          </a:fillRef>
+          <a:effectRef idx="0">
+            <a:schemeClr val="accent1"/>
+          </a:effectRef>
+          <a:fontRef idx="minor"/>
+        </p:style>
+        <p:txBody>
+          <a:bodyPr lIns="90000" tIns="45000" rIns="90000" bIns="45000" anchor="ctr">
+            <a:noAutofit/>
+          </a:bodyPr>
+          <a:lstStyle/>
+          <a:p>
+            <a:pPr algn="ctr" defTabSz="914400">
+              <a:lnSpc>
+                <a:spcPct val="100000"/>
+              </a:lnSpc>
+            </a:pPr>
+            <a:endParaRPr lang="es-ES" sz="1800" b="0" strike="noStrike" spc="-1">
+              <a:solidFill>
+                <a:schemeClr val="lt1"/>
+              </a:solidFill>
+              <a:latin typeface="Calibri"/>
+            </a:endParaRPr>
+          </a:p>
+        </p:txBody>
+      </p:sp>
+      <p:sp>
+        <p:nvSpPr>
+          <p:cNvPr id="93" name="CuadroTexto 7"/>
+          <p:cNvSpPr/>
+          <p:nvPr/>
+        </p:nvSpPr>
+        <p:spPr>
+          <a:xfrm>
+            <a:off x="527760" y="479520"/>
+            <a:ext cx="11135520" cy="629488"/>
+          </a:xfrm>
+          <a:prstGeom prst="rect">
+            <a:avLst/>
+          </a:prstGeom>
+          <a:noFill/>
+          <a:ln w="0">
+            <a:noFill/>
+          </a:ln>
+        </p:spPr>
+        <p:style>
+          <a:lnRef idx="0">
+            <a:scrgbClr r="0" g="0" b="0"/>
+          </a:lnRef>
+          <a:fillRef idx="0">
+            <a:scrgbClr r="0" g="0" b="0"/>
+          </a:fillRef>
+          <a:effectRef idx="0">
+            <a:scrgbClr r="0" g="0" b="0"/>
+          </a:effectRef>
+          <a:fontRef idx="minor"/>
+        </p:style>
+        <p:txBody>
+          <a:bodyPr lIns="90000" tIns="45000" rIns="90000" bIns="45000" anchor="t">
+            <a:spAutoFit/>
+          </a:bodyPr>
+          <a:lstStyle/>
+          <a:p>
+            <a:pPr defTabSz="914400">
+              <a:lnSpc>
+                <a:spcPct val="100000"/>
+              </a:lnSpc>
+            </a:pPr>
+            <a:r>
+              <a:rPr lang="es-ES" sz="3500" b="1" spc="-1" dirty="0">
+                <a:solidFill>
+                  <a:srgbClr val="582808"/>
+                </a:solidFill>
+                <a:latin typeface="Calibri Light"/>
+              </a:rPr>
+              <a:t>4</a:t>
+            </a:r>
+            <a:r>
+              <a:rPr lang="es-ES" sz="3500" b="1" strike="noStrike" spc="-1" dirty="0">
+                <a:solidFill>
+                  <a:srgbClr val="582808"/>
+                </a:solidFill>
+                <a:latin typeface="Calibri Light"/>
+              </a:rPr>
+              <a:t>. Análisis de los datos</a:t>
+            </a:r>
+            <a:endParaRPr lang="es-ES" sz="3500" b="0" strike="noStrike" spc="-1" dirty="0">
+              <a:solidFill>
+                <a:srgbClr val="582808"/>
+              </a:solidFill>
+              <a:latin typeface="Arial"/>
+            </a:endParaRPr>
+          </a:p>
+        </p:txBody>
+      </p:sp>
+      <p:pic>
+        <p:nvPicPr>
+          <p:cNvPr id="95" name="Imagen 6"/>
+          <p:cNvPicPr/>
+          <p:nvPr/>
+        </p:nvPicPr>
+        <p:blipFill>
+          <a:blip r:embed="rId2"/>
+          <a:stretch/>
+        </p:blipFill>
+        <p:spPr>
+          <a:xfrm>
+            <a:off x="10598040" y="479520"/>
+            <a:ext cx="1065240" cy="801000"/>
+          </a:xfrm>
+          <a:prstGeom prst="rect">
+            <a:avLst/>
+          </a:prstGeom>
+          <a:ln w="0">
+            <a:noFill/>
+          </a:ln>
+        </p:spPr>
+      </p:pic>
+      <p:pic>
+        <p:nvPicPr>
+          <p:cNvPr id="3" name="Imagen 2">
+            <a:extLst>
+              <a:ext uri="{FF2B5EF4-FFF2-40B4-BE49-F238E27FC236}">
+                <a16:creationId xmlns:a16="http://schemas.microsoft.com/office/drawing/2014/main" id="{3E588AE1-F5A7-41B5-845B-7B2DD06AE600}"/>
+              </a:ext>
+            </a:extLst>
+          </p:cNvPr>
+          <p:cNvPicPr>
+            <a:picLocks noChangeAspect="1"/>
+          </p:cNvPicPr>
+          <p:nvPr/>
+        </p:nvPicPr>
+        <p:blipFill>
+          <a:blip r:embed="rId3">
+            <a:extLst>
+              <a:ext uri="{28A0092B-C50C-407E-A947-70E740481C1C}">
+                <a14:useLocalDpi xmlns:a14="http://schemas.microsoft.com/office/drawing/2010/main" val="0"/>
+              </a:ext>
+            </a:extLst>
+          </a:blip>
+          <a:stretch>
+            <a:fillRect/>
+          </a:stretch>
+        </p:blipFill>
+        <p:spPr>
+          <a:xfrm>
+            <a:off x="1197863" y="1334653"/>
+            <a:ext cx="4322403" cy="2551444"/>
+          </a:xfrm>
+          <a:prstGeom prst="rect">
+            <a:avLst/>
+          </a:prstGeom>
+        </p:spPr>
+      </p:pic>
+      <p:pic>
+        <p:nvPicPr>
+          <p:cNvPr id="5" name="Imagen 4">
+            <a:extLst>
+              <a:ext uri="{FF2B5EF4-FFF2-40B4-BE49-F238E27FC236}">
+                <a16:creationId xmlns:a16="http://schemas.microsoft.com/office/drawing/2014/main" id="{15D7F952-9DB8-4BED-8B5A-69B9E56A5538}"/>
+              </a:ext>
+            </a:extLst>
+          </p:cNvPr>
+          <p:cNvPicPr>
+            <a:picLocks noChangeAspect="1"/>
+          </p:cNvPicPr>
+          <p:nvPr/>
+        </p:nvPicPr>
+        <p:blipFill>
+          <a:blip r:embed="rId4">
+            <a:extLst>
+              <a:ext uri="{28A0092B-C50C-407E-A947-70E740481C1C}">
+                <a14:useLocalDpi xmlns:a14="http://schemas.microsoft.com/office/drawing/2010/main" val="0"/>
+              </a:ext>
+            </a:extLst>
+          </a:blip>
+          <a:stretch>
+            <a:fillRect/>
+          </a:stretch>
+        </p:blipFill>
+        <p:spPr>
+          <a:xfrm>
+            <a:off x="6671734" y="1334653"/>
+            <a:ext cx="4322403" cy="2551443"/>
+          </a:xfrm>
+          <a:prstGeom prst="rect">
+            <a:avLst/>
+          </a:prstGeom>
+        </p:spPr>
+      </p:pic>
+      <p:sp>
+        <p:nvSpPr>
+          <p:cNvPr id="9" name="CuadroTexto 8">
+            <a:extLst>
+              <a:ext uri="{FF2B5EF4-FFF2-40B4-BE49-F238E27FC236}">
+                <a16:creationId xmlns:a16="http://schemas.microsoft.com/office/drawing/2014/main" id="{FE36C4ED-A581-4843-84C2-E380A7788734}"/>
+              </a:ext>
+            </a:extLst>
+          </p:cNvPr>
+          <p:cNvSpPr txBox="1"/>
+          <p:nvPr/>
+        </p:nvSpPr>
+        <p:spPr>
+          <a:xfrm>
+            <a:off x="688902" y="4111743"/>
+            <a:ext cx="10974378" cy="2308324"/>
+          </a:xfrm>
+          <a:prstGeom prst="rect">
+            <a:avLst/>
+          </a:prstGeom>
+          <a:noFill/>
+        </p:spPr>
+        <p:txBody>
+          <a:bodyPr wrap="square" rtlCol="0">
+            <a:spAutoFit/>
+          </a:bodyPr>
+          <a:lstStyle/>
+          <a:p>
+            <a:pPr algn="just"/>
+            <a:r>
+              <a:rPr lang="es-ES" dirty="0">
+                <a:solidFill>
+                  <a:srgbClr val="582808"/>
+                </a:solidFill>
+              </a:rPr>
+              <a:t>Se analizó la variable </a:t>
+            </a:r>
+            <a:r>
+              <a:rPr lang="es-ES" dirty="0" err="1">
+                <a:solidFill>
+                  <a:srgbClr val="582808"/>
+                </a:solidFill>
+              </a:rPr>
+              <a:t>minimum_nights</a:t>
+            </a:r>
+            <a:r>
+              <a:rPr lang="es-ES" dirty="0">
+                <a:solidFill>
+                  <a:srgbClr val="582808"/>
+                </a:solidFill>
+              </a:rPr>
+              <a:t> (noches mínimas exigidas para reservar) para explorar posibles patrones por distrito: primero con un histograma (acotado a 1–30 noches para interpretar mejor la distribución) y después con un </a:t>
+            </a:r>
+            <a:r>
+              <a:rPr lang="es-ES" dirty="0" err="1">
+                <a:solidFill>
+                  <a:srgbClr val="582808"/>
+                </a:solidFill>
+              </a:rPr>
+              <a:t>scatter</a:t>
+            </a:r>
+            <a:r>
+              <a:rPr lang="es-ES" dirty="0">
+                <a:solidFill>
+                  <a:srgbClr val="582808"/>
+                </a:solidFill>
+              </a:rPr>
+              <a:t> por latitud/longitud categorizando las estancias (1–3, 4–7, 8+). En conjunto, no se observa una relación directa entre las noches mínimas y el precio medio del m² por distrito; sin embargo, sí aparece un patrón consistente: los distritos con mayor concentración de anuncios de Airbnb coinciden con los que acumulan más alojamientos de estancia mínima baja (especialmente 1 noche), lo que sugiere una mayor orientación a estancias cortas y rotación turística en zonas como Centro y otros distritos de alta demanda (p. ej., Salamanca, Chamberí, Retiro, Tetuán).</a:t>
+            </a:r>
+          </a:p>
+        </p:txBody>
+      </p:sp>
+    </p:spTree>
+    <p:extLst>
+      <p:ext uri="{BB962C8B-B14F-4D97-AF65-F5344CB8AC3E}">
+        <p14:creationId xmlns:p14="http://schemas.microsoft.com/office/powerpoint/2010/main" val="24190219"/>
+      </p:ext>
+    </p:extLst>
   </p:cSld>
   <p:clrMapOvr>
     <a:masterClrMapping/>
@@ -17108,48 +17224,74 @@
       </p:pic>
       <p:pic>
         <p:nvPicPr>
-          <p:cNvPr id="90" name="Imagen 9"/>
-          <p:cNvPicPr/>
+          <p:cNvPr id="3" name="Imagen 2">
+            <a:extLst>
+              <a:ext uri="{FF2B5EF4-FFF2-40B4-BE49-F238E27FC236}">
+                <a16:creationId xmlns:a16="http://schemas.microsoft.com/office/drawing/2014/main" id="{6EFBE7E1-C8C1-4E20-8209-908A8B668D87}"/>
+              </a:ext>
+            </a:extLst>
+          </p:cNvPr>
+          <p:cNvPicPr>
+            <a:picLocks noChangeAspect="1"/>
+          </p:cNvPicPr>
           <p:nvPr/>
         </p:nvPicPr>
         <p:blipFill>
-          <a:blip r:embed="rId4"/>
-          <a:stretch/>
+          <a:blip r:embed="rId4">
+            <a:extLst>
+              <a:ext uri="{28A0092B-C50C-407E-A947-70E740481C1C}">
+                <a14:useLocalDpi xmlns:a14="http://schemas.microsoft.com/office/drawing/2010/main" val="0"/>
+              </a:ext>
+            </a:extLst>
+          </a:blip>
+          <a:stretch>
+            <a:fillRect/>
+          </a:stretch>
         </p:blipFill>
         <p:spPr>
           <a:xfrm>
-            <a:off x="452160" y="1380960"/>
+            <a:off x="559800" y="1380088"/>
             <a:ext cx="5287680" cy="3772800"/>
           </a:xfrm>
           <a:prstGeom prst="rect">
             <a:avLst/>
           </a:prstGeom>
-          <a:ln w="0">
-            <a:noFill/>
-          </a:ln>
         </p:spPr>
       </p:pic>
       <p:pic>
         <p:nvPicPr>
-          <p:cNvPr id="91" name="Imagen 11"/>
-          <p:cNvPicPr/>
+          <p:cNvPr id="5" name="Imagen 4">
+            <a:extLst>
+              <a:ext uri="{FF2B5EF4-FFF2-40B4-BE49-F238E27FC236}">
+                <a16:creationId xmlns:a16="http://schemas.microsoft.com/office/drawing/2014/main" id="{B04E42C5-952B-40EF-A588-E27950685C7A}"/>
+              </a:ext>
+            </a:extLst>
+          </p:cNvPr>
+          <p:cNvPicPr>
+            <a:picLocks noChangeAspect="1"/>
+          </p:cNvPicPr>
           <p:nvPr/>
         </p:nvPicPr>
         <p:blipFill>
-          <a:blip r:embed="rId5"/>
-          <a:stretch/>
+          <a:blip r:embed="rId5">
+            <a:extLst>
+              <a:ext uri="{28A0092B-C50C-407E-A947-70E740481C1C}">
+                <a14:useLocalDpi xmlns:a14="http://schemas.microsoft.com/office/drawing/2010/main" val="0"/>
+              </a:ext>
+            </a:extLst>
+          </a:blip>
+          <a:stretch>
+            <a:fillRect/>
+          </a:stretch>
         </p:blipFill>
         <p:spPr>
           <a:xfrm>
-            <a:off x="6375600" y="1380960"/>
+            <a:off x="6375600" y="1380088"/>
             <a:ext cx="5287680" cy="3772800"/>
           </a:xfrm>
           <a:prstGeom prst="rect">
             <a:avLst/>
           </a:prstGeom>
-          <a:ln w="0">
-            <a:noFill/>
-          </a:ln>
         </p:spPr>
       </p:pic>
     </p:spTree>
